--- a/slides/CT.pptx
+++ b/slides/CT.pptx
@@ -1,16 +1,21 @@
 
 <file path=ppt/presentation.xml><?xml version="1.0" encoding="utf-8"?>
-<p:presentation xmlns:a="http://schemas.openxmlformats.org/drawingml/2006/main" xmlns:r="http://schemas.openxmlformats.org/officeDocument/2006/relationships" xmlns:p="http://schemas.openxmlformats.org/presentationml/2006/main" saveSubsetFonts="1">
+<p:presentation xmlns:a="http://schemas.openxmlformats.org/drawingml/2006/main" xmlns:r="http://schemas.openxmlformats.org/officeDocument/2006/relationships" xmlns:p="http://schemas.openxmlformats.org/presentationml/2006/main" showSpecialPlsOnTitleSld="0" saveSubsetFonts="1">
   <p:sldMasterIdLst>
     <p:sldMasterId id="2147483648" r:id="rId1"/>
   </p:sldMasterIdLst>
+  <p:notesMasterIdLst>
+    <p:notesMasterId r:id="rId10"/>
+  </p:notesMasterIdLst>
   <p:sldIdLst>
     <p:sldId id="256" r:id="rId2"/>
     <p:sldId id="262" r:id="rId3"/>
-    <p:sldId id="261" r:id="rId4"/>
-    <p:sldId id="259" r:id="rId5"/>
-    <p:sldId id="260" r:id="rId6"/>
-    <p:sldId id="258" r:id="rId7"/>
+    <p:sldId id="263" r:id="rId4"/>
+    <p:sldId id="264" r:id="rId5"/>
+    <p:sldId id="259" r:id="rId6"/>
+    <p:sldId id="260" r:id="rId7"/>
+    <p:sldId id="258" r:id="rId8"/>
+    <p:sldId id="261" r:id="rId9"/>
   </p:sldIdLst>
   <p:sldSz cx="12192000" cy="6858000"/>
   <p:notesSz cx="6858000" cy="9144000"/>
@@ -169,6 +174,355 @@
 </pc:chgInfo>
 </file>
 
+<file path=ppt/notesMasters/notesMaster1.xml><?xml version="1.0" encoding="utf-8"?>
+<p:notesMaster xmlns:a="http://schemas.openxmlformats.org/drawingml/2006/main" xmlns:r="http://schemas.openxmlformats.org/officeDocument/2006/relationships" xmlns:p="http://schemas.openxmlformats.org/presentationml/2006/main">
+  <p:cSld>
+    <p:bg>
+      <p:bgRef idx="1001">
+        <a:schemeClr val="bg1"/>
+      </p:bgRef>
+    </p:bg>
+    <p:spTree>
+      <p:nvGrpSpPr>
+        <p:cNvPr id="1" name=""/>
+        <p:cNvGrpSpPr/>
+        <p:nvPr/>
+      </p:nvGrpSpPr>
+      <p:grpSpPr>
+        <a:xfrm>
+          <a:off x="0" y="0"/>
+          <a:ext cx="0" cy="0"/>
+          <a:chOff x="0" y="0"/>
+          <a:chExt cx="0" cy="0"/>
+        </a:xfrm>
+      </p:grpSpPr>
+      <p:sp>
+        <p:nvSpPr>
+          <p:cNvPr id="2" name="Kopfzeilenplatzhalter 1"/>
+          <p:cNvSpPr>
+            <a:spLocks noGrp="1"/>
+          </p:cNvSpPr>
+          <p:nvPr>
+            <p:ph type="hdr" sz="quarter"/>
+          </p:nvPr>
+        </p:nvSpPr>
+        <p:spPr>
+          <a:xfrm>
+            <a:off x="0" y="0"/>
+            <a:ext cx="2971800" cy="458788"/>
+          </a:xfrm>
+          <a:prstGeom prst="rect">
+            <a:avLst/>
+          </a:prstGeom>
+        </p:spPr>
+        <p:txBody>
+          <a:bodyPr vert="horz" lIns="91440" tIns="45720" rIns="91440" bIns="45720" rtlCol="0"/>
+          <a:lstStyle>
+            <a:lvl1pPr algn="l">
+              <a:defRPr sz="1200"/>
+            </a:lvl1pPr>
+          </a:lstStyle>
+          <a:p>
+            <a:endParaRPr lang="de-DE"/>
+          </a:p>
+        </p:txBody>
+      </p:sp>
+      <p:sp>
+        <p:nvSpPr>
+          <p:cNvPr id="3" name="Datumsplatzhalter 2"/>
+          <p:cNvSpPr>
+            <a:spLocks noGrp="1"/>
+          </p:cNvSpPr>
+          <p:nvPr>
+            <p:ph type="dt" idx="1"/>
+          </p:nvPr>
+        </p:nvSpPr>
+        <p:spPr>
+          <a:xfrm>
+            <a:off x="3884613" y="0"/>
+            <a:ext cx="2971800" cy="458788"/>
+          </a:xfrm>
+          <a:prstGeom prst="rect">
+            <a:avLst/>
+          </a:prstGeom>
+        </p:spPr>
+        <p:txBody>
+          <a:bodyPr vert="horz" lIns="91440" tIns="45720" rIns="91440" bIns="45720" rtlCol="0"/>
+          <a:lstStyle>
+            <a:lvl1pPr algn="r">
+              <a:defRPr sz="1200"/>
+            </a:lvl1pPr>
+          </a:lstStyle>
+          <a:p>
+            <a:fld id="{F8A77151-A70E-4C9B-9104-98B4602AD2C7}" type="datetimeFigureOut">
+              <a:rPr lang="de-DE" smtClean="0"/>
+              <a:t>10.04.2025</a:t>
+            </a:fld>
+            <a:endParaRPr lang="de-DE"/>
+          </a:p>
+        </p:txBody>
+      </p:sp>
+      <p:sp>
+        <p:nvSpPr>
+          <p:cNvPr id="4" name="Folienbildplatzhalter 3"/>
+          <p:cNvSpPr>
+            <a:spLocks noGrp="1" noRot="1" noChangeAspect="1"/>
+          </p:cNvSpPr>
+          <p:nvPr>
+            <p:ph type="sldImg" idx="2"/>
+          </p:nvPr>
+        </p:nvSpPr>
+        <p:spPr>
+          <a:xfrm>
+            <a:off x="685800" y="1143000"/>
+            <a:ext cx="5486400" cy="3086100"/>
+          </a:xfrm>
+          <a:prstGeom prst="rect">
+            <a:avLst/>
+          </a:prstGeom>
+          <a:noFill/>
+          <a:ln w="12700">
+            <a:solidFill>
+              <a:prstClr val="black"/>
+            </a:solidFill>
+          </a:ln>
+        </p:spPr>
+        <p:txBody>
+          <a:bodyPr vert="horz" lIns="91440" tIns="45720" rIns="91440" bIns="45720" rtlCol="0" anchor="ctr"/>
+          <a:lstStyle/>
+          <a:p>
+            <a:endParaRPr lang="de-DE"/>
+          </a:p>
+        </p:txBody>
+      </p:sp>
+      <p:sp>
+        <p:nvSpPr>
+          <p:cNvPr id="5" name="Notizenplatzhalter 4"/>
+          <p:cNvSpPr>
+            <a:spLocks noGrp="1"/>
+          </p:cNvSpPr>
+          <p:nvPr>
+            <p:ph type="body" sz="quarter" idx="3"/>
+          </p:nvPr>
+        </p:nvSpPr>
+        <p:spPr>
+          <a:xfrm>
+            <a:off x="685800" y="4400550"/>
+            <a:ext cx="5486400" cy="3600450"/>
+          </a:xfrm>
+          <a:prstGeom prst="rect">
+            <a:avLst/>
+          </a:prstGeom>
+        </p:spPr>
+        <p:txBody>
+          <a:bodyPr vert="horz" lIns="91440" tIns="45720" rIns="91440" bIns="45720" rtlCol="0"/>
+          <a:lstStyle/>
+          <a:p>
+            <a:pPr lvl="0"/>
+            <a:r>
+              <a:rPr lang="de-DE"/>
+              <a:t>Mastertextformat bearbeiten</a:t>
+            </a:r>
+          </a:p>
+          <a:p>
+            <a:pPr lvl="1"/>
+            <a:r>
+              <a:rPr lang="de-DE"/>
+              <a:t>Zweite Ebene</a:t>
+            </a:r>
+          </a:p>
+          <a:p>
+            <a:pPr lvl="2"/>
+            <a:r>
+              <a:rPr lang="de-DE"/>
+              <a:t>Dritte Ebene</a:t>
+            </a:r>
+          </a:p>
+          <a:p>
+            <a:pPr lvl="3"/>
+            <a:r>
+              <a:rPr lang="de-DE"/>
+              <a:t>Vierte Ebene</a:t>
+            </a:r>
+          </a:p>
+          <a:p>
+            <a:pPr lvl="4"/>
+            <a:r>
+              <a:rPr lang="de-DE"/>
+              <a:t>Fünfte Ebene</a:t>
+            </a:r>
+          </a:p>
+        </p:txBody>
+      </p:sp>
+      <p:sp>
+        <p:nvSpPr>
+          <p:cNvPr id="6" name="Fußzeilenplatzhalter 5"/>
+          <p:cNvSpPr>
+            <a:spLocks noGrp="1"/>
+          </p:cNvSpPr>
+          <p:nvPr>
+            <p:ph type="ftr" sz="quarter" idx="4"/>
+          </p:nvPr>
+        </p:nvSpPr>
+        <p:spPr>
+          <a:xfrm>
+            <a:off x="0" y="8685213"/>
+            <a:ext cx="2971800" cy="458787"/>
+          </a:xfrm>
+          <a:prstGeom prst="rect">
+            <a:avLst/>
+          </a:prstGeom>
+        </p:spPr>
+        <p:txBody>
+          <a:bodyPr vert="horz" lIns="91440" tIns="45720" rIns="91440" bIns="45720" rtlCol="0" anchor="b"/>
+          <a:lstStyle>
+            <a:lvl1pPr algn="l">
+              <a:defRPr sz="1200"/>
+            </a:lvl1pPr>
+          </a:lstStyle>
+          <a:p>
+            <a:endParaRPr lang="de-DE"/>
+          </a:p>
+        </p:txBody>
+      </p:sp>
+      <p:sp>
+        <p:nvSpPr>
+          <p:cNvPr id="7" name="Foliennummernplatzhalter 6"/>
+          <p:cNvSpPr>
+            <a:spLocks noGrp="1"/>
+          </p:cNvSpPr>
+          <p:nvPr>
+            <p:ph type="sldNum" sz="quarter" idx="5"/>
+          </p:nvPr>
+        </p:nvSpPr>
+        <p:spPr>
+          <a:xfrm>
+            <a:off x="3884613" y="8685213"/>
+            <a:ext cx="2971800" cy="458787"/>
+          </a:xfrm>
+          <a:prstGeom prst="rect">
+            <a:avLst/>
+          </a:prstGeom>
+        </p:spPr>
+        <p:txBody>
+          <a:bodyPr vert="horz" lIns="91440" tIns="45720" rIns="91440" bIns="45720" rtlCol="0" anchor="b"/>
+          <a:lstStyle>
+            <a:lvl1pPr algn="r">
+              <a:defRPr sz="1200"/>
+            </a:lvl1pPr>
+          </a:lstStyle>
+          <a:p>
+            <a:fld id="{445105BF-9636-4C55-A032-806EFF4230AD}" type="slidenum">
+              <a:rPr lang="de-DE" smtClean="0"/>
+              <a:t>‹Nr.›</a:t>
+            </a:fld>
+            <a:endParaRPr lang="de-DE"/>
+          </a:p>
+        </p:txBody>
+      </p:sp>
+    </p:spTree>
+    <p:extLst>
+      <p:ext uri="{BB962C8B-B14F-4D97-AF65-F5344CB8AC3E}">
+        <p14:creationId xmlns:p14="http://schemas.microsoft.com/office/powerpoint/2010/main" val="3743750643"/>
+      </p:ext>
+    </p:extLst>
+  </p:cSld>
+  <p:clrMap bg1="lt1" tx1="dk1" bg2="lt2" tx2="dk2" accent1="accent1" accent2="accent2" accent3="accent3" accent4="accent4" accent5="accent5" accent6="accent6" hlink="hlink" folHlink="folHlink"/>
+  <p:notesStyle>
+    <a:lvl1pPr marL="0" algn="l" defTabSz="914400" rtl="0" eaLnBrk="1" latinLnBrk="0" hangingPunct="1">
+      <a:defRPr sz="1200" kern="1200">
+        <a:solidFill>
+          <a:schemeClr val="tx1"/>
+        </a:solidFill>
+        <a:latin typeface="+mn-lt"/>
+        <a:ea typeface="+mn-ea"/>
+        <a:cs typeface="+mn-cs"/>
+      </a:defRPr>
+    </a:lvl1pPr>
+    <a:lvl2pPr marL="457200" algn="l" defTabSz="914400" rtl="0" eaLnBrk="1" latinLnBrk="0" hangingPunct="1">
+      <a:defRPr sz="1200" kern="1200">
+        <a:solidFill>
+          <a:schemeClr val="tx1"/>
+        </a:solidFill>
+        <a:latin typeface="+mn-lt"/>
+        <a:ea typeface="+mn-ea"/>
+        <a:cs typeface="+mn-cs"/>
+      </a:defRPr>
+    </a:lvl2pPr>
+    <a:lvl3pPr marL="914400" algn="l" defTabSz="914400" rtl="0" eaLnBrk="1" latinLnBrk="0" hangingPunct="1">
+      <a:defRPr sz="1200" kern="1200">
+        <a:solidFill>
+          <a:schemeClr val="tx1"/>
+        </a:solidFill>
+        <a:latin typeface="+mn-lt"/>
+        <a:ea typeface="+mn-ea"/>
+        <a:cs typeface="+mn-cs"/>
+      </a:defRPr>
+    </a:lvl3pPr>
+    <a:lvl4pPr marL="1371600" algn="l" defTabSz="914400" rtl="0" eaLnBrk="1" latinLnBrk="0" hangingPunct="1">
+      <a:defRPr sz="1200" kern="1200">
+        <a:solidFill>
+          <a:schemeClr val="tx1"/>
+        </a:solidFill>
+        <a:latin typeface="+mn-lt"/>
+        <a:ea typeface="+mn-ea"/>
+        <a:cs typeface="+mn-cs"/>
+      </a:defRPr>
+    </a:lvl4pPr>
+    <a:lvl5pPr marL="1828800" algn="l" defTabSz="914400" rtl="0" eaLnBrk="1" latinLnBrk="0" hangingPunct="1">
+      <a:defRPr sz="1200" kern="1200">
+        <a:solidFill>
+          <a:schemeClr val="tx1"/>
+        </a:solidFill>
+        <a:latin typeface="+mn-lt"/>
+        <a:ea typeface="+mn-ea"/>
+        <a:cs typeface="+mn-cs"/>
+      </a:defRPr>
+    </a:lvl5pPr>
+    <a:lvl6pPr marL="2286000" algn="l" defTabSz="914400" rtl="0" eaLnBrk="1" latinLnBrk="0" hangingPunct="1">
+      <a:defRPr sz="1200" kern="1200">
+        <a:solidFill>
+          <a:schemeClr val="tx1"/>
+        </a:solidFill>
+        <a:latin typeface="+mn-lt"/>
+        <a:ea typeface="+mn-ea"/>
+        <a:cs typeface="+mn-cs"/>
+      </a:defRPr>
+    </a:lvl6pPr>
+    <a:lvl7pPr marL="2743200" algn="l" defTabSz="914400" rtl="0" eaLnBrk="1" latinLnBrk="0" hangingPunct="1">
+      <a:defRPr sz="1200" kern="1200">
+        <a:solidFill>
+          <a:schemeClr val="tx1"/>
+        </a:solidFill>
+        <a:latin typeface="+mn-lt"/>
+        <a:ea typeface="+mn-ea"/>
+        <a:cs typeface="+mn-cs"/>
+      </a:defRPr>
+    </a:lvl7pPr>
+    <a:lvl8pPr marL="3200400" algn="l" defTabSz="914400" rtl="0" eaLnBrk="1" latinLnBrk="0" hangingPunct="1">
+      <a:defRPr sz="1200" kern="1200">
+        <a:solidFill>
+          <a:schemeClr val="tx1"/>
+        </a:solidFill>
+        <a:latin typeface="+mn-lt"/>
+        <a:ea typeface="+mn-ea"/>
+        <a:cs typeface="+mn-cs"/>
+      </a:defRPr>
+    </a:lvl8pPr>
+    <a:lvl9pPr marL="3657600" algn="l" defTabSz="914400" rtl="0" eaLnBrk="1" latinLnBrk="0" hangingPunct="1">
+      <a:defRPr sz="1200" kern="1200">
+        <a:solidFill>
+          <a:schemeClr val="tx1"/>
+        </a:solidFill>
+        <a:latin typeface="+mn-lt"/>
+        <a:ea typeface="+mn-ea"/>
+        <a:cs typeface="+mn-cs"/>
+      </a:defRPr>
+    </a:lvl9pPr>
+  </p:notesStyle>
+</p:notesMaster>
+</file>
+
 <file path=ppt/slideLayouts/slideLayout1.xml><?xml version="1.0" encoding="utf-8"?>
 <p:sldLayout xmlns:a="http://schemas.openxmlformats.org/drawingml/2006/main" xmlns:r="http://schemas.openxmlformats.org/officeDocument/2006/relationships" xmlns:p="http://schemas.openxmlformats.org/presentationml/2006/main" type="title" preserve="1">
   <p:cSld name="Title Slide">
@@ -316,9 +670,9 @@
           <a:bodyPr/>
           <a:lstStyle/>
           <a:p>
-            <a:fld id="{FF14E3FC-1F34-4EA6-81F5-C02D81F19CE5}" type="datetimeFigureOut">
+            <a:fld id="{4378A192-3F90-42A8-994C-63F3EABE94C3}" type="datetime1">
               <a:rPr lang="en-GB" smtClean="0"/>
-              <a:t>27/03/2025</a:t>
+              <a:t>10/04/2025</a:t>
             </a:fld>
             <a:endParaRPr lang="en-GB"/>
           </a:p>
@@ -372,7 +726,7 @@
           <a:p>
             <a:fld id="{FD50B010-3F09-4BF2-AC9E-0082EFF861BF}" type="slidenum">
               <a:rPr lang="en-GB" smtClean="0"/>
-              <a:t>‹#›</a:t>
+              <a:t>‹Nr.›</a:t>
             </a:fld>
             <a:endParaRPr lang="en-GB"/>
           </a:p>
@@ -516,9 +870,9 @@
           <a:bodyPr/>
           <a:lstStyle/>
           <a:p>
-            <a:fld id="{FF14E3FC-1F34-4EA6-81F5-C02D81F19CE5}" type="datetimeFigureOut">
+            <a:fld id="{65921E9D-1276-49F2-A93F-2B41C18AF0B6}" type="datetime1">
               <a:rPr lang="en-GB" smtClean="0"/>
-              <a:t>27/03/2025</a:t>
+              <a:t>10/04/2025</a:t>
             </a:fld>
             <a:endParaRPr lang="en-GB"/>
           </a:p>
@@ -572,7 +926,7 @@
           <a:p>
             <a:fld id="{FD50B010-3F09-4BF2-AC9E-0082EFF861BF}" type="slidenum">
               <a:rPr lang="en-GB" smtClean="0"/>
-              <a:t>‹#›</a:t>
+              <a:t>‹Nr.›</a:t>
             </a:fld>
             <a:endParaRPr lang="en-GB"/>
           </a:p>
@@ -726,9 +1080,9 @@
           <a:bodyPr/>
           <a:lstStyle/>
           <a:p>
-            <a:fld id="{FF14E3FC-1F34-4EA6-81F5-C02D81F19CE5}" type="datetimeFigureOut">
+            <a:fld id="{871C0982-BB23-4BA0-9C61-E79C8D9D887C}" type="datetime1">
               <a:rPr lang="en-GB" smtClean="0"/>
-              <a:t>27/03/2025</a:t>
+              <a:t>10/04/2025</a:t>
             </a:fld>
             <a:endParaRPr lang="en-GB"/>
           </a:p>
@@ -782,7 +1136,7 @@
           <a:p>
             <a:fld id="{FD50B010-3F09-4BF2-AC9E-0082EFF861BF}" type="slidenum">
               <a:rPr lang="en-GB" smtClean="0"/>
-              <a:t>‹#›</a:t>
+              <a:t>‹Nr.›</a:t>
             </a:fld>
             <a:endParaRPr lang="en-GB"/>
           </a:p>
@@ -926,9 +1280,9 @@
           <a:bodyPr/>
           <a:lstStyle/>
           <a:p>
-            <a:fld id="{FF14E3FC-1F34-4EA6-81F5-C02D81F19CE5}" type="datetimeFigureOut">
+            <a:fld id="{74E6AA62-DC19-4437-8878-4BE4304BEF9C}" type="datetime1">
               <a:rPr lang="en-GB" smtClean="0"/>
-              <a:t>27/03/2025</a:t>
+              <a:t>10/04/2025</a:t>
             </a:fld>
             <a:endParaRPr lang="en-GB"/>
           </a:p>
@@ -982,7 +1336,7 @@
           <a:p>
             <a:fld id="{FD50B010-3F09-4BF2-AC9E-0082EFF861BF}" type="slidenum">
               <a:rPr lang="en-GB" smtClean="0"/>
-              <a:t>‹#›</a:t>
+              <a:t>‹Nr.›</a:t>
             </a:fld>
             <a:endParaRPr lang="en-GB"/>
           </a:p>
@@ -1202,9 +1556,9 @@
           <a:bodyPr/>
           <a:lstStyle/>
           <a:p>
-            <a:fld id="{FF14E3FC-1F34-4EA6-81F5-C02D81F19CE5}" type="datetimeFigureOut">
+            <a:fld id="{D1ABB2F1-D765-429F-B48E-ED92C6F912BF}" type="datetime1">
               <a:rPr lang="en-GB" smtClean="0"/>
-              <a:t>27/03/2025</a:t>
+              <a:t>10/04/2025</a:t>
             </a:fld>
             <a:endParaRPr lang="en-GB"/>
           </a:p>
@@ -1258,7 +1612,7 @@
           <a:p>
             <a:fld id="{FD50B010-3F09-4BF2-AC9E-0082EFF861BF}" type="slidenum">
               <a:rPr lang="en-GB" smtClean="0"/>
-              <a:t>‹#›</a:t>
+              <a:t>‹Nr.›</a:t>
             </a:fld>
             <a:endParaRPr lang="en-GB"/>
           </a:p>
@@ -1470,9 +1824,9 @@
           <a:bodyPr/>
           <a:lstStyle/>
           <a:p>
-            <a:fld id="{FF14E3FC-1F34-4EA6-81F5-C02D81F19CE5}" type="datetimeFigureOut">
+            <a:fld id="{648CDC90-0F0F-465B-847C-48244F4AF3EB}" type="datetime1">
               <a:rPr lang="en-GB" smtClean="0"/>
-              <a:t>27/03/2025</a:t>
+              <a:t>10/04/2025</a:t>
             </a:fld>
             <a:endParaRPr lang="en-GB"/>
           </a:p>
@@ -1526,7 +1880,7 @@
           <a:p>
             <a:fld id="{FD50B010-3F09-4BF2-AC9E-0082EFF861BF}" type="slidenum">
               <a:rPr lang="en-GB" smtClean="0"/>
-              <a:t>‹#›</a:t>
+              <a:t>‹Nr.›</a:t>
             </a:fld>
             <a:endParaRPr lang="en-GB"/>
           </a:p>
@@ -1885,9 +2239,9 @@
           <a:bodyPr/>
           <a:lstStyle/>
           <a:p>
-            <a:fld id="{FF14E3FC-1F34-4EA6-81F5-C02D81F19CE5}" type="datetimeFigureOut">
+            <a:fld id="{E559AE30-8141-42A2-90CB-A4B44B44B1D3}" type="datetime1">
               <a:rPr lang="en-GB" smtClean="0"/>
-              <a:t>27/03/2025</a:t>
+              <a:t>10/04/2025</a:t>
             </a:fld>
             <a:endParaRPr lang="en-GB"/>
           </a:p>
@@ -1941,7 +2295,7 @@
           <a:p>
             <a:fld id="{FD50B010-3F09-4BF2-AC9E-0082EFF861BF}" type="slidenum">
               <a:rPr lang="en-GB" smtClean="0"/>
-              <a:t>‹#›</a:t>
+              <a:t>‹Nr.›</a:t>
             </a:fld>
             <a:endParaRPr lang="en-GB"/>
           </a:p>
@@ -2027,9 +2381,9 @@
           <a:bodyPr/>
           <a:lstStyle/>
           <a:p>
-            <a:fld id="{FF14E3FC-1F34-4EA6-81F5-C02D81F19CE5}" type="datetimeFigureOut">
+            <a:fld id="{1DFDDB64-F90E-4084-A089-5A429678C416}" type="datetime1">
               <a:rPr lang="en-GB" smtClean="0"/>
-              <a:t>27/03/2025</a:t>
+              <a:t>10/04/2025</a:t>
             </a:fld>
             <a:endParaRPr lang="en-GB"/>
           </a:p>
@@ -2083,7 +2437,7 @@
           <a:p>
             <a:fld id="{FD50B010-3F09-4BF2-AC9E-0082EFF861BF}" type="slidenum">
               <a:rPr lang="en-GB" smtClean="0"/>
-              <a:t>‹#›</a:t>
+              <a:t>‹Nr.›</a:t>
             </a:fld>
             <a:endParaRPr lang="en-GB"/>
           </a:p>
@@ -2140,9 +2494,9 @@
           <a:bodyPr/>
           <a:lstStyle/>
           <a:p>
-            <a:fld id="{FF14E3FC-1F34-4EA6-81F5-C02D81F19CE5}" type="datetimeFigureOut">
+            <a:fld id="{A012969D-C9C9-4D34-B809-F9F4E7E3B760}" type="datetime1">
               <a:rPr lang="en-GB" smtClean="0"/>
-              <a:t>27/03/2025</a:t>
+              <a:t>10/04/2025</a:t>
             </a:fld>
             <a:endParaRPr lang="en-GB"/>
           </a:p>
@@ -2196,7 +2550,7 @@
           <a:p>
             <a:fld id="{FD50B010-3F09-4BF2-AC9E-0082EFF861BF}" type="slidenum">
               <a:rPr lang="en-GB" smtClean="0"/>
-              <a:t>‹#›</a:t>
+              <a:t>‹Nr.›</a:t>
             </a:fld>
             <a:endParaRPr lang="en-GB"/>
           </a:p>
@@ -2453,9 +2807,9 @@
           <a:bodyPr/>
           <a:lstStyle/>
           <a:p>
-            <a:fld id="{FF14E3FC-1F34-4EA6-81F5-C02D81F19CE5}" type="datetimeFigureOut">
+            <a:fld id="{1C67DF3B-5F0F-47E3-AA29-09B8A65F9A4F}" type="datetime1">
               <a:rPr lang="en-GB" smtClean="0"/>
-              <a:t>27/03/2025</a:t>
+              <a:t>10/04/2025</a:t>
             </a:fld>
             <a:endParaRPr lang="en-GB"/>
           </a:p>
@@ -2509,7 +2863,7 @@
           <a:p>
             <a:fld id="{FD50B010-3F09-4BF2-AC9E-0082EFF861BF}" type="slidenum">
               <a:rPr lang="en-GB" smtClean="0"/>
-              <a:t>‹#›</a:t>
+              <a:t>‹Nr.›</a:t>
             </a:fld>
             <a:endParaRPr lang="en-GB"/>
           </a:p>
@@ -2742,9 +3096,9 @@
           <a:bodyPr/>
           <a:lstStyle/>
           <a:p>
-            <a:fld id="{FF14E3FC-1F34-4EA6-81F5-C02D81F19CE5}" type="datetimeFigureOut">
+            <a:fld id="{F6EEBB89-4640-4304-A14F-CB7D6D2A08CD}" type="datetime1">
               <a:rPr lang="en-GB" smtClean="0"/>
-              <a:t>27/03/2025</a:t>
+              <a:t>10/04/2025</a:t>
             </a:fld>
             <a:endParaRPr lang="en-GB"/>
           </a:p>
@@ -2798,7 +3152,7 @@
           <a:p>
             <a:fld id="{FD50B010-3F09-4BF2-AC9E-0082EFF861BF}" type="slidenum">
               <a:rPr lang="en-GB" smtClean="0"/>
-              <a:t>‹#›</a:t>
+              <a:t>‹Nr.›</a:t>
             </a:fld>
             <a:endParaRPr lang="en-GB"/>
           </a:p>
@@ -2985,9 +3339,9 @@
             </a:lvl1pPr>
           </a:lstStyle>
           <a:p>
-            <a:fld id="{FF14E3FC-1F34-4EA6-81F5-C02D81F19CE5}" type="datetimeFigureOut">
+            <a:fld id="{26D9DC2A-B12E-44FE-BB5D-F8E62C35C5A2}" type="datetime1">
               <a:rPr lang="en-GB" smtClean="0"/>
-              <a:t>27/03/2025</a:t>
+              <a:t>10/04/2025</a:t>
             </a:fld>
             <a:endParaRPr lang="en-GB"/>
           </a:p>
@@ -3077,7 +3431,7 @@
           <a:p>
             <a:fld id="{FD50B010-3F09-4BF2-AC9E-0082EFF861BF}" type="slidenum">
               <a:rPr lang="en-GB" smtClean="0"/>
-              <a:t>‹#›</a:t>
+              <a:t>‹Nr.›</a:t>
             </a:fld>
             <a:endParaRPr lang="en-GB"/>
           </a:p>
@@ -3104,6 +3458,7 @@
     <p:sldLayoutId id="2147483658" r:id="rId10"/>
     <p:sldLayoutId id="2147483659" r:id="rId11"/>
   </p:sldLayoutIdLst>
+  <p:hf hdr="0" ftr="0" dt="0"/>
   <p:txStyles>
     <p:titleStyle>
       <a:lvl1pPr algn="l" defTabSz="914400" rtl="0" eaLnBrk="1" latinLnBrk="0" hangingPunct="1">
@@ -3518,20 +3873,92 @@
           </a:p>
         </p:txBody>
       </p:sp>
-      <p:sp>
-        <p:nvSpPr>
-          <p:cNvPr id="3" name="Content Placeholder 2">
-            <a:extLst>
-              <a:ext uri="{FF2B5EF4-FFF2-40B4-BE49-F238E27FC236}">
-                <a16:creationId xmlns:a16="http://schemas.microsoft.com/office/drawing/2014/main" id="{70A835AC-A0B1-FBE7-E047-04A8EC7BCC84}"/>
-              </a:ext>
-            </a:extLst>
-          </p:cNvPr>
-          <p:cNvSpPr>
-            <a:spLocks noGrp="1"/>
-          </p:cNvSpPr>
-          <p:nvPr>
-            <p:ph idx="1"/>
+      <p:pic>
+        <p:nvPicPr>
+          <p:cNvPr id="5" name="Grafik 4" descr="Ein Bild, das medizinische Ausrüstung, Im Haus, medizinisch, Gesundheitsversorgung enthält.&#10;&#10;KI-generierte Inhalte können fehlerhaft sein.">
+            <a:extLst>
+              <a:ext uri="{FF2B5EF4-FFF2-40B4-BE49-F238E27FC236}">
+                <a16:creationId xmlns:a16="http://schemas.microsoft.com/office/drawing/2014/main" id="{73BF554D-2323-8DD1-B537-035C7F9D3014}"/>
+              </a:ext>
+            </a:extLst>
+          </p:cNvPr>
+          <p:cNvPicPr>
+            <a:picLocks noChangeAspect="1"/>
+          </p:cNvPicPr>
+          <p:nvPr/>
+        </p:nvPicPr>
+        <p:blipFill>
+          <a:blip r:embed="rId2">
+            <a:extLst>
+              <a:ext uri="{28A0092B-C50C-407E-A947-70E740481C1C}">
+                <a14:useLocalDpi xmlns:a14="http://schemas.microsoft.com/office/drawing/2010/main" val="0"/>
+              </a:ext>
+            </a:extLst>
+          </a:blip>
+          <a:stretch>
+            <a:fillRect/>
+          </a:stretch>
+        </p:blipFill>
+        <p:spPr>
+          <a:xfrm>
+            <a:off x="838200" y="1690688"/>
+            <a:ext cx="4719948" cy="4626429"/>
+          </a:xfrm>
+          <a:prstGeom prst="rect">
+            <a:avLst/>
+          </a:prstGeom>
+        </p:spPr>
+      </p:pic>
+      <p:pic>
+        <p:nvPicPr>
+          <p:cNvPr id="9" name="Grafik 8">
+            <a:extLst>
+              <a:ext uri="{FF2B5EF4-FFF2-40B4-BE49-F238E27FC236}">
+                <a16:creationId xmlns:a16="http://schemas.microsoft.com/office/drawing/2014/main" id="{09779542-9125-A160-44DE-E24FAAAD2B9B}"/>
+              </a:ext>
+            </a:extLst>
+          </p:cNvPr>
+          <p:cNvPicPr>
+            <a:picLocks noChangeAspect="1"/>
+          </p:cNvPicPr>
+          <p:nvPr/>
+        </p:nvPicPr>
+        <p:blipFill>
+          <a:blip r:embed="rId3">
+            <a:extLst>
+              <a:ext uri="{28A0092B-C50C-407E-A947-70E740481C1C}">
+                <a14:useLocalDpi xmlns:a14="http://schemas.microsoft.com/office/drawing/2010/main" val="0"/>
+              </a:ext>
+            </a:extLst>
+          </a:blip>
+          <a:stretch>
+            <a:fillRect/>
+          </a:stretch>
+        </p:blipFill>
+        <p:spPr>
+          <a:xfrm>
+            <a:off x="7243457" y="1690687"/>
+            <a:ext cx="3631668" cy="4626429"/>
+          </a:xfrm>
+          <a:prstGeom prst="rect">
+            <a:avLst/>
+          </a:prstGeom>
+        </p:spPr>
+      </p:pic>
+      <p:sp>
+        <p:nvSpPr>
+          <p:cNvPr id="10" name="Foliennummernplatzhalter 9">
+            <a:extLst>
+              <a:ext uri="{FF2B5EF4-FFF2-40B4-BE49-F238E27FC236}">
+                <a16:creationId xmlns:a16="http://schemas.microsoft.com/office/drawing/2014/main" id="{11D3C9DB-D82F-F6FE-D9D2-4BD0D9B16DCF}"/>
+              </a:ext>
+            </a:extLst>
+          </p:cNvPr>
+          <p:cNvSpPr>
+            <a:spLocks noGrp="1"/>
+          </p:cNvSpPr>
+          <p:nvPr>
+            <p:ph type="sldNum" sz="quarter" idx="12"/>
           </p:nvPr>
         </p:nvSpPr>
         <p:spPr/>
@@ -3539,13 +3966,11 @@
           <a:bodyPr/>
           <a:lstStyle/>
           <a:p>
-            <a:pPr marL="0" indent="0">
-              <a:buNone/>
-            </a:pPr>
-            <a:r>
-              <a:rPr lang="en-GB" dirty="0"/>
-              <a:t>X-rays</a:t>
-            </a:r>
+            <a:fld id="{FD50B010-3F09-4BF2-AC9E-0082EFF861BF}" type="slidenum">
+              <a:rPr lang="en-GB" smtClean="0"/>
+              <a:t>2</a:t>
+            </a:fld>
+            <a:endParaRPr lang="en-GB"/>
           </a:p>
         </p:txBody>
       </p:sp>
@@ -3581,10 +4006,10 @@
       </p:grpSpPr>
       <p:sp>
         <p:nvSpPr>
-          <p:cNvPr id="2" name="Title 1">
-            <a:extLst>
-              <a:ext uri="{FF2B5EF4-FFF2-40B4-BE49-F238E27FC236}">
-                <a16:creationId xmlns:a16="http://schemas.microsoft.com/office/drawing/2014/main" id="{207A4989-6272-0FB5-7D67-C95DA1F42F07}"/>
+          <p:cNvPr id="4" name="Titel 3">
+            <a:extLst>
+              <a:ext uri="{FF2B5EF4-FFF2-40B4-BE49-F238E27FC236}">
+                <a16:creationId xmlns:a16="http://schemas.microsoft.com/office/drawing/2014/main" id="{2C364531-2613-40DE-D161-13FB88131C8D}"/>
               </a:ext>
             </a:extLst>
           </p:cNvPr>
@@ -3601,18 +4026,19 @@
           <a:lstStyle/>
           <a:p>
             <a:r>
-              <a:rPr lang="en-GB" dirty="0"/>
-              <a:t>Magnetic Resonance Imaging (MRI)</a:t>
-            </a:r>
-          </a:p>
-        </p:txBody>
-      </p:sp>
-      <p:sp>
-        <p:nvSpPr>
-          <p:cNvPr id="3" name="Content Placeholder 2">
-            <a:extLst>
-              <a:ext uri="{FF2B5EF4-FFF2-40B4-BE49-F238E27FC236}">
-                <a16:creationId xmlns:a16="http://schemas.microsoft.com/office/drawing/2014/main" id="{4D246828-48DB-6F62-69F8-8E44DC14D112}"/>
+              <a:rPr lang="de-DE" dirty="0" err="1"/>
+              <a:t>Principle</a:t>
+            </a:r>
+            <a:endParaRPr lang="de-DE" dirty="0"/>
+          </a:p>
+        </p:txBody>
+      </p:sp>
+      <p:sp>
+        <p:nvSpPr>
+          <p:cNvPr id="5" name="Inhaltsplatzhalter 4">
+            <a:extLst>
+              <a:ext uri="{FF2B5EF4-FFF2-40B4-BE49-F238E27FC236}">
+                <a16:creationId xmlns:a16="http://schemas.microsoft.com/office/drawing/2014/main" id="{F6974664-69C8-5908-037F-CDF1973CA4F4}"/>
               </a:ext>
             </a:extLst>
           </p:cNvPr>
@@ -3628,14 +4054,479 @@
           <a:bodyPr/>
           <a:lstStyle/>
           <a:p>
-            <a:endParaRPr lang="en-GB"/>
-          </a:p>
-        </p:txBody>
-      </p:sp>
+            <a:pPr marL="514350" indent="-514350">
+              <a:buFont typeface="+mj-lt"/>
+              <a:buAutoNum type="arabicPeriod"/>
+            </a:pPr>
+            <a:r>
+              <a:rPr lang="de-DE" dirty="0" err="1"/>
+              <a:t>irradiate</a:t>
+            </a:r>
+            <a:r>
+              <a:rPr lang="de-DE" dirty="0"/>
+              <a:t> </a:t>
+            </a:r>
+            <a:r>
+              <a:rPr lang="de-DE" dirty="0" err="1"/>
+              <a:t>patient</a:t>
+            </a:r>
+            <a:r>
+              <a:rPr lang="de-DE" dirty="0"/>
+              <a:t> </a:t>
+            </a:r>
+            <a:r>
+              <a:rPr lang="de-DE" dirty="0" err="1"/>
+              <a:t>with</a:t>
+            </a:r>
+            <a:r>
+              <a:rPr lang="de-DE" dirty="0"/>
+              <a:t> X-</a:t>
+            </a:r>
+            <a:r>
+              <a:rPr lang="de-DE" dirty="0" err="1"/>
+              <a:t>rays</a:t>
+            </a:r>
+            <a:r>
+              <a:rPr lang="de-DE" dirty="0"/>
+              <a:t> </a:t>
+            </a:r>
+            <a:r>
+              <a:rPr lang="de-DE" b="1" dirty="0" err="1"/>
+              <a:t>from</a:t>
+            </a:r>
+            <a:r>
+              <a:rPr lang="de-DE" b="1" dirty="0"/>
+              <a:t> different </a:t>
+            </a:r>
+            <a:r>
+              <a:rPr lang="de-DE" b="1" dirty="0" err="1"/>
+              <a:t>directions</a:t>
+            </a:r>
+            <a:endParaRPr lang="de-DE" b="1" dirty="0"/>
+          </a:p>
+          <a:p>
+            <a:pPr marL="514350" indent="-514350">
+              <a:buFont typeface="+mj-lt"/>
+              <a:buAutoNum type="arabicPeriod"/>
+            </a:pPr>
+            <a:endParaRPr lang="de-DE" dirty="0"/>
+          </a:p>
+          <a:p>
+            <a:pPr marL="514350" indent="-514350">
+              <a:buFont typeface="+mj-lt"/>
+              <a:buAutoNum type="arabicPeriod"/>
+            </a:pPr>
+            <a:r>
+              <a:rPr lang="de-DE" dirty="0" err="1"/>
+              <a:t>measure</a:t>
+            </a:r>
+            <a:r>
+              <a:rPr lang="de-DE" dirty="0"/>
+              <a:t> </a:t>
+            </a:r>
+            <a:r>
+              <a:rPr lang="de-DE" dirty="0" err="1"/>
+              <a:t>attenuations</a:t>
+            </a:r>
+            <a:r>
+              <a:rPr lang="de-DE" dirty="0"/>
+              <a:t> (</a:t>
+            </a:r>
+            <a:r>
+              <a:rPr lang="de-DE" dirty="0" err="1"/>
+              <a:t>absorption</a:t>
+            </a:r>
+            <a:r>
+              <a:rPr lang="de-DE" dirty="0"/>
+              <a:t>) </a:t>
+            </a:r>
+            <a:r>
+              <a:rPr lang="de-DE" dirty="0" err="1"/>
+              <a:t>of</a:t>
+            </a:r>
+            <a:r>
+              <a:rPr lang="de-DE" dirty="0"/>
+              <a:t> X-</a:t>
+            </a:r>
+            <a:r>
+              <a:rPr lang="de-DE" dirty="0" err="1"/>
+              <a:t>rays</a:t>
+            </a:r>
+            <a:r>
+              <a:rPr lang="de-DE" dirty="0"/>
+              <a:t> after </a:t>
+            </a:r>
+            <a:r>
+              <a:rPr lang="de-DE" dirty="0" err="1"/>
+              <a:t>passing</a:t>
+            </a:r>
+            <a:r>
+              <a:rPr lang="de-DE" dirty="0"/>
+              <a:t> </a:t>
+            </a:r>
+            <a:r>
+              <a:rPr lang="de-DE" dirty="0" err="1"/>
+              <a:t>through</a:t>
+            </a:r>
+            <a:r>
+              <a:rPr lang="de-DE" dirty="0"/>
+              <a:t> </a:t>
+            </a:r>
+            <a:r>
+              <a:rPr lang="de-DE" dirty="0" err="1"/>
+              <a:t>the</a:t>
+            </a:r>
+            <a:r>
+              <a:rPr lang="de-DE" dirty="0"/>
+              <a:t> </a:t>
+            </a:r>
+            <a:r>
+              <a:rPr lang="de-DE" dirty="0" err="1"/>
+              <a:t>body</a:t>
+            </a:r>
+            <a:r>
+              <a:rPr lang="de-DE" dirty="0"/>
+              <a:t> (different </a:t>
+            </a:r>
+            <a:r>
+              <a:rPr lang="de-DE" dirty="0" err="1"/>
+              <a:t>attenuations</a:t>
+            </a:r>
+            <a:r>
+              <a:rPr lang="de-DE" dirty="0"/>
+              <a:t> </a:t>
+            </a:r>
+            <a:r>
+              <a:rPr lang="de-DE" dirty="0" err="1"/>
+              <a:t>by</a:t>
+            </a:r>
+            <a:r>
+              <a:rPr lang="de-DE" dirty="0"/>
+              <a:t> different </a:t>
+            </a:r>
+            <a:r>
+              <a:rPr lang="de-DE" dirty="0" err="1"/>
+              <a:t>tissues</a:t>
+            </a:r>
+            <a:r>
+              <a:rPr lang="de-DE" dirty="0"/>
+              <a:t>)</a:t>
+            </a:r>
+          </a:p>
+          <a:p>
+            <a:pPr marL="514350" indent="-514350">
+              <a:buFont typeface="+mj-lt"/>
+              <a:buAutoNum type="arabicPeriod"/>
+            </a:pPr>
+            <a:endParaRPr lang="de-DE" dirty="0"/>
+          </a:p>
+          <a:p>
+            <a:pPr marL="514350" indent="-514350">
+              <a:buFont typeface="+mj-lt"/>
+              <a:buAutoNum type="arabicPeriod"/>
+            </a:pPr>
+            <a:r>
+              <a:rPr lang="de-DE" dirty="0" err="1"/>
+              <a:t>use</a:t>
+            </a:r>
+            <a:r>
+              <a:rPr lang="de-DE" dirty="0"/>
+              <a:t> </a:t>
+            </a:r>
+            <a:r>
+              <a:rPr lang="de-DE" dirty="0" err="1"/>
+              <a:t>computer</a:t>
+            </a:r>
+            <a:r>
+              <a:rPr lang="de-DE" dirty="0"/>
+              <a:t> </a:t>
+            </a:r>
+            <a:r>
+              <a:rPr lang="de-DE" dirty="0" err="1"/>
+              <a:t>to</a:t>
+            </a:r>
+            <a:r>
+              <a:rPr lang="de-DE" dirty="0"/>
+              <a:t> </a:t>
+            </a:r>
+            <a:r>
+              <a:rPr lang="de-DE" b="1" dirty="0" err="1"/>
+              <a:t>reconstruct</a:t>
+            </a:r>
+            <a:r>
+              <a:rPr lang="de-DE" dirty="0"/>
+              <a:t> digital, </a:t>
+            </a:r>
+            <a:r>
+              <a:rPr lang="de-DE" dirty="0" err="1"/>
+              <a:t>cross-sectional</a:t>
+            </a:r>
+            <a:r>
+              <a:rPr lang="de-DE" dirty="0"/>
+              <a:t> </a:t>
+            </a:r>
+            <a:r>
+              <a:rPr lang="de-DE" dirty="0" err="1"/>
+              <a:t>images</a:t>
+            </a:r>
+            <a:r>
+              <a:rPr lang="de-DE" dirty="0"/>
+              <a:t> </a:t>
+            </a:r>
+            <a:r>
+              <a:rPr lang="de-DE" dirty="0" err="1"/>
+              <a:t>of</a:t>
+            </a:r>
+            <a:r>
+              <a:rPr lang="de-DE" dirty="0"/>
+              <a:t> </a:t>
+            </a:r>
+            <a:r>
+              <a:rPr lang="de-DE" dirty="0" err="1"/>
+              <a:t>the</a:t>
+            </a:r>
+            <a:r>
+              <a:rPr lang="de-DE" dirty="0"/>
+              <a:t> </a:t>
+            </a:r>
+            <a:r>
+              <a:rPr lang="de-DE" dirty="0" err="1"/>
+              <a:t>body</a:t>
+            </a:r>
+            <a:r>
+              <a:rPr lang="de-DE" dirty="0"/>
+              <a:t> </a:t>
+            </a:r>
+            <a:r>
+              <a:rPr lang="de-DE" dirty="0" err="1"/>
+              <a:t>interior</a:t>
+            </a:r>
+            <a:r>
+              <a:rPr lang="de-DE" dirty="0"/>
+              <a:t>, </a:t>
+            </a:r>
+            <a:r>
+              <a:rPr lang="de-DE" dirty="0" err="1"/>
+              <a:t>which</a:t>
+            </a:r>
+            <a:r>
+              <a:rPr lang="de-DE" dirty="0"/>
+              <a:t> </a:t>
+            </a:r>
+            <a:r>
+              <a:rPr lang="de-DE" dirty="0" err="1"/>
+              <a:t>are</a:t>
+            </a:r>
+            <a:r>
+              <a:rPr lang="de-DE" dirty="0"/>
+              <a:t> </a:t>
+            </a:r>
+            <a:r>
+              <a:rPr lang="de-DE" b="1" dirty="0" err="1"/>
+              <a:t>free</a:t>
+            </a:r>
+            <a:r>
+              <a:rPr lang="de-DE" b="1" dirty="0"/>
+              <a:t> </a:t>
+            </a:r>
+            <a:r>
+              <a:rPr lang="de-DE" b="1" dirty="0" err="1"/>
+              <a:t>from</a:t>
+            </a:r>
+            <a:r>
+              <a:rPr lang="de-DE" b="1" dirty="0"/>
+              <a:t> </a:t>
+            </a:r>
+            <a:r>
+              <a:rPr lang="de-DE" b="1" dirty="0" err="1"/>
+              <a:t>superpositions</a:t>
+            </a:r>
+            <a:endParaRPr lang="de-DE" b="1" dirty="0"/>
+          </a:p>
+          <a:p>
+            <a:pPr marL="514350" indent="-514350">
+              <a:buFont typeface="+mj-lt"/>
+              <a:buAutoNum type="arabicPeriod"/>
+            </a:pPr>
+            <a:endParaRPr lang="de-DE" dirty="0">
+              <a:sym typeface="Wingdings" panose="05000000000000000000" pitchFamily="2" charset="2"/>
+            </a:endParaRPr>
+          </a:p>
+          <a:p>
+            <a:pPr marL="514350" indent="-514350">
+              <a:buFont typeface="+mj-lt"/>
+              <a:buAutoNum type="arabicPeriod"/>
+            </a:pPr>
+            <a:r>
+              <a:rPr lang="de-DE" dirty="0" err="1">
+                <a:sym typeface="Wingdings" panose="05000000000000000000" pitchFamily="2" charset="2"/>
+              </a:rPr>
+              <a:t>move</a:t>
+            </a:r>
+            <a:r>
+              <a:rPr lang="de-DE" dirty="0">
+                <a:sym typeface="Wingdings" panose="05000000000000000000" pitchFamily="2" charset="2"/>
+              </a:rPr>
+              <a:t> </a:t>
+            </a:r>
+            <a:r>
+              <a:rPr lang="de-DE" dirty="0" err="1">
+                <a:sym typeface="Wingdings" panose="05000000000000000000" pitchFamily="2" charset="2"/>
+              </a:rPr>
+              <a:t>patient</a:t>
+            </a:r>
+            <a:r>
+              <a:rPr lang="de-DE" dirty="0">
+                <a:sym typeface="Wingdings" panose="05000000000000000000" pitchFamily="2" charset="2"/>
+              </a:rPr>
+              <a:t> and </a:t>
+            </a:r>
+            <a:r>
+              <a:rPr lang="de-DE" dirty="0" err="1">
+                <a:sym typeface="Wingdings" panose="05000000000000000000" pitchFamily="2" charset="2"/>
+              </a:rPr>
+              <a:t>repeat</a:t>
+            </a:r>
+            <a:r>
+              <a:rPr lang="de-DE" dirty="0">
+                <a:sym typeface="Wingdings" panose="05000000000000000000" pitchFamily="2" charset="2"/>
+              </a:rPr>
+              <a:t>  3D </a:t>
+            </a:r>
+            <a:r>
+              <a:rPr lang="de-DE" dirty="0" err="1">
+                <a:sym typeface="Wingdings" panose="05000000000000000000" pitchFamily="2" charset="2"/>
+              </a:rPr>
+              <a:t>image</a:t>
+            </a:r>
+            <a:endParaRPr lang="de-DE" dirty="0"/>
+          </a:p>
+        </p:txBody>
+      </p:sp>
+      <p:sp>
+        <p:nvSpPr>
+          <p:cNvPr id="3" name="Foliennummernplatzhalter 2">
+            <a:extLst>
+              <a:ext uri="{FF2B5EF4-FFF2-40B4-BE49-F238E27FC236}">
+                <a16:creationId xmlns:a16="http://schemas.microsoft.com/office/drawing/2014/main" id="{704EC4A0-1618-B04C-079E-D376D7BDDC02}"/>
+              </a:ext>
+            </a:extLst>
+          </p:cNvPr>
+          <p:cNvSpPr>
+            <a:spLocks noGrp="1"/>
+          </p:cNvSpPr>
+          <p:nvPr>
+            <p:ph type="sldNum" sz="quarter" idx="12"/>
+          </p:nvPr>
+        </p:nvSpPr>
+        <p:spPr/>
+        <p:txBody>
+          <a:bodyPr/>
+          <a:lstStyle/>
+          <a:p>
+            <a:fld id="{FD50B010-3F09-4BF2-AC9E-0082EFF861BF}" type="slidenum">
+              <a:rPr lang="en-GB" smtClean="0"/>
+              <a:t>3</a:t>
+            </a:fld>
+            <a:endParaRPr lang="en-GB"/>
+          </a:p>
+        </p:txBody>
+      </p:sp>
+      <p:sp>
+        <p:nvSpPr>
+          <p:cNvPr id="6" name="Textfeld 5">
+            <a:extLst>
+              <a:ext uri="{FF2B5EF4-FFF2-40B4-BE49-F238E27FC236}">
+                <a16:creationId xmlns:a16="http://schemas.microsoft.com/office/drawing/2014/main" id="{8DCEF719-5F44-E0BA-5E8B-A93DD8F6DF14}"/>
+              </a:ext>
+            </a:extLst>
+          </p:cNvPr>
+          <p:cNvSpPr txBox="1"/>
+          <p:nvPr/>
+        </p:nvSpPr>
+        <p:spPr>
+          <a:xfrm flipH="1">
+            <a:off x="4908460" y="496371"/>
+            <a:ext cx="3429997" cy="369332"/>
+          </a:xfrm>
+          <a:prstGeom prst="rect">
+            <a:avLst/>
+          </a:prstGeom>
+          <a:noFill/>
+        </p:spPr>
+        <p:txBody>
+          <a:bodyPr wrap="square" rtlCol="0">
+            <a:spAutoFit/>
+          </a:bodyPr>
+          <a:lstStyle/>
+          <a:p>
+            <a:r>
+              <a:rPr lang="de-DE" dirty="0" err="1"/>
+              <a:t>or</a:t>
+            </a:r>
+            <a:r>
+              <a:rPr lang="de-DE" dirty="0"/>
+              <a:t> </a:t>
+            </a:r>
+            <a:r>
+              <a:rPr lang="de-DE" dirty="0" err="1"/>
+              <a:t>anything</a:t>
+            </a:r>
+            <a:r>
+              <a:rPr lang="de-DE" dirty="0"/>
+              <a:t> </a:t>
+            </a:r>
+            <a:r>
+              <a:rPr lang="de-DE" dirty="0" err="1"/>
+              <a:t>else</a:t>
+            </a:r>
+            <a:endParaRPr lang="de-DE" dirty="0"/>
+          </a:p>
+        </p:txBody>
+      </p:sp>
+      <p:cxnSp>
+        <p:nvCxnSpPr>
+          <p:cNvPr id="8" name="Gerade Verbindung mit Pfeil 7">
+            <a:extLst>
+              <a:ext uri="{FF2B5EF4-FFF2-40B4-BE49-F238E27FC236}">
+                <a16:creationId xmlns:a16="http://schemas.microsoft.com/office/drawing/2014/main" id="{DFBA1D39-7B50-E18E-1024-3760A2BABD54}"/>
+              </a:ext>
+            </a:extLst>
+          </p:cNvPr>
+          <p:cNvCxnSpPr/>
+          <p:nvPr/>
+        </p:nvCxnSpPr>
+        <p:spPr>
+          <a:xfrm flipH="1">
+            <a:off x="3766457" y="849086"/>
+            <a:ext cx="1589314" cy="976539"/>
+          </a:xfrm>
+          <a:prstGeom prst="straightConnector1">
+            <a:avLst/>
+          </a:prstGeom>
+          <a:ln>
+            <a:tailEnd type="triangle"/>
+          </a:ln>
+        </p:spPr>
+        <p:style>
+          <a:lnRef idx="2">
+            <a:schemeClr val="accent1"/>
+          </a:lnRef>
+          <a:fillRef idx="0">
+            <a:schemeClr val="accent1"/>
+          </a:fillRef>
+          <a:effectRef idx="1">
+            <a:schemeClr val="accent1"/>
+          </a:effectRef>
+          <a:fontRef idx="minor">
+            <a:schemeClr val="tx1"/>
+          </a:fontRef>
+        </p:style>
+      </p:cxnSp>
     </p:spTree>
     <p:extLst>
       <p:ext uri="{BB962C8B-B14F-4D97-AF65-F5344CB8AC3E}">
-        <p14:creationId xmlns:p14="http://schemas.microsoft.com/office/powerpoint/2010/main" val="3766084937"/>
+        <p14:creationId xmlns:p14="http://schemas.microsoft.com/office/powerpoint/2010/main" val="1921429641"/>
       </p:ext>
     </p:extLst>
   </p:cSld>
@@ -3664,6 +4555,299 @@
       </p:grpSpPr>
       <p:sp>
         <p:nvSpPr>
+          <p:cNvPr id="2" name="Titel 1">
+            <a:extLst>
+              <a:ext uri="{FF2B5EF4-FFF2-40B4-BE49-F238E27FC236}">
+                <a16:creationId xmlns:a16="http://schemas.microsoft.com/office/drawing/2014/main" id="{5B1995D0-9E40-7B98-2035-2E74549103B1}"/>
+              </a:ext>
+            </a:extLst>
+          </p:cNvPr>
+          <p:cNvSpPr>
+            <a:spLocks noGrp="1"/>
+          </p:cNvSpPr>
+          <p:nvPr>
+            <p:ph type="title"/>
+          </p:nvPr>
+        </p:nvSpPr>
+        <p:spPr/>
+        <p:txBody>
+          <a:bodyPr/>
+          <a:lstStyle/>
+          <a:p>
+            <a:r>
+              <a:rPr lang="de-DE" dirty="0" err="1"/>
+              <a:t>Tomographic</a:t>
+            </a:r>
+            <a:r>
+              <a:rPr lang="de-DE" dirty="0"/>
+              <a:t> Reconstruction</a:t>
+            </a:r>
+          </a:p>
+        </p:txBody>
+      </p:sp>
+      <p:sp>
+        <p:nvSpPr>
+          <p:cNvPr id="3" name="Inhaltsplatzhalter 2">
+            <a:extLst>
+              <a:ext uri="{FF2B5EF4-FFF2-40B4-BE49-F238E27FC236}">
+                <a16:creationId xmlns:a16="http://schemas.microsoft.com/office/drawing/2014/main" id="{A4C6068A-67DC-A8C6-9176-6CDE00DA49E9}"/>
+              </a:ext>
+            </a:extLst>
+          </p:cNvPr>
+          <p:cNvSpPr>
+            <a:spLocks noGrp="1"/>
+          </p:cNvSpPr>
+          <p:nvPr>
+            <p:ph idx="1"/>
+          </p:nvPr>
+        </p:nvSpPr>
+        <p:spPr/>
+        <p:txBody>
+          <a:bodyPr>
+            <a:normAutofit/>
+          </a:bodyPr>
+          <a:lstStyle/>
+          <a:p>
+            <a:pPr marL="0" indent="0">
+              <a:buNone/>
+            </a:pPr>
+            <a:r>
+              <a:rPr lang="en-US" b="0" i="0" dirty="0">
+                <a:solidFill>
+                  <a:srgbClr val="202122"/>
+                </a:solidFill>
+                <a:effectLst/>
+              </a:rPr>
+              <a:t>raw data </a:t>
+            </a:r>
+            <a:r>
+              <a:rPr lang="en-US" dirty="0">
+                <a:solidFill>
+                  <a:srgbClr val="202122"/>
+                </a:solidFill>
+              </a:rPr>
+              <a:t>from CT scan: </a:t>
+            </a:r>
+            <a:r>
+              <a:rPr lang="en-US" b="0" i="0" dirty="0">
+                <a:solidFill>
+                  <a:srgbClr val="202122"/>
+                </a:solidFill>
+                <a:effectLst/>
+              </a:rPr>
+              <a:t>multiple projections of the object (</a:t>
+            </a:r>
+            <a:r>
+              <a:rPr lang="en-US" dirty="0">
+                <a:solidFill>
+                  <a:srgbClr val="202122"/>
+                </a:solidFill>
+              </a:rPr>
+              <a:t>each projected point corresponds to </a:t>
+            </a:r>
+            <a:r>
+              <a:rPr lang="en-US" b="0" i="0" dirty="0">
+                <a:solidFill>
+                  <a:srgbClr val="202122"/>
+                </a:solidFill>
+                <a:effectLst/>
+              </a:rPr>
+              <a:t>superposition of specific direction)</a:t>
+            </a:r>
+          </a:p>
+          <a:p>
+            <a:pPr marL="0" indent="0">
+              <a:buNone/>
+            </a:pPr>
+            <a:endParaRPr lang="en-US" b="0" i="0" dirty="0">
+              <a:solidFill>
+                <a:srgbClr val="202122"/>
+              </a:solidFill>
+              <a:effectLst/>
+            </a:endParaRPr>
+          </a:p>
+          <a:p>
+            <a:pPr marL="0" indent="0">
+              <a:buNone/>
+            </a:pPr>
+            <a:r>
+              <a:rPr lang="en-US" dirty="0">
+                <a:solidFill>
+                  <a:srgbClr val="202122"/>
+                </a:solidFill>
+              </a:rPr>
+              <a:t>in</a:t>
+            </a:r>
+            <a:r>
+              <a:rPr lang="en-US" b="0" i="0" dirty="0">
+                <a:solidFill>
+                  <a:srgbClr val="202122"/>
+                </a:solidFill>
+                <a:effectLst/>
+              </a:rPr>
+              <a:t> math terms: Radon transformation of the scanned structure</a:t>
+            </a:r>
+          </a:p>
+          <a:p>
+            <a:pPr marL="0" indent="0">
+              <a:buNone/>
+            </a:pPr>
+            <a:endParaRPr lang="en-US" dirty="0">
+              <a:solidFill>
+                <a:srgbClr val="202122"/>
+              </a:solidFill>
+              <a:sym typeface="Wingdings" panose="05000000000000000000" pitchFamily="2" charset="2"/>
+            </a:endParaRPr>
+          </a:p>
+          <a:p>
+            <a:pPr marL="0" indent="0">
+              <a:buNone/>
+            </a:pPr>
+            <a:r>
+              <a:rPr lang="en-US" dirty="0">
+                <a:solidFill>
+                  <a:srgbClr val="202122"/>
+                </a:solidFill>
+                <a:sym typeface="Wingdings" panose="05000000000000000000" pitchFamily="2" charset="2"/>
+              </a:rPr>
+              <a:t>r</a:t>
+            </a:r>
+            <a:r>
+              <a:rPr lang="en-US" b="0" i="0" dirty="0">
+                <a:solidFill>
+                  <a:srgbClr val="202122"/>
+                </a:solidFill>
+                <a:effectLst/>
+              </a:rPr>
+              <a:t>econstruction: inverse Radon transformation (resulting in two-dimensional image </a:t>
+            </a:r>
+            <a:r>
+              <a:rPr lang="en-US" b="0" i="0" dirty="0">
+                <a:solidFill>
+                  <a:srgbClr val="202122"/>
+                </a:solidFill>
+                <a:effectLst/>
+                <a:sym typeface="Wingdings" panose="05000000000000000000" pitchFamily="2" charset="2"/>
+              </a:rPr>
+              <a:t> </a:t>
+            </a:r>
+            <a:r>
+              <a:rPr lang="de-DE" dirty="0"/>
+              <a:t>virtual slice</a:t>
+            </a:r>
+            <a:r>
+              <a:rPr lang="en-US" b="0" i="0" dirty="0">
+                <a:solidFill>
+                  <a:srgbClr val="202122"/>
+                </a:solidFill>
+                <a:effectLst/>
+              </a:rPr>
+              <a:t>)</a:t>
+            </a:r>
+          </a:p>
+          <a:p>
+            <a:pPr marL="0" indent="0">
+              <a:buNone/>
+            </a:pPr>
+            <a:endParaRPr lang="de-DE" dirty="0"/>
+          </a:p>
+          <a:p>
+            <a:pPr marL="0" indent="0">
+              <a:buNone/>
+            </a:pPr>
+            <a:r>
+              <a:rPr lang="de-DE" dirty="0" err="1"/>
+              <a:t>practical</a:t>
+            </a:r>
+            <a:r>
+              <a:rPr lang="de-DE" dirty="0"/>
+              <a:t> </a:t>
+            </a:r>
+            <a:r>
+              <a:rPr lang="de-DE" dirty="0" err="1"/>
+              <a:t>implementation</a:t>
+            </a:r>
+            <a:r>
+              <a:rPr lang="de-DE" dirty="0"/>
+              <a:t>: </a:t>
+            </a:r>
+            <a:r>
+              <a:rPr lang="de-DE" dirty="0" err="1"/>
+              <a:t>filtered</a:t>
+            </a:r>
+            <a:r>
+              <a:rPr lang="de-DE" dirty="0"/>
+              <a:t> back </a:t>
+            </a:r>
+            <a:r>
+              <a:rPr lang="de-DE" dirty="0" err="1"/>
+              <a:t>projection</a:t>
+            </a:r>
+            <a:endParaRPr lang="de-DE" dirty="0"/>
+          </a:p>
+        </p:txBody>
+      </p:sp>
+      <p:sp>
+        <p:nvSpPr>
+          <p:cNvPr id="4" name="Foliennummernplatzhalter 3">
+            <a:extLst>
+              <a:ext uri="{FF2B5EF4-FFF2-40B4-BE49-F238E27FC236}">
+                <a16:creationId xmlns:a16="http://schemas.microsoft.com/office/drawing/2014/main" id="{B7803CDE-5BD0-94F7-A9F6-145C2C357DCD}"/>
+              </a:ext>
+            </a:extLst>
+          </p:cNvPr>
+          <p:cNvSpPr>
+            <a:spLocks noGrp="1"/>
+          </p:cNvSpPr>
+          <p:nvPr>
+            <p:ph type="sldNum" sz="quarter" idx="12"/>
+          </p:nvPr>
+        </p:nvSpPr>
+        <p:spPr/>
+        <p:txBody>
+          <a:bodyPr/>
+          <a:lstStyle/>
+          <a:p>
+            <a:fld id="{FD50B010-3F09-4BF2-AC9E-0082EFF861BF}" type="slidenum">
+              <a:rPr lang="en-GB" smtClean="0"/>
+              <a:t>4</a:t>
+            </a:fld>
+            <a:endParaRPr lang="en-GB"/>
+          </a:p>
+        </p:txBody>
+      </p:sp>
+    </p:spTree>
+    <p:extLst>
+      <p:ext uri="{BB962C8B-B14F-4D97-AF65-F5344CB8AC3E}">
+        <p14:creationId xmlns:p14="http://schemas.microsoft.com/office/powerpoint/2010/main" val="2087439687"/>
+      </p:ext>
+    </p:extLst>
+  </p:cSld>
+  <p:clrMapOvr>
+    <a:masterClrMapping/>
+  </p:clrMapOvr>
+</p:sld>
+</file>
+
+<file path=ppt/slides/slide5.xml><?xml version="1.0" encoding="utf-8"?>
+<p:sld xmlns:a="http://schemas.openxmlformats.org/drawingml/2006/main" xmlns:r="http://schemas.openxmlformats.org/officeDocument/2006/relationships" xmlns:p="http://schemas.openxmlformats.org/presentationml/2006/main">
+  <p:cSld>
+    <p:spTree>
+      <p:nvGrpSpPr>
+        <p:cNvPr id="1" name=""/>
+        <p:cNvGrpSpPr/>
+        <p:nvPr/>
+      </p:nvGrpSpPr>
+      <p:grpSpPr>
+        <a:xfrm>
+          <a:off x="0" y="0"/>
+          <a:ext cx="0" cy="0"/>
+          <a:chOff x="0" y="0"/>
+          <a:chExt cx="0" cy="0"/>
+        </a:xfrm>
+      </p:grpSpPr>
+      <p:sp>
+        <p:nvSpPr>
           <p:cNvPr id="2" name="Title 1">
             <a:extLst>
               <a:ext uri="{FF2B5EF4-FFF2-40B4-BE49-F238E27FC236}">
@@ -3687,6 +4871,35 @@
               <a:rPr lang="en-GB" dirty="0"/>
               <a:t>Filtered Back Projection</a:t>
             </a:r>
+          </a:p>
+        </p:txBody>
+      </p:sp>
+      <p:sp>
+        <p:nvSpPr>
+          <p:cNvPr id="3" name="Foliennummernplatzhalter 2">
+            <a:extLst>
+              <a:ext uri="{FF2B5EF4-FFF2-40B4-BE49-F238E27FC236}">
+                <a16:creationId xmlns:a16="http://schemas.microsoft.com/office/drawing/2014/main" id="{1C0A7D9B-4AEA-D873-293F-0C5338471463}"/>
+              </a:ext>
+            </a:extLst>
+          </p:cNvPr>
+          <p:cNvSpPr>
+            <a:spLocks noGrp="1"/>
+          </p:cNvSpPr>
+          <p:nvPr>
+            <p:ph type="sldNum" sz="quarter" idx="12"/>
+          </p:nvPr>
+        </p:nvSpPr>
+        <p:spPr/>
+        <p:txBody>
+          <a:bodyPr/>
+          <a:lstStyle/>
+          <a:p>
+            <a:fld id="{FD50B010-3F09-4BF2-AC9E-0082EFF861BF}" type="slidenum">
+              <a:rPr lang="en-GB" smtClean="0"/>
+              <a:t>5</a:t>
+            </a:fld>
+            <a:endParaRPr lang="en-GB"/>
           </a:p>
         </p:txBody>
       </p:sp>
@@ -3703,7 +4916,7 @@
 </p:sld>
 </file>
 
-<file path=ppt/slides/slide5.xml><?xml version="1.0" encoding="utf-8"?>
+<file path=ppt/slides/slide6.xml><?xml version="1.0" encoding="utf-8"?>
 <p:sld xmlns:a="http://schemas.openxmlformats.org/drawingml/2006/main" xmlns:r="http://schemas.openxmlformats.org/officeDocument/2006/relationships" xmlns:p="http://schemas.openxmlformats.org/presentationml/2006/main">
   <p:cSld>
     <p:spTree>
@@ -3754,6 +4967,35 @@
           </a:p>
         </p:txBody>
       </p:sp>
+      <p:sp>
+        <p:nvSpPr>
+          <p:cNvPr id="3" name="Foliennummernplatzhalter 2">
+            <a:extLst>
+              <a:ext uri="{FF2B5EF4-FFF2-40B4-BE49-F238E27FC236}">
+                <a16:creationId xmlns:a16="http://schemas.microsoft.com/office/drawing/2014/main" id="{B9E582D8-53E9-091C-B050-48ED8F4B6E34}"/>
+              </a:ext>
+            </a:extLst>
+          </p:cNvPr>
+          <p:cNvSpPr>
+            <a:spLocks noGrp="1"/>
+          </p:cNvSpPr>
+          <p:nvPr>
+            <p:ph type="sldNum" sz="quarter" idx="12"/>
+          </p:nvPr>
+        </p:nvSpPr>
+        <p:spPr/>
+        <p:txBody>
+          <a:bodyPr/>
+          <a:lstStyle/>
+          <a:p>
+            <a:fld id="{FD50B010-3F09-4BF2-AC9E-0082EFF861BF}" type="slidenum">
+              <a:rPr lang="en-GB" smtClean="0"/>
+              <a:t>6</a:t>
+            </a:fld>
+            <a:endParaRPr lang="en-GB"/>
+          </a:p>
+        </p:txBody>
+      </p:sp>
     </p:spTree>
     <p:extLst>
       <p:ext uri="{BB962C8B-B14F-4D97-AF65-F5344CB8AC3E}">
@@ -3767,7 +5009,7 @@
 </p:sld>
 </file>
 
-<file path=ppt/slides/slide6.xml><?xml version="1.0" encoding="utf-8"?>
+<file path=ppt/slides/slide7.xml><?xml version="1.0" encoding="utf-8"?>
 <p:sld xmlns:a="http://schemas.openxmlformats.org/drawingml/2006/main" xmlns:r="http://schemas.openxmlformats.org/officeDocument/2006/relationships" xmlns:p="http://schemas.openxmlformats.org/presentationml/2006/main">
   <p:cSld>
     <p:spTree>
@@ -3862,10 +5104,151 @@
           </a:p>
         </p:txBody>
       </p:sp>
+      <p:sp>
+        <p:nvSpPr>
+          <p:cNvPr id="4" name="Foliennummernplatzhalter 3">
+            <a:extLst>
+              <a:ext uri="{FF2B5EF4-FFF2-40B4-BE49-F238E27FC236}">
+                <a16:creationId xmlns:a16="http://schemas.microsoft.com/office/drawing/2014/main" id="{28A3E613-57B3-4FBF-24A6-E1FBE535E633}"/>
+              </a:ext>
+            </a:extLst>
+          </p:cNvPr>
+          <p:cNvSpPr>
+            <a:spLocks noGrp="1"/>
+          </p:cNvSpPr>
+          <p:nvPr>
+            <p:ph type="sldNum" sz="quarter" idx="12"/>
+          </p:nvPr>
+        </p:nvSpPr>
+        <p:spPr/>
+        <p:txBody>
+          <a:bodyPr/>
+          <a:lstStyle/>
+          <a:p>
+            <a:fld id="{FD50B010-3F09-4BF2-AC9E-0082EFF861BF}" type="slidenum">
+              <a:rPr lang="en-GB" smtClean="0"/>
+              <a:t>7</a:t>
+            </a:fld>
+            <a:endParaRPr lang="en-GB"/>
+          </a:p>
+        </p:txBody>
+      </p:sp>
     </p:spTree>
     <p:extLst>
       <p:ext uri="{BB962C8B-B14F-4D97-AF65-F5344CB8AC3E}">
         <p14:creationId xmlns:p14="http://schemas.microsoft.com/office/powerpoint/2010/main" val="4004380329"/>
+      </p:ext>
+    </p:extLst>
+  </p:cSld>
+  <p:clrMapOvr>
+    <a:masterClrMapping/>
+  </p:clrMapOvr>
+</p:sld>
+</file>
+
+<file path=ppt/slides/slide8.xml><?xml version="1.0" encoding="utf-8"?>
+<p:sld xmlns:a="http://schemas.openxmlformats.org/drawingml/2006/main" xmlns:r="http://schemas.openxmlformats.org/officeDocument/2006/relationships" xmlns:p="http://schemas.openxmlformats.org/presentationml/2006/main">
+  <p:cSld>
+    <p:spTree>
+      <p:nvGrpSpPr>
+        <p:cNvPr id="1" name=""/>
+        <p:cNvGrpSpPr/>
+        <p:nvPr/>
+      </p:nvGrpSpPr>
+      <p:grpSpPr>
+        <a:xfrm>
+          <a:off x="0" y="0"/>
+          <a:ext cx="0" cy="0"/>
+          <a:chOff x="0" y="0"/>
+          <a:chExt cx="0" cy="0"/>
+        </a:xfrm>
+      </p:grpSpPr>
+      <p:sp>
+        <p:nvSpPr>
+          <p:cNvPr id="2" name="Title 1">
+            <a:extLst>
+              <a:ext uri="{FF2B5EF4-FFF2-40B4-BE49-F238E27FC236}">
+                <a16:creationId xmlns:a16="http://schemas.microsoft.com/office/drawing/2014/main" id="{207A4989-6272-0FB5-7D67-C95DA1F42F07}"/>
+              </a:ext>
+            </a:extLst>
+          </p:cNvPr>
+          <p:cNvSpPr>
+            <a:spLocks noGrp="1"/>
+          </p:cNvSpPr>
+          <p:nvPr>
+            <p:ph type="title"/>
+          </p:nvPr>
+        </p:nvSpPr>
+        <p:spPr/>
+        <p:txBody>
+          <a:bodyPr/>
+          <a:lstStyle/>
+          <a:p>
+            <a:r>
+              <a:rPr lang="en-GB" dirty="0"/>
+              <a:t>Magnetic Resonance Imaging (MRI)</a:t>
+            </a:r>
+          </a:p>
+        </p:txBody>
+      </p:sp>
+      <p:sp>
+        <p:nvSpPr>
+          <p:cNvPr id="3" name="Content Placeholder 2">
+            <a:extLst>
+              <a:ext uri="{FF2B5EF4-FFF2-40B4-BE49-F238E27FC236}">
+                <a16:creationId xmlns:a16="http://schemas.microsoft.com/office/drawing/2014/main" id="{4D246828-48DB-6F62-69F8-8E44DC14D112}"/>
+              </a:ext>
+            </a:extLst>
+          </p:cNvPr>
+          <p:cNvSpPr>
+            <a:spLocks noGrp="1"/>
+          </p:cNvSpPr>
+          <p:nvPr>
+            <p:ph idx="1"/>
+          </p:nvPr>
+        </p:nvSpPr>
+        <p:spPr/>
+        <p:txBody>
+          <a:bodyPr/>
+          <a:lstStyle/>
+          <a:p>
+            <a:endParaRPr lang="en-GB"/>
+          </a:p>
+        </p:txBody>
+      </p:sp>
+      <p:sp>
+        <p:nvSpPr>
+          <p:cNvPr id="4" name="Foliennummernplatzhalter 3">
+            <a:extLst>
+              <a:ext uri="{FF2B5EF4-FFF2-40B4-BE49-F238E27FC236}">
+                <a16:creationId xmlns:a16="http://schemas.microsoft.com/office/drawing/2014/main" id="{E5594492-77B2-23FE-5ECE-FEBF893E90AE}"/>
+              </a:ext>
+            </a:extLst>
+          </p:cNvPr>
+          <p:cNvSpPr>
+            <a:spLocks noGrp="1"/>
+          </p:cNvSpPr>
+          <p:nvPr>
+            <p:ph type="sldNum" sz="quarter" idx="12"/>
+          </p:nvPr>
+        </p:nvSpPr>
+        <p:spPr/>
+        <p:txBody>
+          <a:bodyPr/>
+          <a:lstStyle/>
+          <a:p>
+            <a:fld id="{FD50B010-3F09-4BF2-AC9E-0082EFF861BF}" type="slidenum">
+              <a:rPr lang="en-GB" smtClean="0"/>
+              <a:t>8</a:t>
+            </a:fld>
+            <a:endParaRPr lang="en-GB"/>
+          </a:p>
+        </p:txBody>
+      </p:sp>
+    </p:spTree>
+    <p:extLst>
+      <p:ext uri="{BB962C8B-B14F-4D97-AF65-F5344CB8AC3E}">
+        <p14:creationId xmlns:p14="http://schemas.microsoft.com/office/powerpoint/2010/main" val="3766084937"/>
       </p:ext>
     </p:extLst>
   </p:cSld>
@@ -4188,4 +5571,319 @@
     </a:ext>
   </a:extLst>
 </a:theme>
+</file>
+
+<file path=ppt/theme/theme2.xml><?xml version="1.0" encoding="utf-8"?>
+<a:theme xmlns:a="http://schemas.openxmlformats.org/drawingml/2006/main" name="Office">
+  <a:themeElements>
+    <a:clrScheme name="Office">
+      <a:dk1>
+        <a:sysClr val="windowText" lastClr="000000"/>
+      </a:dk1>
+      <a:lt1>
+        <a:sysClr val="window" lastClr="FFFFFF"/>
+      </a:lt1>
+      <a:dk2>
+        <a:srgbClr val="0E2841"/>
+      </a:dk2>
+      <a:lt2>
+        <a:srgbClr val="E8E8E8"/>
+      </a:lt2>
+      <a:accent1>
+        <a:srgbClr val="156082"/>
+      </a:accent1>
+      <a:accent2>
+        <a:srgbClr val="E97132"/>
+      </a:accent2>
+      <a:accent3>
+        <a:srgbClr val="196B24"/>
+      </a:accent3>
+      <a:accent4>
+        <a:srgbClr val="0F9ED5"/>
+      </a:accent4>
+      <a:accent5>
+        <a:srgbClr val="A02B93"/>
+      </a:accent5>
+      <a:accent6>
+        <a:srgbClr val="4EA72E"/>
+      </a:accent6>
+      <a:hlink>
+        <a:srgbClr val="467886"/>
+      </a:hlink>
+      <a:folHlink>
+        <a:srgbClr val="96607D"/>
+      </a:folHlink>
+    </a:clrScheme>
+    <a:fontScheme name="Office">
+      <a:majorFont>
+        <a:latin typeface="Aptos Display" panose="02110004020202020204"/>
+        <a:ea typeface=""/>
+        <a:cs typeface=""/>
+        <a:font script="Jpan" typeface="游ゴシック Light"/>
+        <a:font script="Hang" typeface="맑은 고딕"/>
+        <a:font script="Hans" typeface="等线 Light"/>
+        <a:font script="Hant" typeface="新細明體"/>
+        <a:font script="Arab" typeface="Times New Roman"/>
+        <a:font script="Hebr" typeface="Times New Roman"/>
+        <a:font script="Thai" typeface="Angsana New"/>
+        <a:font script="Ethi" typeface="Nyala"/>
+        <a:font script="Beng" typeface="Vrinda"/>
+        <a:font script="Gujr" typeface="Shruti"/>
+        <a:font script="Khmr" typeface="MoolBoran"/>
+        <a:font script="Knda" typeface="Tunga"/>
+        <a:font script="Guru" typeface="Raavi"/>
+        <a:font script="Cans" typeface="Euphemia"/>
+        <a:font script="Cher" typeface="Plantagenet Cherokee"/>
+        <a:font script="Yiii" typeface="Microsoft Yi Baiti"/>
+        <a:font script="Tibt" typeface="Microsoft Himalaya"/>
+        <a:font script="Thaa" typeface="MV Boli"/>
+        <a:font script="Deva" typeface="Mangal"/>
+        <a:font script="Telu" typeface="Gautami"/>
+        <a:font script="Taml" typeface="Latha"/>
+        <a:font script="Syrc" typeface="Estrangelo Edessa"/>
+        <a:font script="Orya" typeface="Kalinga"/>
+        <a:font script="Mlym" typeface="Kartika"/>
+        <a:font script="Laoo" typeface="DokChampa"/>
+        <a:font script="Sinh" typeface="Iskoola Pota"/>
+        <a:font script="Mong" typeface="Mongolian Baiti"/>
+        <a:font script="Viet" typeface="Times New Roman"/>
+        <a:font script="Uigh" typeface="Microsoft Uighur"/>
+        <a:font script="Geor" typeface="Sylfaen"/>
+        <a:font script="Armn" typeface="Arial"/>
+        <a:font script="Bugi" typeface="Leelawadee UI"/>
+        <a:font script="Bopo" typeface="Microsoft JhengHei"/>
+        <a:font script="Java" typeface="Javanese Text"/>
+        <a:font script="Lisu" typeface="Segoe UI"/>
+        <a:font script="Mymr" typeface="Myanmar Text"/>
+        <a:font script="Nkoo" typeface="Ebrima"/>
+        <a:font script="Olck" typeface="Nirmala UI"/>
+        <a:font script="Osma" typeface="Ebrima"/>
+        <a:font script="Phag" typeface="Phagspa"/>
+        <a:font script="Syrn" typeface="Estrangelo Edessa"/>
+        <a:font script="Syrj" typeface="Estrangelo Edessa"/>
+        <a:font script="Syre" typeface="Estrangelo Edessa"/>
+        <a:font script="Sora" typeface="Nirmala UI"/>
+        <a:font script="Tale" typeface="Microsoft Tai Le"/>
+        <a:font script="Talu" typeface="Microsoft New Tai Lue"/>
+        <a:font script="Tfng" typeface="Ebrima"/>
+      </a:majorFont>
+      <a:minorFont>
+        <a:latin typeface="Aptos" panose="02110004020202020204"/>
+        <a:ea typeface=""/>
+        <a:cs typeface=""/>
+        <a:font script="Jpan" typeface="游ゴシック"/>
+        <a:font script="Hang" typeface="맑은 고딕"/>
+        <a:font script="Hans" typeface="等线"/>
+        <a:font script="Hant" typeface="新細明體"/>
+        <a:font script="Arab" typeface="Arial"/>
+        <a:font script="Hebr" typeface="Arial"/>
+        <a:font script="Thai" typeface="Cordia New"/>
+        <a:font script="Ethi" typeface="Nyala"/>
+        <a:font script="Beng" typeface="Vrinda"/>
+        <a:font script="Gujr" typeface="Shruti"/>
+        <a:font script="Khmr" typeface="DaunPenh"/>
+        <a:font script="Knda" typeface="Tunga"/>
+        <a:font script="Guru" typeface="Raavi"/>
+        <a:font script="Cans" typeface="Euphemia"/>
+        <a:font script="Cher" typeface="Plantagenet Cherokee"/>
+        <a:font script="Yiii" typeface="Microsoft Yi Baiti"/>
+        <a:font script="Tibt" typeface="Microsoft Himalaya"/>
+        <a:font script="Thaa" typeface="MV Boli"/>
+        <a:font script="Deva" typeface="Mangal"/>
+        <a:font script="Telu" typeface="Gautami"/>
+        <a:font script="Taml" typeface="Latha"/>
+        <a:font script="Syrc" typeface="Estrangelo Edessa"/>
+        <a:font script="Orya" typeface="Kalinga"/>
+        <a:font script="Mlym" typeface="Kartika"/>
+        <a:font script="Laoo" typeface="DokChampa"/>
+        <a:font script="Sinh" typeface="Iskoola Pota"/>
+        <a:font script="Mong" typeface="Mongolian Baiti"/>
+        <a:font script="Viet" typeface="Arial"/>
+        <a:font script="Uigh" typeface="Microsoft Uighur"/>
+        <a:font script="Geor" typeface="Sylfaen"/>
+        <a:font script="Armn" typeface="Arial"/>
+        <a:font script="Bugi" typeface="Leelawadee UI"/>
+        <a:font script="Bopo" typeface="Microsoft JhengHei"/>
+        <a:font script="Java" typeface="Javanese Text"/>
+        <a:font script="Lisu" typeface="Segoe UI"/>
+        <a:font script="Mymr" typeface="Myanmar Text"/>
+        <a:font script="Nkoo" typeface="Ebrima"/>
+        <a:font script="Olck" typeface="Nirmala UI"/>
+        <a:font script="Osma" typeface="Ebrima"/>
+        <a:font script="Phag" typeface="Phagspa"/>
+        <a:font script="Syrn" typeface="Estrangelo Edessa"/>
+        <a:font script="Syrj" typeface="Estrangelo Edessa"/>
+        <a:font script="Syre" typeface="Estrangelo Edessa"/>
+        <a:font script="Sora" typeface="Nirmala UI"/>
+        <a:font script="Tale" typeface="Microsoft Tai Le"/>
+        <a:font script="Talu" typeface="Microsoft New Tai Lue"/>
+        <a:font script="Tfng" typeface="Ebrima"/>
+      </a:minorFont>
+    </a:fontScheme>
+    <a:fmtScheme name="Office">
+      <a:fillStyleLst>
+        <a:solidFill>
+          <a:schemeClr val="phClr"/>
+        </a:solidFill>
+        <a:gradFill rotWithShape="1">
+          <a:gsLst>
+            <a:gs pos="0">
+              <a:schemeClr val="phClr">
+                <a:lumMod val="110000"/>
+                <a:satMod val="105000"/>
+                <a:tint val="67000"/>
+              </a:schemeClr>
+            </a:gs>
+            <a:gs pos="50000">
+              <a:schemeClr val="phClr">
+                <a:lumMod val="105000"/>
+                <a:satMod val="103000"/>
+                <a:tint val="73000"/>
+              </a:schemeClr>
+            </a:gs>
+            <a:gs pos="100000">
+              <a:schemeClr val="phClr">
+                <a:lumMod val="105000"/>
+                <a:satMod val="109000"/>
+                <a:tint val="81000"/>
+              </a:schemeClr>
+            </a:gs>
+          </a:gsLst>
+          <a:lin ang="5400000" scaled="0"/>
+        </a:gradFill>
+        <a:gradFill rotWithShape="1">
+          <a:gsLst>
+            <a:gs pos="0">
+              <a:schemeClr val="phClr">
+                <a:satMod val="103000"/>
+                <a:lumMod val="102000"/>
+                <a:tint val="94000"/>
+              </a:schemeClr>
+            </a:gs>
+            <a:gs pos="50000">
+              <a:schemeClr val="phClr">
+                <a:satMod val="110000"/>
+                <a:lumMod val="100000"/>
+                <a:shade val="100000"/>
+              </a:schemeClr>
+            </a:gs>
+            <a:gs pos="100000">
+              <a:schemeClr val="phClr">
+                <a:lumMod val="99000"/>
+                <a:satMod val="120000"/>
+                <a:shade val="78000"/>
+              </a:schemeClr>
+            </a:gs>
+          </a:gsLst>
+          <a:lin ang="5400000" scaled="0"/>
+        </a:gradFill>
+      </a:fillStyleLst>
+      <a:lnStyleLst>
+        <a:ln w="12700" cap="flat" cmpd="sng" algn="ctr">
+          <a:solidFill>
+            <a:schemeClr val="phClr"/>
+          </a:solidFill>
+          <a:prstDash val="solid"/>
+          <a:miter lim="800000"/>
+        </a:ln>
+        <a:ln w="19050" cap="flat" cmpd="sng" algn="ctr">
+          <a:solidFill>
+            <a:schemeClr val="phClr"/>
+          </a:solidFill>
+          <a:prstDash val="solid"/>
+          <a:miter lim="800000"/>
+        </a:ln>
+        <a:ln w="25400" cap="flat" cmpd="sng" algn="ctr">
+          <a:solidFill>
+            <a:schemeClr val="phClr"/>
+          </a:solidFill>
+          <a:prstDash val="solid"/>
+          <a:miter lim="800000"/>
+        </a:ln>
+      </a:lnStyleLst>
+      <a:effectStyleLst>
+        <a:effectStyle>
+          <a:effectLst/>
+        </a:effectStyle>
+        <a:effectStyle>
+          <a:effectLst/>
+        </a:effectStyle>
+        <a:effectStyle>
+          <a:effectLst>
+            <a:outerShdw blurRad="57150" dist="19050" dir="5400000" algn="ctr" rotWithShape="0">
+              <a:srgbClr val="000000">
+                <a:alpha val="63000"/>
+              </a:srgbClr>
+            </a:outerShdw>
+          </a:effectLst>
+        </a:effectStyle>
+      </a:effectStyleLst>
+      <a:bgFillStyleLst>
+        <a:solidFill>
+          <a:schemeClr val="phClr"/>
+        </a:solidFill>
+        <a:solidFill>
+          <a:schemeClr val="phClr">
+            <a:tint val="95000"/>
+            <a:satMod val="170000"/>
+          </a:schemeClr>
+        </a:solidFill>
+        <a:gradFill rotWithShape="1">
+          <a:gsLst>
+            <a:gs pos="0">
+              <a:schemeClr val="phClr">
+                <a:tint val="93000"/>
+                <a:satMod val="150000"/>
+                <a:shade val="98000"/>
+                <a:lumMod val="102000"/>
+              </a:schemeClr>
+            </a:gs>
+            <a:gs pos="50000">
+              <a:schemeClr val="phClr">
+                <a:tint val="98000"/>
+                <a:satMod val="130000"/>
+                <a:shade val="90000"/>
+                <a:lumMod val="103000"/>
+              </a:schemeClr>
+            </a:gs>
+            <a:gs pos="100000">
+              <a:schemeClr val="phClr">
+                <a:shade val="63000"/>
+                <a:satMod val="120000"/>
+              </a:schemeClr>
+            </a:gs>
+          </a:gsLst>
+          <a:lin ang="5400000" scaled="0"/>
+        </a:gradFill>
+      </a:bgFillStyleLst>
+    </a:fmtScheme>
+  </a:themeElements>
+  <a:objectDefaults>
+    <a:lnDef>
+      <a:spPr/>
+      <a:bodyPr/>
+      <a:lstStyle/>
+      <a:style>
+        <a:lnRef idx="2">
+          <a:schemeClr val="accent1"/>
+        </a:lnRef>
+        <a:fillRef idx="0">
+          <a:schemeClr val="accent1"/>
+        </a:fillRef>
+        <a:effectRef idx="1">
+          <a:schemeClr val="accent1"/>
+        </a:effectRef>
+        <a:fontRef idx="minor">
+          <a:schemeClr val="tx1"/>
+        </a:fontRef>
+      </a:style>
+    </a:lnDef>
+  </a:objectDefaults>
+  <a:extraClrSchemeLst/>
+  <a:extLst>
+    <a:ext uri="{05A4C25C-085E-4340-85A3-A5531E510DB2}">
+      <thm15:themeFamily xmlns:thm15="http://schemas.microsoft.com/office/thememl/2012/main" name="Office Theme" id="{2E142A2C-CD16-42D6-873A-C26D2A0506FA}" vid="{1BDDFF52-6CD6-40A5-AB3C-68EB2F1E4D0A}"/>
+    </a:ext>
+  </a:extLst>
+</a:theme>
 </file>
--- a/slides/CT.pptx
+++ b/slides/CT.pptx
@@ -5,17 +5,24 @@
     <p:sldMasterId id="2147483648" r:id="rId1"/>
   </p:sldMasterIdLst>
   <p:notesMasterIdLst>
-    <p:notesMasterId r:id="rId10"/>
+    <p:notesMasterId r:id="rId17"/>
   </p:notesMasterIdLst>
   <p:sldIdLst>
     <p:sldId id="256" r:id="rId2"/>
     <p:sldId id="262" r:id="rId3"/>
     <p:sldId id="263" r:id="rId4"/>
-    <p:sldId id="264" r:id="rId5"/>
-    <p:sldId id="259" r:id="rId6"/>
-    <p:sldId id="260" r:id="rId7"/>
-    <p:sldId id="258" r:id="rId8"/>
-    <p:sldId id="261" r:id="rId9"/>
+    <p:sldId id="265" r:id="rId5"/>
+    <p:sldId id="266" r:id="rId6"/>
+    <p:sldId id="264" r:id="rId7"/>
+    <p:sldId id="261" r:id="rId8"/>
+    <p:sldId id="267" r:id="rId9"/>
+    <p:sldId id="268" r:id="rId10"/>
+    <p:sldId id="269" r:id="rId11"/>
+    <p:sldId id="270" r:id="rId12"/>
+    <p:sldId id="271" r:id="rId13"/>
+    <p:sldId id="272" r:id="rId14"/>
+    <p:sldId id="273" r:id="rId15"/>
+    <p:sldId id="274" r:id="rId16"/>
   </p:sldIdLst>
   <p:sldSz cx="12192000" cy="6858000"/>
   <p:notesSz cx="6858000" cy="9144000"/>
@@ -256,7 +263,7 @@
           <a:p>
             <a:fld id="{F8A77151-A70E-4C9B-9104-98B4602AD2C7}" type="datetimeFigureOut">
               <a:rPr lang="de-DE" smtClean="0"/>
-              <a:t>10.04.2025</a:t>
+              <a:t>11.04.2025</a:t>
             </a:fld>
             <a:endParaRPr lang="de-DE"/>
           </a:p>
@@ -414,7 +421,7 @@
           <a:p>
             <a:fld id="{445105BF-9636-4C55-A032-806EFF4230AD}" type="slidenum">
               <a:rPr lang="de-DE" smtClean="0"/>
-              <a:t>‹Nr.›</a:t>
+              <a:t>‹#›</a:t>
             </a:fld>
             <a:endParaRPr lang="de-DE"/>
           </a:p>
@@ -672,7 +679,7 @@
           <a:p>
             <a:fld id="{4378A192-3F90-42A8-994C-63F3EABE94C3}" type="datetime1">
               <a:rPr lang="en-GB" smtClean="0"/>
-              <a:t>10/04/2025</a:t>
+              <a:t>11/04/2025</a:t>
             </a:fld>
             <a:endParaRPr lang="en-GB"/>
           </a:p>
@@ -726,7 +733,7 @@
           <a:p>
             <a:fld id="{FD50B010-3F09-4BF2-AC9E-0082EFF861BF}" type="slidenum">
               <a:rPr lang="en-GB" smtClean="0"/>
-              <a:t>‹Nr.›</a:t>
+              <a:t>‹#›</a:t>
             </a:fld>
             <a:endParaRPr lang="en-GB"/>
           </a:p>
@@ -872,7 +879,7 @@
           <a:p>
             <a:fld id="{65921E9D-1276-49F2-A93F-2B41C18AF0B6}" type="datetime1">
               <a:rPr lang="en-GB" smtClean="0"/>
-              <a:t>10/04/2025</a:t>
+              <a:t>11/04/2025</a:t>
             </a:fld>
             <a:endParaRPr lang="en-GB"/>
           </a:p>
@@ -926,7 +933,7 @@
           <a:p>
             <a:fld id="{FD50B010-3F09-4BF2-AC9E-0082EFF861BF}" type="slidenum">
               <a:rPr lang="en-GB" smtClean="0"/>
-              <a:t>‹Nr.›</a:t>
+              <a:t>‹#›</a:t>
             </a:fld>
             <a:endParaRPr lang="en-GB"/>
           </a:p>
@@ -1082,7 +1089,7 @@
           <a:p>
             <a:fld id="{871C0982-BB23-4BA0-9C61-E79C8D9D887C}" type="datetime1">
               <a:rPr lang="en-GB" smtClean="0"/>
-              <a:t>10/04/2025</a:t>
+              <a:t>11/04/2025</a:t>
             </a:fld>
             <a:endParaRPr lang="en-GB"/>
           </a:p>
@@ -1136,7 +1143,7 @@
           <a:p>
             <a:fld id="{FD50B010-3F09-4BF2-AC9E-0082EFF861BF}" type="slidenum">
               <a:rPr lang="en-GB" smtClean="0"/>
-              <a:t>‹Nr.›</a:t>
+              <a:t>‹#›</a:t>
             </a:fld>
             <a:endParaRPr lang="en-GB"/>
           </a:p>
@@ -1282,7 +1289,7 @@
           <a:p>
             <a:fld id="{74E6AA62-DC19-4437-8878-4BE4304BEF9C}" type="datetime1">
               <a:rPr lang="en-GB" smtClean="0"/>
-              <a:t>10/04/2025</a:t>
+              <a:t>11/04/2025</a:t>
             </a:fld>
             <a:endParaRPr lang="en-GB"/>
           </a:p>
@@ -1336,7 +1343,7 @@
           <a:p>
             <a:fld id="{FD50B010-3F09-4BF2-AC9E-0082EFF861BF}" type="slidenum">
               <a:rPr lang="en-GB" smtClean="0"/>
-              <a:t>‹Nr.›</a:t>
+              <a:t>‹#›</a:t>
             </a:fld>
             <a:endParaRPr lang="en-GB"/>
           </a:p>
@@ -1558,7 +1565,7 @@
           <a:p>
             <a:fld id="{D1ABB2F1-D765-429F-B48E-ED92C6F912BF}" type="datetime1">
               <a:rPr lang="en-GB" smtClean="0"/>
-              <a:t>10/04/2025</a:t>
+              <a:t>11/04/2025</a:t>
             </a:fld>
             <a:endParaRPr lang="en-GB"/>
           </a:p>
@@ -1612,7 +1619,7 @@
           <a:p>
             <a:fld id="{FD50B010-3F09-4BF2-AC9E-0082EFF861BF}" type="slidenum">
               <a:rPr lang="en-GB" smtClean="0"/>
-              <a:t>‹Nr.›</a:t>
+              <a:t>‹#›</a:t>
             </a:fld>
             <a:endParaRPr lang="en-GB"/>
           </a:p>
@@ -1826,7 +1833,7 @@
           <a:p>
             <a:fld id="{648CDC90-0F0F-465B-847C-48244F4AF3EB}" type="datetime1">
               <a:rPr lang="en-GB" smtClean="0"/>
-              <a:t>10/04/2025</a:t>
+              <a:t>11/04/2025</a:t>
             </a:fld>
             <a:endParaRPr lang="en-GB"/>
           </a:p>
@@ -1880,7 +1887,7 @@
           <a:p>
             <a:fld id="{FD50B010-3F09-4BF2-AC9E-0082EFF861BF}" type="slidenum">
               <a:rPr lang="en-GB" smtClean="0"/>
-              <a:t>‹Nr.›</a:t>
+              <a:t>‹#›</a:t>
             </a:fld>
             <a:endParaRPr lang="en-GB"/>
           </a:p>
@@ -2241,7 +2248,7 @@
           <a:p>
             <a:fld id="{E559AE30-8141-42A2-90CB-A4B44B44B1D3}" type="datetime1">
               <a:rPr lang="en-GB" smtClean="0"/>
-              <a:t>10/04/2025</a:t>
+              <a:t>11/04/2025</a:t>
             </a:fld>
             <a:endParaRPr lang="en-GB"/>
           </a:p>
@@ -2295,7 +2302,7 @@
           <a:p>
             <a:fld id="{FD50B010-3F09-4BF2-AC9E-0082EFF861BF}" type="slidenum">
               <a:rPr lang="en-GB" smtClean="0"/>
-              <a:t>‹Nr.›</a:t>
+              <a:t>‹#›</a:t>
             </a:fld>
             <a:endParaRPr lang="en-GB"/>
           </a:p>
@@ -2383,7 +2390,7 @@
           <a:p>
             <a:fld id="{1DFDDB64-F90E-4084-A089-5A429678C416}" type="datetime1">
               <a:rPr lang="en-GB" smtClean="0"/>
-              <a:t>10/04/2025</a:t>
+              <a:t>11/04/2025</a:t>
             </a:fld>
             <a:endParaRPr lang="en-GB"/>
           </a:p>
@@ -2437,7 +2444,7 @@
           <a:p>
             <a:fld id="{FD50B010-3F09-4BF2-AC9E-0082EFF861BF}" type="slidenum">
               <a:rPr lang="en-GB" smtClean="0"/>
-              <a:t>‹Nr.›</a:t>
+              <a:t>‹#›</a:t>
             </a:fld>
             <a:endParaRPr lang="en-GB"/>
           </a:p>
@@ -2496,7 +2503,7 @@
           <a:p>
             <a:fld id="{A012969D-C9C9-4D34-B809-F9F4E7E3B760}" type="datetime1">
               <a:rPr lang="en-GB" smtClean="0"/>
-              <a:t>10/04/2025</a:t>
+              <a:t>11/04/2025</a:t>
             </a:fld>
             <a:endParaRPr lang="en-GB"/>
           </a:p>
@@ -2550,7 +2557,7 @@
           <a:p>
             <a:fld id="{FD50B010-3F09-4BF2-AC9E-0082EFF861BF}" type="slidenum">
               <a:rPr lang="en-GB" smtClean="0"/>
-              <a:t>‹Nr.›</a:t>
+              <a:t>‹#›</a:t>
             </a:fld>
             <a:endParaRPr lang="en-GB"/>
           </a:p>
@@ -2809,7 +2816,7 @@
           <a:p>
             <a:fld id="{1C67DF3B-5F0F-47E3-AA29-09B8A65F9A4F}" type="datetime1">
               <a:rPr lang="en-GB" smtClean="0"/>
-              <a:t>10/04/2025</a:t>
+              <a:t>11/04/2025</a:t>
             </a:fld>
             <a:endParaRPr lang="en-GB"/>
           </a:p>
@@ -2863,7 +2870,7 @@
           <a:p>
             <a:fld id="{FD50B010-3F09-4BF2-AC9E-0082EFF861BF}" type="slidenum">
               <a:rPr lang="en-GB" smtClean="0"/>
-              <a:t>‹Nr.›</a:t>
+              <a:t>‹#›</a:t>
             </a:fld>
             <a:endParaRPr lang="en-GB"/>
           </a:p>
@@ -3098,7 +3105,7 @@
           <a:p>
             <a:fld id="{F6EEBB89-4640-4304-A14F-CB7D6D2A08CD}" type="datetime1">
               <a:rPr lang="en-GB" smtClean="0"/>
-              <a:t>10/04/2025</a:t>
+              <a:t>11/04/2025</a:t>
             </a:fld>
             <a:endParaRPr lang="en-GB"/>
           </a:p>
@@ -3152,7 +3159,7 @@
           <a:p>
             <a:fld id="{FD50B010-3F09-4BF2-AC9E-0082EFF861BF}" type="slidenum">
               <a:rPr lang="en-GB" smtClean="0"/>
-              <a:t>‹Nr.›</a:t>
+              <a:t>‹#›</a:t>
             </a:fld>
             <a:endParaRPr lang="en-GB"/>
           </a:p>
@@ -3341,7 +3348,7 @@
           <a:p>
             <a:fld id="{26D9DC2A-B12E-44FE-BB5D-F8E62C35C5A2}" type="datetime1">
               <a:rPr lang="en-GB" smtClean="0"/>
-              <a:t>10/04/2025</a:t>
+              <a:t>11/04/2025</a:t>
             </a:fld>
             <a:endParaRPr lang="en-GB"/>
           </a:p>
@@ -3431,7 +3438,7 @@
           <a:p>
             <a:fld id="{FD50B010-3F09-4BF2-AC9E-0082EFF861BF}" type="slidenum">
               <a:rPr lang="en-GB" smtClean="0"/>
-              <a:t>‹Nr.›</a:t>
+              <a:t>‹#›</a:t>
             </a:fld>
             <a:endParaRPr lang="en-GB"/>
           </a:p>
@@ -3828,6 +3835,1220 @@
 </p:sld>
 </file>
 
+<file path=ppt/slides/slide10.xml><?xml version="1.0" encoding="utf-8"?>
+<p:sld xmlns:a="http://schemas.openxmlformats.org/drawingml/2006/main" xmlns:r="http://schemas.openxmlformats.org/officeDocument/2006/relationships" xmlns:p="http://schemas.openxmlformats.org/presentationml/2006/main">
+  <p:cSld>
+    <p:spTree>
+      <p:nvGrpSpPr>
+        <p:cNvPr id="1" name=""/>
+        <p:cNvGrpSpPr/>
+        <p:nvPr/>
+      </p:nvGrpSpPr>
+      <p:grpSpPr>
+        <a:xfrm>
+          <a:off x="0" y="0"/>
+          <a:ext cx="0" cy="0"/>
+          <a:chOff x="0" y="0"/>
+          <a:chExt cx="0" cy="0"/>
+        </a:xfrm>
+      </p:grpSpPr>
+      <p:sp>
+        <p:nvSpPr>
+          <p:cNvPr id="2" name="Slide Number Placeholder 1">
+            <a:extLst>
+              <a:ext uri="{FF2B5EF4-FFF2-40B4-BE49-F238E27FC236}">
+                <a16:creationId xmlns:a16="http://schemas.microsoft.com/office/drawing/2014/main" id="{5B34009E-15EF-01B2-64BE-943933929872}"/>
+              </a:ext>
+            </a:extLst>
+          </p:cNvPr>
+          <p:cNvSpPr>
+            <a:spLocks noGrp="1"/>
+          </p:cNvSpPr>
+          <p:nvPr>
+            <p:ph type="sldNum" sz="quarter" idx="12"/>
+          </p:nvPr>
+        </p:nvSpPr>
+        <p:spPr/>
+        <p:txBody>
+          <a:bodyPr/>
+          <a:lstStyle/>
+          <a:p>
+            <a:fld id="{FD50B010-3F09-4BF2-AC9E-0082EFF861BF}" type="slidenum">
+              <a:rPr lang="en-GB" smtClean="0"/>
+              <a:t>10</a:t>
+            </a:fld>
+            <a:endParaRPr lang="en-GB"/>
+          </a:p>
+        </p:txBody>
+      </p:sp>
+      <p:pic>
+        <p:nvPicPr>
+          <p:cNvPr id="4" name="Picture 3" descr="A close-up of a light&#10;&#10;AI-generated content may be incorrect.">
+            <a:extLst>
+              <a:ext uri="{FF2B5EF4-FFF2-40B4-BE49-F238E27FC236}">
+                <a16:creationId xmlns:a16="http://schemas.microsoft.com/office/drawing/2014/main" id="{A69B264E-0180-98D3-3355-D6191DFDF3C1}"/>
+              </a:ext>
+            </a:extLst>
+          </p:cNvPr>
+          <p:cNvPicPr>
+            <a:picLocks noChangeAspect="1"/>
+          </p:cNvPicPr>
+          <p:nvPr/>
+        </p:nvPicPr>
+        <p:blipFill>
+          <a:blip r:embed="rId2">
+            <a:extLst>
+              <a:ext uri="{28A0092B-C50C-407E-A947-70E740481C1C}">
+                <a14:useLocalDpi xmlns:a14="http://schemas.microsoft.com/office/drawing/2010/main" val="0"/>
+              </a:ext>
+            </a:extLst>
+          </a:blip>
+          <a:stretch>
+            <a:fillRect/>
+          </a:stretch>
+        </p:blipFill>
+        <p:spPr>
+          <a:xfrm>
+            <a:off x="2278048" y="1025146"/>
+            <a:ext cx="7635902" cy="3825572"/>
+          </a:xfrm>
+          <a:prstGeom prst="rect">
+            <a:avLst/>
+          </a:prstGeom>
+        </p:spPr>
+      </p:pic>
+      <p:sp>
+        <p:nvSpPr>
+          <p:cNvPr id="5" name="TextBox 4">
+            <a:extLst>
+              <a:ext uri="{FF2B5EF4-FFF2-40B4-BE49-F238E27FC236}">
+                <a16:creationId xmlns:a16="http://schemas.microsoft.com/office/drawing/2014/main" id="{A0C55B05-5FA0-2D99-C6A9-A8E6A847BBEB}"/>
+              </a:ext>
+            </a:extLst>
+          </p:cNvPr>
+          <p:cNvSpPr txBox="1"/>
+          <p:nvPr/>
+        </p:nvSpPr>
+        <p:spPr>
+          <a:xfrm>
+            <a:off x="3766964" y="451383"/>
+            <a:ext cx="4658070" cy="461665"/>
+          </a:xfrm>
+          <a:prstGeom prst="rect">
+            <a:avLst/>
+          </a:prstGeom>
+          <a:noFill/>
+        </p:spPr>
+        <p:txBody>
+          <a:bodyPr wrap="none" rtlCol="0">
+            <a:spAutoFit/>
+          </a:bodyPr>
+          <a:lstStyle/>
+          <a:p>
+            <a:r>
+              <a:rPr lang="de-DE" sz="2400" dirty="0"/>
+              <a:t>back projections of the sinograms</a:t>
+            </a:r>
+            <a:endParaRPr lang="en-GB" sz="2400" dirty="0"/>
+          </a:p>
+        </p:txBody>
+      </p:sp>
+      <p:pic>
+        <p:nvPicPr>
+          <p:cNvPr id="7" name="Picture 6">
+            <a:extLst>
+              <a:ext uri="{FF2B5EF4-FFF2-40B4-BE49-F238E27FC236}">
+                <a16:creationId xmlns:a16="http://schemas.microsoft.com/office/drawing/2014/main" id="{4DC6BF76-93C8-270C-09AC-EB67A10A2B06}"/>
+              </a:ext>
+            </a:extLst>
+          </p:cNvPr>
+          <p:cNvPicPr>
+            <a:picLocks noChangeAspect="1"/>
+          </p:cNvPicPr>
+          <p:nvPr/>
+        </p:nvPicPr>
+        <p:blipFill>
+          <a:blip r:embed="rId3">
+            <a:extLst>
+              <a:ext uri="{28A0092B-C50C-407E-A947-70E740481C1C}">
+                <a14:useLocalDpi xmlns:a14="http://schemas.microsoft.com/office/drawing/2010/main" val="0"/>
+              </a:ext>
+            </a:extLst>
+          </a:blip>
+          <a:stretch>
+            <a:fillRect/>
+          </a:stretch>
+        </p:blipFill>
+        <p:spPr>
+          <a:xfrm>
+            <a:off x="5531188" y="5060438"/>
+            <a:ext cx="5200932" cy="635982"/>
+          </a:xfrm>
+          <a:prstGeom prst="rect">
+            <a:avLst/>
+          </a:prstGeom>
+        </p:spPr>
+      </p:pic>
+      <p:pic>
+        <p:nvPicPr>
+          <p:cNvPr id="9" name="Picture 8" descr="A mathematical equation with a number and equal sign&#10;&#10;AI-generated content may be incorrect.">
+            <a:extLst>
+              <a:ext uri="{FF2B5EF4-FFF2-40B4-BE49-F238E27FC236}">
+                <a16:creationId xmlns:a16="http://schemas.microsoft.com/office/drawing/2014/main" id="{683C0693-0BF6-2902-CC10-AD732293134C}"/>
+              </a:ext>
+            </a:extLst>
+          </p:cNvPr>
+          <p:cNvPicPr>
+            <a:picLocks noChangeAspect="1"/>
+          </p:cNvPicPr>
+          <p:nvPr/>
+        </p:nvPicPr>
+        <p:blipFill>
+          <a:blip r:embed="rId4">
+            <a:extLst>
+              <a:ext uri="{28A0092B-C50C-407E-A947-70E740481C1C}">
+                <a14:useLocalDpi xmlns:a14="http://schemas.microsoft.com/office/drawing/2010/main" val="0"/>
+              </a:ext>
+            </a:extLst>
+          </a:blip>
+          <a:stretch>
+            <a:fillRect/>
+          </a:stretch>
+        </p:blipFill>
+        <p:spPr>
+          <a:xfrm>
+            <a:off x="6857896" y="5696420"/>
+            <a:ext cx="3220111" cy="997969"/>
+          </a:xfrm>
+          <a:prstGeom prst="rect">
+            <a:avLst/>
+          </a:prstGeom>
+        </p:spPr>
+      </p:pic>
+      <p:sp>
+        <p:nvSpPr>
+          <p:cNvPr id="10" name="TextBox 9">
+            <a:extLst>
+              <a:ext uri="{FF2B5EF4-FFF2-40B4-BE49-F238E27FC236}">
+                <a16:creationId xmlns:a16="http://schemas.microsoft.com/office/drawing/2014/main" id="{62505D4B-FF76-EAB6-C431-86E4CC908378}"/>
+              </a:ext>
+            </a:extLst>
+          </p:cNvPr>
+          <p:cNvSpPr txBox="1"/>
+          <p:nvPr/>
+        </p:nvSpPr>
+        <p:spPr>
+          <a:xfrm>
+            <a:off x="169334" y="5215333"/>
+            <a:ext cx="5232073" cy="461665"/>
+          </a:xfrm>
+          <a:prstGeom prst="rect">
+            <a:avLst/>
+          </a:prstGeom>
+          <a:noFill/>
+        </p:spPr>
+        <p:txBody>
+          <a:bodyPr wrap="none" rtlCol="0">
+            <a:spAutoFit/>
+          </a:bodyPr>
+          <a:lstStyle/>
+          <a:p>
+            <a:r>
+              <a:rPr lang="en-GB" sz="2400" dirty="0"/>
+              <a:t>single back projection (one direction): </a:t>
+            </a:r>
+          </a:p>
+        </p:txBody>
+      </p:sp>
+      <p:sp>
+        <p:nvSpPr>
+          <p:cNvPr id="11" name="TextBox 10">
+            <a:extLst>
+              <a:ext uri="{FF2B5EF4-FFF2-40B4-BE49-F238E27FC236}">
+                <a16:creationId xmlns:a16="http://schemas.microsoft.com/office/drawing/2014/main" id="{FE9C40D1-9D4B-532F-7AC6-BE304484AFF9}"/>
+              </a:ext>
+            </a:extLst>
+          </p:cNvPr>
+          <p:cNvSpPr txBox="1"/>
+          <p:nvPr/>
+        </p:nvSpPr>
+        <p:spPr>
+          <a:xfrm>
+            <a:off x="169334" y="5953909"/>
+            <a:ext cx="6688562" cy="461665"/>
+          </a:xfrm>
+          <a:prstGeom prst="rect">
+            <a:avLst/>
+          </a:prstGeom>
+          <a:noFill/>
+        </p:spPr>
+        <p:txBody>
+          <a:bodyPr wrap="none" rtlCol="0">
+            <a:spAutoFit/>
+          </a:bodyPr>
+          <a:lstStyle/>
+          <a:p>
+            <a:r>
+              <a:rPr lang="en-GB" sz="2400" dirty="0"/>
+              <a:t>final image by summing over all back projections:</a:t>
+            </a:r>
+          </a:p>
+        </p:txBody>
+      </p:sp>
+    </p:spTree>
+    <p:extLst>
+      <p:ext uri="{BB962C8B-B14F-4D97-AF65-F5344CB8AC3E}">
+        <p14:creationId xmlns:p14="http://schemas.microsoft.com/office/powerpoint/2010/main" val="3399933908"/>
+      </p:ext>
+    </p:extLst>
+  </p:cSld>
+  <p:clrMapOvr>
+    <a:masterClrMapping/>
+  </p:clrMapOvr>
+</p:sld>
+</file>
+
+<file path=ppt/slides/slide11.xml><?xml version="1.0" encoding="utf-8"?>
+<p:sld xmlns:a="http://schemas.openxmlformats.org/drawingml/2006/main" xmlns:r="http://schemas.openxmlformats.org/officeDocument/2006/relationships" xmlns:p="http://schemas.openxmlformats.org/presentationml/2006/main">
+  <p:cSld>
+    <p:spTree>
+      <p:nvGrpSpPr>
+        <p:cNvPr id="1" name=""/>
+        <p:cNvGrpSpPr/>
+        <p:nvPr/>
+      </p:nvGrpSpPr>
+      <p:grpSpPr>
+        <a:xfrm>
+          <a:off x="0" y="0"/>
+          <a:ext cx="0" cy="0"/>
+          <a:chOff x="0" y="0"/>
+          <a:chExt cx="0" cy="0"/>
+        </a:xfrm>
+      </p:grpSpPr>
+      <p:sp>
+        <p:nvSpPr>
+          <p:cNvPr id="3" name="Title 2">
+            <a:extLst>
+              <a:ext uri="{FF2B5EF4-FFF2-40B4-BE49-F238E27FC236}">
+                <a16:creationId xmlns:a16="http://schemas.microsoft.com/office/drawing/2014/main" id="{87B6B167-C937-DE3F-9862-6386589D289A}"/>
+              </a:ext>
+            </a:extLst>
+          </p:cNvPr>
+          <p:cNvSpPr>
+            <a:spLocks noGrp="1"/>
+          </p:cNvSpPr>
+          <p:nvPr>
+            <p:ph type="title"/>
+          </p:nvPr>
+        </p:nvSpPr>
+        <p:spPr/>
+        <p:txBody>
+          <a:bodyPr/>
+          <a:lstStyle/>
+          <a:p>
+            <a:r>
+              <a:rPr lang="en-GB" dirty="0"/>
+              <a:t>Filtered Back Projection</a:t>
+            </a:r>
+          </a:p>
+        </p:txBody>
+      </p:sp>
+      <p:sp>
+        <p:nvSpPr>
+          <p:cNvPr id="4" name="Content Placeholder 3">
+            <a:extLst>
+              <a:ext uri="{FF2B5EF4-FFF2-40B4-BE49-F238E27FC236}">
+                <a16:creationId xmlns:a16="http://schemas.microsoft.com/office/drawing/2014/main" id="{4995145F-1A06-F40D-859D-559314C1F6BD}"/>
+              </a:ext>
+            </a:extLst>
+          </p:cNvPr>
+          <p:cNvSpPr>
+            <a:spLocks noGrp="1"/>
+          </p:cNvSpPr>
+          <p:nvPr>
+            <p:ph idx="1"/>
+          </p:nvPr>
+        </p:nvSpPr>
+        <p:spPr/>
+        <p:txBody>
+          <a:bodyPr/>
+          <a:lstStyle/>
+          <a:p>
+            <a:pPr marL="0" indent="0">
+              <a:buNone/>
+            </a:pPr>
+            <a:r>
+              <a:rPr lang="en-GB" dirty="0"/>
+              <a:t>to reduce blurring effect: filter projections before back projection</a:t>
+            </a:r>
+          </a:p>
+        </p:txBody>
+      </p:sp>
+      <p:sp>
+        <p:nvSpPr>
+          <p:cNvPr id="2" name="Slide Number Placeholder 1">
+            <a:extLst>
+              <a:ext uri="{FF2B5EF4-FFF2-40B4-BE49-F238E27FC236}">
+                <a16:creationId xmlns:a16="http://schemas.microsoft.com/office/drawing/2014/main" id="{6A19897C-A31E-BAB2-54E0-1D80A03D5E70}"/>
+              </a:ext>
+            </a:extLst>
+          </p:cNvPr>
+          <p:cNvSpPr>
+            <a:spLocks noGrp="1"/>
+          </p:cNvSpPr>
+          <p:nvPr>
+            <p:ph type="sldNum" sz="quarter" idx="12"/>
+          </p:nvPr>
+        </p:nvSpPr>
+        <p:spPr/>
+        <p:txBody>
+          <a:bodyPr/>
+          <a:lstStyle/>
+          <a:p>
+            <a:fld id="{FD50B010-3F09-4BF2-AC9E-0082EFF861BF}" type="slidenum">
+              <a:rPr lang="en-GB" smtClean="0"/>
+              <a:t>11</a:t>
+            </a:fld>
+            <a:endParaRPr lang="en-GB"/>
+          </a:p>
+        </p:txBody>
+      </p:sp>
+      <p:pic>
+        <p:nvPicPr>
+          <p:cNvPr id="6" name="Picture 5" descr="A white letter on a black background&#10;&#10;AI-generated content may be incorrect.">
+            <a:extLst>
+              <a:ext uri="{FF2B5EF4-FFF2-40B4-BE49-F238E27FC236}">
+                <a16:creationId xmlns:a16="http://schemas.microsoft.com/office/drawing/2014/main" id="{980D8F14-A022-9070-9F66-A627A7BFE014}"/>
+              </a:ext>
+            </a:extLst>
+          </p:cNvPr>
+          <p:cNvPicPr>
+            <a:picLocks noChangeAspect="1"/>
+          </p:cNvPicPr>
+          <p:nvPr/>
+        </p:nvPicPr>
+        <p:blipFill>
+          <a:blip r:embed="rId2">
+            <a:extLst>
+              <a:ext uri="{28A0092B-C50C-407E-A947-70E740481C1C}">
+                <a14:useLocalDpi xmlns:a14="http://schemas.microsoft.com/office/drawing/2010/main" val="0"/>
+              </a:ext>
+            </a:extLst>
+          </a:blip>
+          <a:stretch>
+            <a:fillRect/>
+          </a:stretch>
+        </p:blipFill>
+        <p:spPr>
+          <a:xfrm>
+            <a:off x="4039967" y="2716182"/>
+            <a:ext cx="3636884" cy="3651668"/>
+          </a:xfrm>
+          <a:prstGeom prst="rect">
+            <a:avLst/>
+          </a:prstGeom>
+        </p:spPr>
+      </p:pic>
+      <p:pic>
+        <p:nvPicPr>
+          <p:cNvPr id="8" name="Picture 7" descr="A close-up of a grey oval&#10;&#10;AI-generated content may be incorrect.">
+            <a:extLst>
+              <a:ext uri="{FF2B5EF4-FFF2-40B4-BE49-F238E27FC236}">
+                <a16:creationId xmlns:a16="http://schemas.microsoft.com/office/drawing/2014/main" id="{55552A9A-7CAB-1268-B02E-99A8622D1B8C}"/>
+              </a:ext>
+            </a:extLst>
+          </p:cNvPr>
+          <p:cNvPicPr>
+            <a:picLocks noChangeAspect="1"/>
+          </p:cNvPicPr>
+          <p:nvPr/>
+        </p:nvPicPr>
+        <p:blipFill>
+          <a:blip r:embed="rId3">
+            <a:extLst>
+              <a:ext uri="{28A0092B-C50C-407E-A947-70E740481C1C}">
+                <a14:useLocalDpi xmlns:a14="http://schemas.microsoft.com/office/drawing/2010/main" val="0"/>
+              </a:ext>
+            </a:extLst>
+          </a:blip>
+          <a:stretch>
+            <a:fillRect/>
+          </a:stretch>
+        </p:blipFill>
+        <p:spPr>
+          <a:xfrm>
+            <a:off x="7747001" y="2744617"/>
+            <a:ext cx="3606800" cy="3611733"/>
+          </a:xfrm>
+          <a:prstGeom prst="rect">
+            <a:avLst/>
+          </a:prstGeom>
+        </p:spPr>
+      </p:pic>
+    </p:spTree>
+    <p:extLst>
+      <p:ext uri="{BB962C8B-B14F-4D97-AF65-F5344CB8AC3E}">
+        <p14:creationId xmlns:p14="http://schemas.microsoft.com/office/powerpoint/2010/main" val="2480944488"/>
+      </p:ext>
+    </p:extLst>
+  </p:cSld>
+  <p:clrMapOvr>
+    <a:masterClrMapping/>
+  </p:clrMapOvr>
+</p:sld>
+</file>
+
+<file path=ppt/slides/slide12.xml><?xml version="1.0" encoding="utf-8"?>
+<p:sld xmlns:a="http://schemas.openxmlformats.org/drawingml/2006/main" xmlns:r="http://schemas.openxmlformats.org/officeDocument/2006/relationships" xmlns:p="http://schemas.openxmlformats.org/presentationml/2006/main">
+  <p:cSld>
+    <p:spTree>
+      <p:nvGrpSpPr>
+        <p:cNvPr id="1" name=""/>
+        <p:cNvGrpSpPr/>
+        <p:nvPr/>
+      </p:nvGrpSpPr>
+      <p:grpSpPr>
+        <a:xfrm>
+          <a:off x="0" y="0"/>
+          <a:ext cx="0" cy="0"/>
+          <a:chOff x="0" y="0"/>
+          <a:chExt cx="0" cy="0"/>
+        </a:xfrm>
+      </p:grpSpPr>
+      <p:sp>
+        <p:nvSpPr>
+          <p:cNvPr id="5" name="Title 4">
+            <a:extLst>
+              <a:ext uri="{FF2B5EF4-FFF2-40B4-BE49-F238E27FC236}">
+                <a16:creationId xmlns:a16="http://schemas.microsoft.com/office/drawing/2014/main" id="{D51D3145-C3BF-2CBF-FA2B-2E7F57351E9B}"/>
+              </a:ext>
+            </a:extLst>
+          </p:cNvPr>
+          <p:cNvSpPr>
+            <a:spLocks noGrp="1"/>
+          </p:cNvSpPr>
+          <p:nvPr>
+            <p:ph type="title"/>
+          </p:nvPr>
+        </p:nvSpPr>
+        <p:spPr/>
+        <p:txBody>
+          <a:bodyPr/>
+          <a:lstStyle/>
+          <a:p>
+            <a:r>
+              <a:rPr lang="de-DE" dirty="0"/>
+              <a:t>Fan-Beam Filtered Back Projection</a:t>
+            </a:r>
+            <a:endParaRPr lang="en-GB" dirty="0"/>
+          </a:p>
+        </p:txBody>
+      </p:sp>
+      <p:sp>
+        <p:nvSpPr>
+          <p:cNvPr id="4" name="Slide Number Placeholder 3">
+            <a:extLst>
+              <a:ext uri="{FF2B5EF4-FFF2-40B4-BE49-F238E27FC236}">
+                <a16:creationId xmlns:a16="http://schemas.microsoft.com/office/drawing/2014/main" id="{45277A8A-5C69-D677-C304-235DFB9856AA}"/>
+              </a:ext>
+            </a:extLst>
+          </p:cNvPr>
+          <p:cNvSpPr>
+            <a:spLocks noGrp="1"/>
+          </p:cNvSpPr>
+          <p:nvPr>
+            <p:ph type="sldNum" sz="quarter" idx="12"/>
+          </p:nvPr>
+        </p:nvSpPr>
+        <p:spPr/>
+        <p:txBody>
+          <a:bodyPr/>
+          <a:lstStyle/>
+          <a:p>
+            <a:fld id="{FD50B010-3F09-4BF2-AC9E-0082EFF861BF}" type="slidenum">
+              <a:rPr lang="en-GB" smtClean="0"/>
+              <a:t>12</a:t>
+            </a:fld>
+            <a:endParaRPr lang="en-GB"/>
+          </a:p>
+        </p:txBody>
+      </p:sp>
+      <p:pic>
+        <p:nvPicPr>
+          <p:cNvPr id="7" name="Picture 6" descr="A collage of a white letter&#10;&#10;AI-generated content may be incorrect.">
+            <a:extLst>
+              <a:ext uri="{FF2B5EF4-FFF2-40B4-BE49-F238E27FC236}">
+                <a16:creationId xmlns:a16="http://schemas.microsoft.com/office/drawing/2014/main" id="{051CB981-3345-6156-0C8B-6630BB78AC28}"/>
+              </a:ext>
+            </a:extLst>
+          </p:cNvPr>
+          <p:cNvPicPr>
+            <a:picLocks noChangeAspect="1"/>
+          </p:cNvPicPr>
+          <p:nvPr/>
+        </p:nvPicPr>
+        <p:blipFill>
+          <a:blip r:embed="rId2">
+            <a:extLst>
+              <a:ext uri="{28A0092B-C50C-407E-A947-70E740481C1C}">
+                <a14:useLocalDpi xmlns:a14="http://schemas.microsoft.com/office/drawing/2010/main" val="0"/>
+              </a:ext>
+            </a:extLst>
+          </a:blip>
+          <a:stretch>
+            <a:fillRect/>
+          </a:stretch>
+        </p:blipFill>
+        <p:spPr>
+          <a:xfrm>
+            <a:off x="1176867" y="2813261"/>
+            <a:ext cx="3725333" cy="3725333"/>
+          </a:xfrm>
+          <a:prstGeom prst="rect">
+            <a:avLst/>
+          </a:prstGeom>
+        </p:spPr>
+      </p:pic>
+      <p:pic>
+        <p:nvPicPr>
+          <p:cNvPr id="9" name="Picture 8" descr="A collage of images of a brain&#10;&#10;AI-generated content may be incorrect.">
+            <a:extLst>
+              <a:ext uri="{FF2B5EF4-FFF2-40B4-BE49-F238E27FC236}">
+                <a16:creationId xmlns:a16="http://schemas.microsoft.com/office/drawing/2014/main" id="{DAD7C2E0-008D-1228-3AC7-F9F6BDAD6488}"/>
+              </a:ext>
+            </a:extLst>
+          </p:cNvPr>
+          <p:cNvPicPr>
+            <a:picLocks noChangeAspect="1"/>
+          </p:cNvPicPr>
+          <p:nvPr/>
+        </p:nvPicPr>
+        <p:blipFill>
+          <a:blip r:embed="rId3">
+            <a:extLst>
+              <a:ext uri="{28A0092B-C50C-407E-A947-70E740481C1C}">
+                <a14:useLocalDpi xmlns:a14="http://schemas.microsoft.com/office/drawing/2010/main" val="0"/>
+              </a:ext>
+            </a:extLst>
+          </a:blip>
+          <a:stretch>
+            <a:fillRect/>
+          </a:stretch>
+        </p:blipFill>
+        <p:spPr>
+          <a:xfrm>
+            <a:off x="7191499" y="2817245"/>
+            <a:ext cx="3725333" cy="3721349"/>
+          </a:xfrm>
+          <a:prstGeom prst="rect">
+            <a:avLst/>
+          </a:prstGeom>
+        </p:spPr>
+      </p:pic>
+      <p:sp>
+        <p:nvSpPr>
+          <p:cNvPr id="10" name="TextBox 9">
+            <a:extLst>
+              <a:ext uri="{FF2B5EF4-FFF2-40B4-BE49-F238E27FC236}">
+                <a16:creationId xmlns:a16="http://schemas.microsoft.com/office/drawing/2014/main" id="{A6EA2241-996F-E374-C849-BAF99220FFA7}"/>
+              </a:ext>
+            </a:extLst>
+          </p:cNvPr>
+          <p:cNvSpPr txBox="1"/>
+          <p:nvPr/>
+        </p:nvSpPr>
+        <p:spPr>
+          <a:xfrm>
+            <a:off x="838200" y="1459855"/>
+            <a:ext cx="9893478" cy="830997"/>
+          </a:xfrm>
+          <a:prstGeom prst="rect">
+            <a:avLst/>
+          </a:prstGeom>
+          <a:noFill/>
+        </p:spPr>
+        <p:txBody>
+          <a:bodyPr wrap="none" rtlCol="0">
+            <a:spAutoFit/>
+          </a:bodyPr>
+          <a:lstStyle/>
+          <a:p>
+            <a:r>
+              <a:rPr lang="de-DE" sz="2400" dirty="0"/>
+              <a:t>so far looked at parallel beams</a:t>
+            </a:r>
+          </a:p>
+          <a:p>
+            <a:r>
+              <a:rPr lang="de-DE" sz="2400" dirty="0"/>
+              <a:t>but modern CT systems use fan-beam geometry: need for many detectors</a:t>
+            </a:r>
+            <a:endParaRPr lang="en-GB" sz="2400" dirty="0"/>
+          </a:p>
+        </p:txBody>
+      </p:sp>
+      <p:sp>
+        <p:nvSpPr>
+          <p:cNvPr id="11" name="TextBox 10">
+            <a:extLst>
+              <a:ext uri="{FF2B5EF4-FFF2-40B4-BE49-F238E27FC236}">
+                <a16:creationId xmlns:a16="http://schemas.microsoft.com/office/drawing/2014/main" id="{FA6B4098-23DA-2073-3D7C-113F30B5A464}"/>
+              </a:ext>
+            </a:extLst>
+          </p:cNvPr>
+          <p:cNvSpPr txBox="1"/>
+          <p:nvPr/>
+        </p:nvSpPr>
+        <p:spPr>
+          <a:xfrm>
+            <a:off x="8578714" y="2367390"/>
+            <a:ext cx="950901" cy="369332"/>
+          </a:xfrm>
+          <a:prstGeom prst="rect">
+            <a:avLst/>
+          </a:prstGeom>
+          <a:noFill/>
+        </p:spPr>
+        <p:txBody>
+          <a:bodyPr wrap="none" rtlCol="0">
+            <a:spAutoFit/>
+          </a:bodyPr>
+          <a:lstStyle/>
+          <a:p>
+            <a:r>
+              <a:rPr lang="de-DE" dirty="0"/>
+              <a:t>aliasing</a:t>
+            </a:r>
+            <a:endParaRPr lang="en-GB" dirty="0"/>
+          </a:p>
+        </p:txBody>
+      </p:sp>
+      <p:cxnSp>
+        <p:nvCxnSpPr>
+          <p:cNvPr id="13" name="Straight Arrow Connector 12">
+            <a:extLst>
+              <a:ext uri="{FF2B5EF4-FFF2-40B4-BE49-F238E27FC236}">
+                <a16:creationId xmlns:a16="http://schemas.microsoft.com/office/drawing/2014/main" id="{4455FF19-78A4-F61B-FE9D-2D56DF9395E4}"/>
+              </a:ext>
+            </a:extLst>
+          </p:cNvPr>
+          <p:cNvCxnSpPr>
+            <a:stCxn id="11" idx="2"/>
+          </p:cNvCxnSpPr>
+          <p:nvPr/>
+        </p:nvCxnSpPr>
+        <p:spPr>
+          <a:xfrm flipH="1">
+            <a:off x="8712200" y="2736722"/>
+            <a:ext cx="341965" cy="412878"/>
+          </a:xfrm>
+          <a:prstGeom prst="straightConnector1">
+            <a:avLst/>
+          </a:prstGeom>
+          <a:ln>
+            <a:tailEnd type="triangle"/>
+          </a:ln>
+        </p:spPr>
+        <p:style>
+          <a:lnRef idx="2">
+            <a:schemeClr val="accent1"/>
+          </a:lnRef>
+          <a:fillRef idx="0">
+            <a:schemeClr val="accent1"/>
+          </a:fillRef>
+          <a:effectRef idx="1">
+            <a:schemeClr val="accent1"/>
+          </a:effectRef>
+          <a:fontRef idx="minor">
+            <a:schemeClr val="tx1"/>
+          </a:fontRef>
+        </p:style>
+      </p:cxnSp>
+      <p:cxnSp>
+        <p:nvCxnSpPr>
+          <p:cNvPr id="15" name="Straight Arrow Connector 14">
+            <a:extLst>
+              <a:ext uri="{FF2B5EF4-FFF2-40B4-BE49-F238E27FC236}">
+                <a16:creationId xmlns:a16="http://schemas.microsoft.com/office/drawing/2014/main" id="{6205202F-B1B4-56EB-FA7B-4BD68089CB28}"/>
+              </a:ext>
+            </a:extLst>
+          </p:cNvPr>
+          <p:cNvCxnSpPr>
+            <a:stCxn id="11" idx="2"/>
+          </p:cNvCxnSpPr>
+          <p:nvPr/>
+        </p:nvCxnSpPr>
+        <p:spPr>
+          <a:xfrm>
+            <a:off x="9054165" y="2736722"/>
+            <a:ext cx="242235" cy="497545"/>
+          </a:xfrm>
+          <a:prstGeom prst="straightConnector1">
+            <a:avLst/>
+          </a:prstGeom>
+          <a:ln>
+            <a:tailEnd type="triangle"/>
+          </a:ln>
+        </p:spPr>
+        <p:style>
+          <a:lnRef idx="2">
+            <a:schemeClr val="accent1"/>
+          </a:lnRef>
+          <a:fillRef idx="0">
+            <a:schemeClr val="accent1"/>
+          </a:fillRef>
+          <a:effectRef idx="1">
+            <a:schemeClr val="accent1"/>
+          </a:effectRef>
+          <a:fontRef idx="minor">
+            <a:schemeClr val="tx1"/>
+          </a:fontRef>
+        </p:style>
+      </p:cxnSp>
+      <p:sp>
+        <p:nvSpPr>
+          <p:cNvPr id="16" name="TextBox 15">
+            <a:extLst>
+              <a:ext uri="{FF2B5EF4-FFF2-40B4-BE49-F238E27FC236}">
+                <a16:creationId xmlns:a16="http://schemas.microsoft.com/office/drawing/2014/main" id="{11AD07A4-9667-D71E-9A63-88457FB2FF6F}"/>
+              </a:ext>
+            </a:extLst>
+          </p:cNvPr>
+          <p:cNvSpPr txBox="1"/>
+          <p:nvPr/>
+        </p:nvSpPr>
+        <p:spPr>
+          <a:xfrm>
+            <a:off x="5130800" y="4352761"/>
+            <a:ext cx="1930400" cy="923330"/>
+          </a:xfrm>
+          <a:prstGeom prst="rect">
+            <a:avLst/>
+          </a:prstGeom>
+          <a:noFill/>
+        </p:spPr>
+        <p:txBody>
+          <a:bodyPr wrap="square" rtlCol="0">
+            <a:spAutoFit/>
+          </a:bodyPr>
+          <a:lstStyle/>
+          <a:p>
+            <a:r>
+              <a:rPr lang="de-DE" dirty="0"/>
+              <a:t>decreasing angle increments (more detectors)</a:t>
+            </a:r>
+            <a:endParaRPr lang="en-GB" dirty="0"/>
+          </a:p>
+        </p:txBody>
+      </p:sp>
+    </p:spTree>
+    <p:extLst>
+      <p:ext uri="{BB962C8B-B14F-4D97-AF65-F5344CB8AC3E}">
+        <p14:creationId xmlns:p14="http://schemas.microsoft.com/office/powerpoint/2010/main" val="1669650307"/>
+      </p:ext>
+    </p:extLst>
+  </p:cSld>
+  <p:clrMapOvr>
+    <a:masterClrMapping/>
+  </p:clrMapOvr>
+</p:sld>
+</file>
+
+<file path=ppt/slides/slide13.xml><?xml version="1.0" encoding="utf-8"?>
+<p:sld xmlns:a="http://schemas.openxmlformats.org/drawingml/2006/main" xmlns:r="http://schemas.openxmlformats.org/officeDocument/2006/relationships" xmlns:p="http://schemas.openxmlformats.org/presentationml/2006/main">
+  <p:cSld>
+    <p:spTree>
+      <p:nvGrpSpPr>
+        <p:cNvPr id="1" name=""/>
+        <p:cNvGrpSpPr/>
+        <p:nvPr/>
+      </p:nvGrpSpPr>
+      <p:grpSpPr>
+        <a:xfrm>
+          <a:off x="0" y="0"/>
+          <a:ext cx="0" cy="0"/>
+          <a:chOff x="0" y="0"/>
+          <a:chExt cx="0" cy="0"/>
+        </a:xfrm>
+      </p:grpSpPr>
+      <p:sp>
+        <p:nvSpPr>
+          <p:cNvPr id="4" name="Title 3">
+            <a:extLst>
+              <a:ext uri="{FF2B5EF4-FFF2-40B4-BE49-F238E27FC236}">
+                <a16:creationId xmlns:a16="http://schemas.microsoft.com/office/drawing/2014/main" id="{A6C631AB-A004-8E71-EE7A-B41D67BBE850}"/>
+              </a:ext>
+            </a:extLst>
+          </p:cNvPr>
+          <p:cNvSpPr>
+            <a:spLocks noGrp="1"/>
+          </p:cNvSpPr>
+          <p:nvPr>
+            <p:ph type="title"/>
+          </p:nvPr>
+        </p:nvSpPr>
+        <p:spPr/>
+        <p:txBody>
+          <a:bodyPr/>
+          <a:lstStyle/>
+          <a:p>
+            <a:r>
+              <a:rPr lang="de-DE" dirty="0"/>
+              <a:t>Issues with Filtered Back Projection</a:t>
+            </a:r>
+            <a:endParaRPr lang="en-GB" dirty="0"/>
+          </a:p>
+        </p:txBody>
+      </p:sp>
+      <p:sp>
+        <p:nvSpPr>
+          <p:cNvPr id="5" name="Content Placeholder 4">
+            <a:extLst>
+              <a:ext uri="{FF2B5EF4-FFF2-40B4-BE49-F238E27FC236}">
+                <a16:creationId xmlns:a16="http://schemas.microsoft.com/office/drawing/2014/main" id="{745BF1FD-6226-E62E-43FA-D7D9D0CDF4DD}"/>
+              </a:ext>
+            </a:extLst>
+          </p:cNvPr>
+          <p:cNvSpPr>
+            <a:spLocks noGrp="1"/>
+          </p:cNvSpPr>
+          <p:nvPr>
+            <p:ph idx="1"/>
+          </p:nvPr>
+        </p:nvSpPr>
+        <p:spPr/>
+        <p:txBody>
+          <a:bodyPr/>
+          <a:lstStyle/>
+          <a:p>
+            <a:pPr marL="0" indent="0">
+              <a:buNone/>
+            </a:pPr>
+            <a:r>
+              <a:rPr lang="de-DE" dirty="0"/>
+              <a:t>...</a:t>
+            </a:r>
+            <a:endParaRPr lang="en-GB" dirty="0"/>
+          </a:p>
+        </p:txBody>
+      </p:sp>
+      <p:sp>
+        <p:nvSpPr>
+          <p:cNvPr id="3" name="Slide Number Placeholder 2">
+            <a:extLst>
+              <a:ext uri="{FF2B5EF4-FFF2-40B4-BE49-F238E27FC236}">
+                <a16:creationId xmlns:a16="http://schemas.microsoft.com/office/drawing/2014/main" id="{B0E59EBC-2F4F-11EA-0915-ED4225FCAFD4}"/>
+              </a:ext>
+            </a:extLst>
+          </p:cNvPr>
+          <p:cNvSpPr>
+            <a:spLocks noGrp="1"/>
+          </p:cNvSpPr>
+          <p:nvPr>
+            <p:ph type="sldNum" sz="quarter" idx="12"/>
+          </p:nvPr>
+        </p:nvSpPr>
+        <p:spPr/>
+        <p:txBody>
+          <a:bodyPr/>
+          <a:lstStyle/>
+          <a:p>
+            <a:fld id="{FD50B010-3F09-4BF2-AC9E-0082EFF861BF}" type="slidenum">
+              <a:rPr lang="en-GB" smtClean="0"/>
+              <a:t>13</a:t>
+            </a:fld>
+            <a:endParaRPr lang="en-GB"/>
+          </a:p>
+        </p:txBody>
+      </p:sp>
+    </p:spTree>
+    <p:extLst>
+      <p:ext uri="{BB962C8B-B14F-4D97-AF65-F5344CB8AC3E}">
+        <p14:creationId xmlns:p14="http://schemas.microsoft.com/office/powerpoint/2010/main" val="2694550444"/>
+      </p:ext>
+    </p:extLst>
+  </p:cSld>
+  <p:clrMapOvr>
+    <a:masterClrMapping/>
+  </p:clrMapOvr>
+</p:sld>
+</file>
+
+<file path=ppt/slides/slide14.xml><?xml version="1.0" encoding="utf-8"?>
+<p:sld xmlns:a="http://schemas.openxmlformats.org/drawingml/2006/main" xmlns:r="http://schemas.openxmlformats.org/officeDocument/2006/relationships" xmlns:p="http://schemas.openxmlformats.org/presentationml/2006/main">
+  <p:cSld>
+    <p:spTree>
+      <p:nvGrpSpPr>
+        <p:cNvPr id="1" name=""/>
+        <p:cNvGrpSpPr/>
+        <p:nvPr/>
+      </p:nvGrpSpPr>
+      <p:grpSpPr>
+        <a:xfrm>
+          <a:off x="0" y="0"/>
+          <a:ext cx="0" cy="0"/>
+          <a:chOff x="0" y="0"/>
+          <a:chExt cx="0" cy="0"/>
+        </a:xfrm>
+      </p:grpSpPr>
+      <p:sp>
+        <p:nvSpPr>
+          <p:cNvPr id="2" name="Title 1">
+            <a:extLst>
+              <a:ext uri="{FF2B5EF4-FFF2-40B4-BE49-F238E27FC236}">
+                <a16:creationId xmlns:a16="http://schemas.microsoft.com/office/drawing/2014/main" id="{87C7E277-8DDC-329E-74A1-1A83976BE5D0}"/>
+              </a:ext>
+            </a:extLst>
+          </p:cNvPr>
+          <p:cNvSpPr>
+            <a:spLocks noGrp="1"/>
+          </p:cNvSpPr>
+          <p:nvPr>
+            <p:ph type="title"/>
+          </p:nvPr>
+        </p:nvSpPr>
+        <p:spPr/>
+        <p:txBody>
+          <a:bodyPr/>
+          <a:lstStyle/>
+          <a:p>
+            <a:r>
+              <a:rPr lang="de-DE" dirty="0"/>
+              <a:t>Iterative and Model-Based Reconstruction</a:t>
+            </a:r>
+            <a:endParaRPr lang="en-GB" dirty="0"/>
+          </a:p>
+        </p:txBody>
+      </p:sp>
+      <p:sp>
+        <p:nvSpPr>
+          <p:cNvPr id="3" name="Content Placeholder 2">
+            <a:extLst>
+              <a:ext uri="{FF2B5EF4-FFF2-40B4-BE49-F238E27FC236}">
+                <a16:creationId xmlns:a16="http://schemas.microsoft.com/office/drawing/2014/main" id="{70A7C714-7D03-3079-F9CF-15CC5160202A}"/>
+              </a:ext>
+            </a:extLst>
+          </p:cNvPr>
+          <p:cNvSpPr>
+            <a:spLocks noGrp="1"/>
+          </p:cNvSpPr>
+          <p:nvPr>
+            <p:ph idx="1"/>
+          </p:nvPr>
+        </p:nvSpPr>
+        <p:spPr/>
+        <p:txBody>
+          <a:bodyPr/>
+          <a:lstStyle/>
+          <a:p>
+            <a:pPr marL="0" indent="0">
+              <a:buNone/>
+            </a:pPr>
+            <a:r>
+              <a:rPr lang="de-DE" dirty="0"/>
+              <a:t>...</a:t>
+            </a:r>
+            <a:endParaRPr lang="en-GB" dirty="0"/>
+          </a:p>
+        </p:txBody>
+      </p:sp>
+      <p:sp>
+        <p:nvSpPr>
+          <p:cNvPr id="4" name="Slide Number Placeholder 3">
+            <a:extLst>
+              <a:ext uri="{FF2B5EF4-FFF2-40B4-BE49-F238E27FC236}">
+                <a16:creationId xmlns:a16="http://schemas.microsoft.com/office/drawing/2014/main" id="{22BC71FE-0A2F-02D4-AA97-ABC80C1D2D22}"/>
+              </a:ext>
+            </a:extLst>
+          </p:cNvPr>
+          <p:cNvSpPr>
+            <a:spLocks noGrp="1"/>
+          </p:cNvSpPr>
+          <p:nvPr>
+            <p:ph type="sldNum" sz="quarter" idx="12"/>
+          </p:nvPr>
+        </p:nvSpPr>
+        <p:spPr/>
+        <p:txBody>
+          <a:bodyPr/>
+          <a:lstStyle/>
+          <a:p>
+            <a:fld id="{FD50B010-3F09-4BF2-AC9E-0082EFF861BF}" type="slidenum">
+              <a:rPr lang="en-GB" smtClean="0"/>
+              <a:t>14</a:t>
+            </a:fld>
+            <a:endParaRPr lang="en-GB"/>
+          </a:p>
+        </p:txBody>
+      </p:sp>
+    </p:spTree>
+    <p:extLst>
+      <p:ext uri="{BB962C8B-B14F-4D97-AF65-F5344CB8AC3E}">
+        <p14:creationId xmlns:p14="http://schemas.microsoft.com/office/powerpoint/2010/main" val="1671518964"/>
+      </p:ext>
+    </p:extLst>
+  </p:cSld>
+  <p:clrMapOvr>
+    <a:masterClrMapping/>
+  </p:clrMapOvr>
+</p:sld>
+</file>
+
+<file path=ppt/slides/slide15.xml><?xml version="1.0" encoding="utf-8"?>
+<p:sld xmlns:a="http://schemas.openxmlformats.org/drawingml/2006/main" xmlns:r="http://schemas.openxmlformats.org/officeDocument/2006/relationships" xmlns:p="http://schemas.openxmlformats.org/presentationml/2006/main">
+  <p:cSld>
+    <p:spTree>
+      <p:nvGrpSpPr>
+        <p:cNvPr id="1" name=""/>
+        <p:cNvGrpSpPr/>
+        <p:nvPr/>
+      </p:nvGrpSpPr>
+      <p:grpSpPr>
+        <a:xfrm>
+          <a:off x="0" y="0"/>
+          <a:ext cx="0" cy="0"/>
+          <a:chOff x="0" y="0"/>
+          <a:chExt cx="0" cy="0"/>
+        </a:xfrm>
+      </p:grpSpPr>
+      <p:sp>
+        <p:nvSpPr>
+          <p:cNvPr id="2" name="Title 1">
+            <a:extLst>
+              <a:ext uri="{FF2B5EF4-FFF2-40B4-BE49-F238E27FC236}">
+                <a16:creationId xmlns:a16="http://schemas.microsoft.com/office/drawing/2014/main" id="{C38BEB66-97BA-F250-6278-7C0BF1CCC30C}"/>
+              </a:ext>
+            </a:extLst>
+          </p:cNvPr>
+          <p:cNvSpPr>
+            <a:spLocks noGrp="1"/>
+          </p:cNvSpPr>
+          <p:nvPr>
+            <p:ph type="title"/>
+          </p:nvPr>
+        </p:nvSpPr>
+        <p:spPr/>
+        <p:txBody>
+          <a:bodyPr/>
+          <a:lstStyle/>
+          <a:p>
+            <a:r>
+              <a:rPr lang="en-GB" dirty="0"/>
+              <a:t>Deep Learning Reconstruction</a:t>
+            </a:r>
+          </a:p>
+        </p:txBody>
+      </p:sp>
+      <p:sp>
+        <p:nvSpPr>
+          <p:cNvPr id="3" name="Content Placeholder 2">
+            <a:extLst>
+              <a:ext uri="{FF2B5EF4-FFF2-40B4-BE49-F238E27FC236}">
+                <a16:creationId xmlns:a16="http://schemas.microsoft.com/office/drawing/2014/main" id="{740F1F7C-C25F-9F5C-3C22-113C96D2F103}"/>
+              </a:ext>
+            </a:extLst>
+          </p:cNvPr>
+          <p:cNvSpPr>
+            <a:spLocks noGrp="1"/>
+          </p:cNvSpPr>
+          <p:nvPr>
+            <p:ph idx="1"/>
+          </p:nvPr>
+        </p:nvSpPr>
+        <p:spPr/>
+        <p:txBody>
+          <a:bodyPr/>
+          <a:lstStyle/>
+          <a:p>
+            <a:pPr marL="0" indent="0">
+              <a:buNone/>
+            </a:pPr>
+            <a:r>
+              <a:rPr lang="en-GB" dirty="0"/>
+              <a:t>…</a:t>
+            </a:r>
+          </a:p>
+          <a:p>
+            <a:pPr marL="0" indent="0">
+              <a:buNone/>
+            </a:pPr>
+            <a:endParaRPr lang="en-GB" dirty="0"/>
+          </a:p>
+          <a:p>
+            <a:pPr marL="0" indent="0">
+              <a:buNone/>
+            </a:pPr>
+            <a:r>
+              <a:rPr lang="en-GB" dirty="0"/>
+              <a:t>~30% lower radiation dose at same image quality</a:t>
+            </a:r>
+          </a:p>
+          <a:p>
+            <a:pPr marL="0" indent="0">
+              <a:buNone/>
+            </a:pPr>
+            <a:endParaRPr lang="en-GB" dirty="0"/>
+          </a:p>
+          <a:p>
+            <a:pPr marL="0" indent="0">
+              <a:buNone/>
+            </a:pPr>
+            <a:r>
+              <a:rPr lang="en-GB" dirty="0"/>
+              <a:t>also for MRI </a:t>
+            </a:r>
+            <a:r>
+              <a:rPr lang="en-GB" dirty="0">
+                <a:sym typeface="Wingdings" panose="05000000000000000000" pitchFamily="2" charset="2"/>
+              </a:rPr>
+              <a:t> faster acquisition</a:t>
+            </a:r>
+            <a:endParaRPr lang="en-GB" sz="2800" dirty="0"/>
+          </a:p>
+        </p:txBody>
+      </p:sp>
+      <p:sp>
+        <p:nvSpPr>
+          <p:cNvPr id="4" name="Slide Number Placeholder 3">
+            <a:extLst>
+              <a:ext uri="{FF2B5EF4-FFF2-40B4-BE49-F238E27FC236}">
+                <a16:creationId xmlns:a16="http://schemas.microsoft.com/office/drawing/2014/main" id="{A119185B-C20E-C6A2-5892-06A799EE4EB4}"/>
+              </a:ext>
+            </a:extLst>
+          </p:cNvPr>
+          <p:cNvSpPr>
+            <a:spLocks noGrp="1"/>
+          </p:cNvSpPr>
+          <p:nvPr>
+            <p:ph type="sldNum" sz="quarter" idx="12"/>
+          </p:nvPr>
+        </p:nvSpPr>
+        <p:spPr/>
+        <p:txBody>
+          <a:bodyPr/>
+          <a:lstStyle/>
+          <a:p>
+            <a:fld id="{FD50B010-3F09-4BF2-AC9E-0082EFF861BF}" type="slidenum">
+              <a:rPr lang="en-GB" smtClean="0"/>
+              <a:t>15</a:t>
+            </a:fld>
+            <a:endParaRPr lang="en-GB"/>
+          </a:p>
+        </p:txBody>
+      </p:sp>
+    </p:spTree>
+    <p:extLst>
+      <p:ext uri="{BB962C8B-B14F-4D97-AF65-F5344CB8AC3E}">
+        <p14:creationId xmlns:p14="http://schemas.microsoft.com/office/powerpoint/2010/main" val="4288632683"/>
+      </p:ext>
+    </p:extLst>
+  </p:cSld>
+  <p:clrMapOvr>
+    <a:masterClrMapping/>
+  </p:clrMapOvr>
+</p:sld>
+</file>
+
 <file path=ppt/slides/slide2.xml><?xml version="1.0" encoding="utf-8"?>
 <p:sld xmlns:a="http://schemas.openxmlformats.org/drawingml/2006/main" xmlns:r="http://schemas.openxmlformats.org/officeDocument/2006/relationships" xmlns:p="http://schemas.openxmlformats.org/presentationml/2006/main">
   <p:cSld>
@@ -4358,46 +5579,10 @@
               <a:buAutoNum type="arabicPeriod"/>
             </a:pPr>
             <a:r>
-              <a:rPr lang="de-DE" dirty="0" err="1">
-                <a:sym typeface="Wingdings" panose="05000000000000000000" pitchFamily="2" charset="2"/>
-              </a:rPr>
-              <a:t>move</a:t>
-            </a:r>
-            <a:r>
               <a:rPr lang="de-DE" dirty="0">
                 <a:sym typeface="Wingdings" panose="05000000000000000000" pitchFamily="2" charset="2"/>
               </a:rPr>
-              <a:t> </a:t>
-            </a:r>
-            <a:r>
-              <a:rPr lang="de-DE" dirty="0" err="1">
-                <a:sym typeface="Wingdings" panose="05000000000000000000" pitchFamily="2" charset="2"/>
-              </a:rPr>
-              <a:t>patient</a:t>
-            </a:r>
-            <a:r>
-              <a:rPr lang="de-DE" dirty="0">
-                <a:sym typeface="Wingdings" panose="05000000000000000000" pitchFamily="2" charset="2"/>
-              </a:rPr>
-              <a:t> and </a:t>
-            </a:r>
-            <a:r>
-              <a:rPr lang="de-DE" dirty="0" err="1">
-                <a:sym typeface="Wingdings" panose="05000000000000000000" pitchFamily="2" charset="2"/>
-              </a:rPr>
-              <a:t>repeat</a:t>
-            </a:r>
-            <a:r>
-              <a:rPr lang="de-DE" dirty="0">
-                <a:sym typeface="Wingdings" panose="05000000000000000000" pitchFamily="2" charset="2"/>
-              </a:rPr>
-              <a:t>  3D </a:t>
-            </a:r>
-            <a:r>
-              <a:rPr lang="de-DE" dirty="0" err="1">
-                <a:sym typeface="Wingdings" panose="05000000000000000000" pitchFamily="2" charset="2"/>
-              </a:rPr>
-              <a:t>image</a:t>
+              <a:t>move patient and repeat  3D image (stacking of 2D slices)</a:t>
             </a:r>
             <a:endParaRPr lang="de-DE" dirty="0"/>
           </a:p>
@@ -4555,244 +5740,10 @@
       </p:grpSpPr>
       <p:sp>
         <p:nvSpPr>
-          <p:cNvPr id="2" name="Titel 1">
-            <a:extLst>
-              <a:ext uri="{FF2B5EF4-FFF2-40B4-BE49-F238E27FC236}">
-                <a16:creationId xmlns:a16="http://schemas.microsoft.com/office/drawing/2014/main" id="{5B1995D0-9E40-7B98-2035-2E74549103B1}"/>
-              </a:ext>
-            </a:extLst>
-          </p:cNvPr>
-          <p:cNvSpPr>
-            <a:spLocks noGrp="1"/>
-          </p:cNvSpPr>
-          <p:nvPr>
-            <p:ph type="title"/>
-          </p:nvPr>
-        </p:nvSpPr>
-        <p:spPr/>
-        <p:txBody>
-          <a:bodyPr/>
-          <a:lstStyle/>
-          <a:p>
-            <a:r>
-              <a:rPr lang="de-DE" dirty="0" err="1"/>
-              <a:t>Tomographic</a:t>
-            </a:r>
-            <a:r>
-              <a:rPr lang="de-DE" dirty="0"/>
-              <a:t> Reconstruction</a:t>
-            </a:r>
-          </a:p>
-        </p:txBody>
-      </p:sp>
-      <p:sp>
-        <p:nvSpPr>
-          <p:cNvPr id="3" name="Inhaltsplatzhalter 2">
-            <a:extLst>
-              <a:ext uri="{FF2B5EF4-FFF2-40B4-BE49-F238E27FC236}">
-                <a16:creationId xmlns:a16="http://schemas.microsoft.com/office/drawing/2014/main" id="{A4C6068A-67DC-A8C6-9176-6CDE00DA49E9}"/>
-              </a:ext>
-            </a:extLst>
-          </p:cNvPr>
-          <p:cNvSpPr>
-            <a:spLocks noGrp="1"/>
-          </p:cNvSpPr>
-          <p:nvPr>
-            <p:ph idx="1"/>
-          </p:nvPr>
-        </p:nvSpPr>
-        <p:spPr/>
-        <p:txBody>
-          <a:bodyPr>
-            <a:normAutofit/>
-          </a:bodyPr>
-          <a:lstStyle/>
-          <a:p>
-            <a:pPr marL="0" indent="0">
-              <a:buNone/>
-            </a:pPr>
-            <a:r>
-              <a:rPr lang="en-US" b="0" i="0" dirty="0">
-                <a:solidFill>
-                  <a:srgbClr val="202122"/>
-                </a:solidFill>
-                <a:effectLst/>
-              </a:rPr>
-              <a:t>raw data </a:t>
-            </a:r>
-            <a:r>
-              <a:rPr lang="en-US" dirty="0">
-                <a:solidFill>
-                  <a:srgbClr val="202122"/>
-                </a:solidFill>
-              </a:rPr>
-              <a:t>from CT scan: </a:t>
-            </a:r>
-            <a:r>
-              <a:rPr lang="en-US" b="0" i="0" dirty="0">
-                <a:solidFill>
-                  <a:srgbClr val="202122"/>
-                </a:solidFill>
-                <a:effectLst/>
-              </a:rPr>
-              <a:t>multiple projections of the object (</a:t>
-            </a:r>
-            <a:r>
-              <a:rPr lang="en-US" dirty="0">
-                <a:solidFill>
-                  <a:srgbClr val="202122"/>
-                </a:solidFill>
-              </a:rPr>
-              <a:t>each projected point corresponds to </a:t>
-            </a:r>
-            <a:r>
-              <a:rPr lang="en-US" b="0" i="0" dirty="0">
-                <a:solidFill>
-                  <a:srgbClr val="202122"/>
-                </a:solidFill>
-                <a:effectLst/>
-              </a:rPr>
-              <a:t>superposition of specific direction)</a:t>
-            </a:r>
-          </a:p>
-          <a:p>
-            <a:pPr marL="0" indent="0">
-              <a:buNone/>
-            </a:pPr>
-            <a:endParaRPr lang="en-US" b="0" i="0" dirty="0">
-              <a:solidFill>
-                <a:srgbClr val="202122"/>
-              </a:solidFill>
-              <a:effectLst/>
-            </a:endParaRPr>
-          </a:p>
-          <a:p>
-            <a:pPr marL="0" indent="0">
-              <a:buNone/>
-            </a:pPr>
-            <a:r>
-              <a:rPr lang="en-US" dirty="0">
-                <a:solidFill>
-                  <a:srgbClr val="202122"/>
-                </a:solidFill>
-              </a:rPr>
-              <a:t>in</a:t>
-            </a:r>
-            <a:r>
-              <a:rPr lang="en-US" b="0" i="0" dirty="0">
-                <a:solidFill>
-                  <a:srgbClr val="202122"/>
-                </a:solidFill>
-                <a:effectLst/>
-              </a:rPr>
-              <a:t> math terms: Radon transformation of the scanned structure</a:t>
-            </a:r>
-          </a:p>
-          <a:p>
-            <a:pPr marL="0" indent="0">
-              <a:buNone/>
-            </a:pPr>
-            <a:endParaRPr lang="en-US" dirty="0">
-              <a:solidFill>
-                <a:srgbClr val="202122"/>
-              </a:solidFill>
-              <a:sym typeface="Wingdings" panose="05000000000000000000" pitchFamily="2" charset="2"/>
-            </a:endParaRPr>
-          </a:p>
-          <a:p>
-            <a:pPr marL="0" indent="0">
-              <a:buNone/>
-            </a:pPr>
-            <a:r>
-              <a:rPr lang="en-US" dirty="0">
-                <a:solidFill>
-                  <a:srgbClr val="202122"/>
-                </a:solidFill>
-                <a:sym typeface="Wingdings" panose="05000000000000000000" pitchFamily="2" charset="2"/>
-              </a:rPr>
-              <a:t>r</a:t>
-            </a:r>
-            <a:r>
-              <a:rPr lang="en-US" b="0" i="0" dirty="0">
-                <a:solidFill>
-                  <a:srgbClr val="202122"/>
-                </a:solidFill>
-                <a:effectLst/>
-              </a:rPr>
-              <a:t>econstruction: inverse Radon transformation (resulting in two-dimensional image </a:t>
-            </a:r>
-            <a:r>
-              <a:rPr lang="en-US" b="0" i="0" dirty="0">
-                <a:solidFill>
-                  <a:srgbClr val="202122"/>
-                </a:solidFill>
-                <a:effectLst/>
-                <a:sym typeface="Wingdings" panose="05000000000000000000" pitchFamily="2" charset="2"/>
-              </a:rPr>
-              <a:t> </a:t>
-            </a:r>
-            <a:r>
-              <a:rPr lang="de-DE" dirty="0"/>
-              <a:t>virtual slice</a:t>
-            </a:r>
-            <a:r>
-              <a:rPr lang="en-US" b="0" i="0" dirty="0">
-                <a:solidFill>
-                  <a:srgbClr val="202122"/>
-                </a:solidFill>
-                <a:effectLst/>
-              </a:rPr>
-              <a:t>)</a:t>
-            </a:r>
-          </a:p>
-          <a:p>
-            <a:pPr marL="0" indent="0">
-              <a:buNone/>
-            </a:pPr>
-            <a:endParaRPr lang="de-DE" dirty="0"/>
-          </a:p>
-          <a:p>
-            <a:pPr marL="0" indent="0">
-              <a:buNone/>
-            </a:pPr>
-            <a:r>
-              <a:rPr lang="de-DE" dirty="0" err="1"/>
-              <a:t>practical</a:t>
-            </a:r>
-            <a:r>
-              <a:rPr lang="de-DE" dirty="0"/>
-              <a:t> </a:t>
-            </a:r>
-            <a:r>
-              <a:rPr lang="de-DE" dirty="0" err="1"/>
-              <a:t>implementation</a:t>
-            </a:r>
-            <a:r>
-              <a:rPr lang="de-DE" dirty="0"/>
-              <a:t>: </a:t>
-            </a:r>
-            <a:r>
-              <a:rPr lang="de-DE" dirty="0" err="1"/>
-              <a:t>filtered</a:t>
-            </a:r>
-            <a:r>
-              <a:rPr lang="de-DE" dirty="0"/>
-              <a:t> back </a:t>
-            </a:r>
-            <a:r>
-              <a:rPr lang="de-DE" dirty="0" err="1"/>
-              <a:t>projection</a:t>
-            </a:r>
-            <a:endParaRPr lang="de-DE" dirty="0"/>
-          </a:p>
-        </p:txBody>
-      </p:sp>
-      <p:sp>
-        <p:nvSpPr>
-          <p:cNvPr id="4" name="Foliennummernplatzhalter 3">
-            <a:extLst>
-              <a:ext uri="{FF2B5EF4-FFF2-40B4-BE49-F238E27FC236}">
-                <a16:creationId xmlns:a16="http://schemas.microsoft.com/office/drawing/2014/main" id="{B7803CDE-5BD0-94F7-A9F6-145C2C357DCD}"/>
+          <p:cNvPr id="4" name="Slide Number Placeholder 3">
+            <a:extLst>
+              <a:ext uri="{FF2B5EF4-FFF2-40B4-BE49-F238E27FC236}">
+                <a16:creationId xmlns:a16="http://schemas.microsoft.com/office/drawing/2014/main" id="{94748B36-C1FA-9283-318B-4A243D3D9222}"/>
               </a:ext>
             </a:extLst>
           </p:cNvPr>
@@ -4816,10 +5767,82 @@
           </a:p>
         </p:txBody>
       </p:sp>
+      <p:pic>
+        <p:nvPicPr>
+          <p:cNvPr id="7" name="Picture 6" descr="A diagram of a ray detector&#10;&#10;AI-generated content may be incorrect.">
+            <a:extLst>
+              <a:ext uri="{FF2B5EF4-FFF2-40B4-BE49-F238E27FC236}">
+                <a16:creationId xmlns:a16="http://schemas.microsoft.com/office/drawing/2014/main" id="{F9F51B8A-78E1-6E50-A0FF-8F09446ADD48}"/>
+              </a:ext>
+            </a:extLst>
+          </p:cNvPr>
+          <p:cNvPicPr>
+            <a:picLocks noChangeAspect="1"/>
+          </p:cNvPicPr>
+          <p:nvPr/>
+        </p:nvPicPr>
+        <p:blipFill>
+          <a:blip r:embed="rId2">
+            <a:extLst>
+              <a:ext uri="{28A0092B-C50C-407E-A947-70E740481C1C}">
+                <a14:useLocalDpi xmlns:a14="http://schemas.microsoft.com/office/drawing/2010/main" val="0"/>
+              </a:ext>
+            </a:extLst>
+          </a:blip>
+          <a:stretch>
+            <a:fillRect/>
+          </a:stretch>
+        </p:blipFill>
+        <p:spPr>
+          <a:xfrm>
+            <a:off x="2226995" y="0"/>
+            <a:ext cx="7738009" cy="6858000"/>
+          </a:xfrm>
+          <a:prstGeom prst="rect">
+            <a:avLst/>
+          </a:prstGeom>
+        </p:spPr>
+      </p:pic>
+      <p:sp>
+        <p:nvSpPr>
+          <p:cNvPr id="8" name="TextBox 7">
+            <a:extLst>
+              <a:ext uri="{FF2B5EF4-FFF2-40B4-BE49-F238E27FC236}">
+                <a16:creationId xmlns:a16="http://schemas.microsoft.com/office/drawing/2014/main" id="{7882BB1E-6B0E-85D6-7DDD-B7D4CC82D8BA}"/>
+              </a:ext>
+            </a:extLst>
+          </p:cNvPr>
+          <p:cNvSpPr txBox="1"/>
+          <p:nvPr/>
+        </p:nvSpPr>
+        <p:spPr>
+          <a:xfrm>
+            <a:off x="6824132" y="2675466"/>
+            <a:ext cx="2186881" cy="430887"/>
+          </a:xfrm>
+          <a:prstGeom prst="rect">
+            <a:avLst/>
+          </a:prstGeom>
+          <a:noFill/>
+        </p:spPr>
+        <p:txBody>
+          <a:bodyPr wrap="none" rtlCol="0">
+            <a:spAutoFit/>
+          </a:bodyPr>
+          <a:lstStyle/>
+          <a:p>
+            <a:r>
+              <a:rPr lang="de-DE" sz="2200" b="1" dirty="0"/>
+              <a:t>back projection</a:t>
+            </a:r>
+            <a:endParaRPr lang="en-GB" sz="2200" b="1" dirty="0"/>
+          </a:p>
+        </p:txBody>
+      </p:sp>
     </p:spTree>
     <p:extLst>
       <p:ext uri="{BB962C8B-B14F-4D97-AF65-F5344CB8AC3E}">
-        <p14:creationId xmlns:p14="http://schemas.microsoft.com/office/powerpoint/2010/main" val="2087439687"/>
+        <p14:creationId xmlns:p14="http://schemas.microsoft.com/office/powerpoint/2010/main" val="1107090149"/>
       </p:ext>
     </p:extLst>
   </p:cSld>
@@ -4848,38 +5871,10 @@
       </p:grpSpPr>
       <p:sp>
         <p:nvSpPr>
-          <p:cNvPr id="2" name="Title 1">
-            <a:extLst>
-              <a:ext uri="{FF2B5EF4-FFF2-40B4-BE49-F238E27FC236}">
-                <a16:creationId xmlns:a16="http://schemas.microsoft.com/office/drawing/2014/main" id="{F16C2249-F910-2999-0B26-5405E198AFAF}"/>
-              </a:ext>
-            </a:extLst>
-          </p:cNvPr>
-          <p:cNvSpPr>
-            <a:spLocks noGrp="1"/>
-          </p:cNvSpPr>
-          <p:nvPr>
-            <p:ph type="title"/>
-          </p:nvPr>
-        </p:nvSpPr>
-        <p:spPr/>
-        <p:txBody>
-          <a:bodyPr/>
-          <a:lstStyle/>
-          <a:p>
-            <a:r>
-              <a:rPr lang="en-GB" dirty="0"/>
-              <a:t>Filtered Back Projection</a:t>
-            </a:r>
-          </a:p>
-        </p:txBody>
-      </p:sp>
-      <p:sp>
-        <p:nvSpPr>
-          <p:cNvPr id="3" name="Foliennummernplatzhalter 2">
-            <a:extLst>
-              <a:ext uri="{FF2B5EF4-FFF2-40B4-BE49-F238E27FC236}">
-                <a16:creationId xmlns:a16="http://schemas.microsoft.com/office/drawing/2014/main" id="{1C0A7D9B-4AEA-D873-293F-0C5338471463}"/>
+          <p:cNvPr id="2" name="Slide Number Placeholder 1">
+            <a:extLst>
+              <a:ext uri="{FF2B5EF4-FFF2-40B4-BE49-F238E27FC236}">
+                <a16:creationId xmlns:a16="http://schemas.microsoft.com/office/drawing/2014/main" id="{C1BD80EB-F2B0-A0FA-94CA-C1C6A94EA3E1}"/>
               </a:ext>
             </a:extLst>
           </p:cNvPr>
@@ -4903,10 +5898,82 @@
           </a:p>
         </p:txBody>
       </p:sp>
+      <p:pic>
+        <p:nvPicPr>
+          <p:cNvPr id="4" name="Picture 3" descr="A collage of different images of light&#10;&#10;AI-generated content may be incorrect.">
+            <a:extLst>
+              <a:ext uri="{FF2B5EF4-FFF2-40B4-BE49-F238E27FC236}">
+                <a16:creationId xmlns:a16="http://schemas.microsoft.com/office/drawing/2014/main" id="{3DCD7689-9081-031F-F2B9-5071D6B0FC40}"/>
+              </a:ext>
+            </a:extLst>
+          </p:cNvPr>
+          <p:cNvPicPr>
+            <a:picLocks noChangeAspect="1"/>
+          </p:cNvPicPr>
+          <p:nvPr/>
+        </p:nvPicPr>
+        <p:blipFill>
+          <a:blip r:embed="rId2">
+            <a:extLst>
+              <a:ext uri="{28A0092B-C50C-407E-A947-70E740481C1C}">
+                <a14:useLocalDpi xmlns:a14="http://schemas.microsoft.com/office/drawing/2010/main" val="0"/>
+              </a:ext>
+            </a:extLst>
+          </a:blip>
+          <a:stretch>
+            <a:fillRect/>
+          </a:stretch>
+        </p:blipFill>
+        <p:spPr>
+          <a:xfrm>
+            <a:off x="1531224" y="380736"/>
+            <a:ext cx="9129551" cy="6096528"/>
+          </a:xfrm>
+          <a:prstGeom prst="rect">
+            <a:avLst/>
+          </a:prstGeom>
+        </p:spPr>
+      </p:pic>
+      <p:sp>
+        <p:nvSpPr>
+          <p:cNvPr id="5" name="TextBox 4">
+            <a:extLst>
+              <a:ext uri="{FF2B5EF4-FFF2-40B4-BE49-F238E27FC236}">
+                <a16:creationId xmlns:a16="http://schemas.microsoft.com/office/drawing/2014/main" id="{6334F3B3-2FA5-F9AC-78A3-0AC1E3170D8A}"/>
+              </a:ext>
+            </a:extLst>
+          </p:cNvPr>
+          <p:cNvSpPr txBox="1"/>
+          <p:nvPr/>
+        </p:nvSpPr>
+        <p:spPr>
+          <a:xfrm>
+            <a:off x="7848600" y="6477264"/>
+            <a:ext cx="2605265" cy="369332"/>
+          </a:xfrm>
+          <a:prstGeom prst="rect">
+            <a:avLst/>
+          </a:prstGeom>
+          <a:noFill/>
+        </p:spPr>
+        <p:txBody>
+          <a:bodyPr wrap="none" rtlCol="0">
+            <a:spAutoFit/>
+          </a:bodyPr>
+          <a:lstStyle/>
+          <a:p>
+            <a:r>
+              <a:rPr lang="de-DE" dirty="0"/>
+              <a:t>with 32 back projections</a:t>
+            </a:r>
+            <a:endParaRPr lang="en-GB" dirty="0"/>
+          </a:p>
+        </p:txBody>
+      </p:sp>
     </p:spTree>
     <p:extLst>
       <p:ext uri="{BB962C8B-B14F-4D97-AF65-F5344CB8AC3E}">
-        <p14:creationId xmlns:p14="http://schemas.microsoft.com/office/powerpoint/2010/main" val="746002779"/>
+        <p14:creationId xmlns:p14="http://schemas.microsoft.com/office/powerpoint/2010/main" val="3264326391"/>
       </p:ext>
     </p:extLst>
   </p:cSld>
@@ -4921,13 +5988,7 @@
   <p:cSld>
     <p:spTree>
       <p:nvGrpSpPr>
-        <p:cNvPr id="1" name="">
-          <a:extLst>
-            <a:ext uri="{FF2B5EF4-FFF2-40B4-BE49-F238E27FC236}">
-              <a16:creationId xmlns:a16="http://schemas.microsoft.com/office/drawing/2014/main" id="{DF7C7AAA-46A1-B7E7-7454-5F02DF468473}"/>
-            </a:ext>
-          </a:extLst>
-        </p:cNvPr>
+        <p:cNvPr id="1" name=""/>
         <p:cNvGrpSpPr/>
         <p:nvPr/>
       </p:nvGrpSpPr>
@@ -4941,10 +6002,10 @@
       </p:grpSpPr>
       <p:sp>
         <p:nvSpPr>
-          <p:cNvPr id="2" name="Title 1">
-            <a:extLst>
-              <a:ext uri="{FF2B5EF4-FFF2-40B4-BE49-F238E27FC236}">
-                <a16:creationId xmlns:a16="http://schemas.microsoft.com/office/drawing/2014/main" id="{CC5F9BDF-DDBD-E1D2-1216-08775951579A}"/>
+          <p:cNvPr id="2" name="Titel 1">
+            <a:extLst>
+              <a:ext uri="{FF2B5EF4-FFF2-40B4-BE49-F238E27FC236}">
+                <a16:creationId xmlns:a16="http://schemas.microsoft.com/office/drawing/2014/main" id="{5B1995D0-9E40-7B98-2035-2E74549103B1}"/>
               </a:ext>
             </a:extLst>
           </p:cNvPr>
@@ -4961,18 +6022,184 @@
           <a:lstStyle/>
           <a:p>
             <a:r>
-              <a:rPr lang="en-GB" dirty="0"/>
-              <a:t>Deep Learning Reconstruction</a:t>
-            </a:r>
-          </a:p>
-        </p:txBody>
-      </p:sp>
-      <p:sp>
-        <p:nvSpPr>
-          <p:cNvPr id="3" name="Foliennummernplatzhalter 2">
-            <a:extLst>
-              <a:ext uri="{FF2B5EF4-FFF2-40B4-BE49-F238E27FC236}">
-                <a16:creationId xmlns:a16="http://schemas.microsoft.com/office/drawing/2014/main" id="{B9E582D8-53E9-091C-B050-48ED8F4B6E34}"/>
+              <a:rPr lang="de-DE" dirty="0" err="1"/>
+              <a:t>Tomographic</a:t>
+            </a:r>
+            <a:r>
+              <a:rPr lang="de-DE" dirty="0"/>
+              <a:t> Reconstruction</a:t>
+            </a:r>
+          </a:p>
+        </p:txBody>
+      </p:sp>
+      <p:sp>
+        <p:nvSpPr>
+          <p:cNvPr id="3" name="Inhaltsplatzhalter 2">
+            <a:extLst>
+              <a:ext uri="{FF2B5EF4-FFF2-40B4-BE49-F238E27FC236}">
+                <a16:creationId xmlns:a16="http://schemas.microsoft.com/office/drawing/2014/main" id="{A4C6068A-67DC-A8C6-9176-6CDE00DA49E9}"/>
+              </a:ext>
+            </a:extLst>
+          </p:cNvPr>
+          <p:cNvSpPr>
+            <a:spLocks noGrp="1"/>
+          </p:cNvSpPr>
+          <p:nvPr>
+            <p:ph idx="1"/>
+          </p:nvPr>
+        </p:nvSpPr>
+        <p:spPr/>
+        <p:txBody>
+          <a:bodyPr>
+            <a:normAutofit/>
+          </a:bodyPr>
+          <a:lstStyle/>
+          <a:p>
+            <a:pPr marL="0" indent="0">
+              <a:buNone/>
+            </a:pPr>
+            <a:r>
+              <a:rPr lang="en-US" b="0" i="0" dirty="0">
+                <a:solidFill>
+                  <a:srgbClr val="202122"/>
+                </a:solidFill>
+                <a:effectLst/>
+              </a:rPr>
+              <a:t>raw data </a:t>
+            </a:r>
+            <a:r>
+              <a:rPr lang="en-US" dirty="0">
+                <a:solidFill>
+                  <a:srgbClr val="202122"/>
+                </a:solidFill>
+              </a:rPr>
+              <a:t>from CT scan: </a:t>
+            </a:r>
+            <a:r>
+              <a:rPr lang="en-US" b="0" i="0" dirty="0">
+                <a:solidFill>
+                  <a:srgbClr val="202122"/>
+                </a:solidFill>
+                <a:effectLst/>
+              </a:rPr>
+              <a:t>multiple projections of the object (</a:t>
+            </a:r>
+            <a:r>
+              <a:rPr lang="en-US" dirty="0">
+                <a:solidFill>
+                  <a:srgbClr val="202122"/>
+                </a:solidFill>
+              </a:rPr>
+              <a:t>each projected point corresponds to </a:t>
+            </a:r>
+            <a:r>
+              <a:rPr lang="en-US" b="0" i="0" dirty="0">
+                <a:solidFill>
+                  <a:srgbClr val="202122"/>
+                </a:solidFill>
+                <a:effectLst/>
+              </a:rPr>
+              <a:t>superposition of specific direction)</a:t>
+            </a:r>
+          </a:p>
+          <a:p>
+            <a:pPr marL="0" indent="0">
+              <a:buNone/>
+            </a:pPr>
+            <a:endParaRPr lang="en-US" b="0" i="0" dirty="0">
+              <a:solidFill>
+                <a:srgbClr val="202122"/>
+              </a:solidFill>
+              <a:effectLst/>
+            </a:endParaRPr>
+          </a:p>
+          <a:p>
+            <a:pPr marL="0" indent="0">
+              <a:buNone/>
+            </a:pPr>
+            <a:r>
+              <a:rPr lang="en-US" dirty="0">
+                <a:solidFill>
+                  <a:srgbClr val="202122"/>
+                </a:solidFill>
+              </a:rPr>
+              <a:t>in</a:t>
+            </a:r>
+            <a:r>
+              <a:rPr lang="en-US" b="0" i="0" dirty="0">
+                <a:solidFill>
+                  <a:srgbClr val="202122"/>
+                </a:solidFill>
+                <a:effectLst/>
+              </a:rPr>
+              <a:t> math terms: Radon transformation of the scanned structure</a:t>
+            </a:r>
+          </a:p>
+          <a:p>
+            <a:pPr marL="0" indent="0">
+              <a:buNone/>
+            </a:pPr>
+            <a:endParaRPr lang="en-US" dirty="0">
+              <a:solidFill>
+                <a:srgbClr val="202122"/>
+              </a:solidFill>
+              <a:sym typeface="Wingdings" panose="05000000000000000000" pitchFamily="2" charset="2"/>
+            </a:endParaRPr>
+          </a:p>
+          <a:p>
+            <a:pPr marL="0" indent="0">
+              <a:buNone/>
+            </a:pPr>
+            <a:r>
+              <a:rPr lang="en-US" dirty="0">
+                <a:solidFill>
+                  <a:srgbClr val="202122"/>
+                </a:solidFill>
+                <a:sym typeface="Wingdings" panose="05000000000000000000" pitchFamily="2" charset="2"/>
+              </a:rPr>
+              <a:t>r</a:t>
+            </a:r>
+            <a:r>
+              <a:rPr lang="en-US" b="0" i="0" dirty="0">
+                <a:solidFill>
+                  <a:srgbClr val="202122"/>
+                </a:solidFill>
+                <a:effectLst/>
+              </a:rPr>
+              <a:t>econstruction: inverse Radon transformation (resulting in two-dimensional image </a:t>
+            </a:r>
+            <a:r>
+              <a:rPr lang="en-US" b="0" i="0" dirty="0">
+                <a:solidFill>
+                  <a:srgbClr val="202122"/>
+                </a:solidFill>
+                <a:effectLst/>
+                <a:sym typeface="Wingdings" panose="05000000000000000000" pitchFamily="2" charset="2"/>
+              </a:rPr>
+              <a:t> </a:t>
+            </a:r>
+            <a:r>
+              <a:rPr lang="de-DE" dirty="0"/>
+              <a:t>virtual slice</a:t>
+            </a:r>
+            <a:r>
+              <a:rPr lang="en-US" b="0" i="0" dirty="0">
+                <a:solidFill>
+                  <a:srgbClr val="202122"/>
+                </a:solidFill>
+                <a:effectLst/>
+              </a:rPr>
+              <a:t>)</a:t>
+            </a:r>
+          </a:p>
+        </p:txBody>
+      </p:sp>
+      <p:sp>
+        <p:nvSpPr>
+          <p:cNvPr id="4" name="Foliennummernplatzhalter 3">
+            <a:extLst>
+              <a:ext uri="{FF2B5EF4-FFF2-40B4-BE49-F238E27FC236}">
+                <a16:creationId xmlns:a16="http://schemas.microsoft.com/office/drawing/2014/main" id="{B7803CDE-5BD0-94F7-A9F6-145C2C357DCD}"/>
               </a:ext>
             </a:extLst>
           </p:cNvPr>
@@ -4999,7 +6226,7 @@
     </p:spTree>
     <p:extLst>
       <p:ext uri="{BB962C8B-B14F-4D97-AF65-F5344CB8AC3E}">
-        <p14:creationId xmlns:p14="http://schemas.microsoft.com/office/powerpoint/2010/main" val="3022138394"/>
+        <p14:creationId xmlns:p14="http://schemas.microsoft.com/office/powerpoint/2010/main" val="2087439687"/>
       </p:ext>
     </p:extLst>
   </p:cSld>
@@ -5031,7 +6258,7 @@
           <p:cNvPr id="2" name="Title 1">
             <a:extLst>
               <a:ext uri="{FF2B5EF4-FFF2-40B4-BE49-F238E27FC236}">
-                <a16:creationId xmlns:a16="http://schemas.microsoft.com/office/drawing/2014/main" id="{4B391261-4217-F10A-7D60-AF9B6EC24588}"/>
+                <a16:creationId xmlns:a16="http://schemas.microsoft.com/office/drawing/2014/main" id="{207A4989-6272-0FB5-7D67-C95DA1F42F07}"/>
               </a:ext>
             </a:extLst>
           </p:cNvPr>
@@ -5047,7 +6274,10 @@
           <a:bodyPr/>
           <a:lstStyle/>
           <a:p>
-            <a:endParaRPr lang="en-GB"/>
+            <a:r>
+              <a:rPr lang="en-GB" dirty="0"/>
+              <a:t>Magnetic Resonance Imaging (MRI)</a:t>
+            </a:r>
           </a:p>
         </p:txBody>
       </p:sp>
@@ -5056,7 +6286,7 @@
           <p:cNvPr id="3" name="Content Placeholder 2">
             <a:extLst>
               <a:ext uri="{FF2B5EF4-FFF2-40B4-BE49-F238E27FC236}">
-                <a16:creationId xmlns:a16="http://schemas.microsoft.com/office/drawing/2014/main" id="{81BD52E7-206D-BA6A-427A-789CD2B33D19}"/>
+                <a16:creationId xmlns:a16="http://schemas.microsoft.com/office/drawing/2014/main" id="{4D246828-48DB-6F62-69F8-8E44DC14D112}"/>
               </a:ext>
             </a:extLst>
           </p:cNvPr>
@@ -5076,32 +6306,11 @@
               <a:buNone/>
             </a:pPr>
             <a:r>
-              <a:rPr lang="en-GB" dirty="0"/>
-              <a:t>~30% lower radiation dose at same image quality</a:t>
-            </a:r>
-          </a:p>
-          <a:p>
-            <a:pPr marL="0" indent="0">
-              <a:buNone/>
-            </a:pPr>
+              <a:rPr lang="de-DE" dirty="0"/>
+              <a:t>not only applicable for X-rays ...</a:t>
+            </a:r>
             <a:endParaRPr lang="en-GB" dirty="0"/>
           </a:p>
-          <a:p>
-            <a:pPr marL="0" indent="0">
-              <a:buNone/>
-            </a:pPr>
-            <a:r>
-              <a:rPr lang="en-GB" dirty="0"/>
-              <a:t>also for MRI </a:t>
-            </a:r>
-            <a:r>
-              <a:rPr lang="en-GB" dirty="0">
-                <a:sym typeface="Wingdings" panose="05000000000000000000" pitchFamily="2" charset="2"/>
-              </a:rPr>
-              <a:t> faster acquisition</a:t>
-            </a:r>
-            <a:endParaRPr lang="en-GB" sz="2800" dirty="0"/>
-          </a:p>
         </p:txBody>
       </p:sp>
       <p:sp>
@@ -5109,7 +6318,7 @@
           <p:cNvPr id="4" name="Foliennummernplatzhalter 3">
             <a:extLst>
               <a:ext uri="{FF2B5EF4-FFF2-40B4-BE49-F238E27FC236}">
-                <a16:creationId xmlns:a16="http://schemas.microsoft.com/office/drawing/2014/main" id="{28A3E613-57B3-4FBF-24A6-E1FBE535E633}"/>
+                <a16:creationId xmlns:a16="http://schemas.microsoft.com/office/drawing/2014/main" id="{E5594492-77B2-23FE-5ECE-FEBF893E90AE}"/>
               </a:ext>
             </a:extLst>
           </p:cNvPr>
@@ -5136,7 +6345,7 @@
     </p:spTree>
     <p:extLst>
       <p:ext uri="{BB962C8B-B14F-4D97-AF65-F5344CB8AC3E}">
-        <p14:creationId xmlns:p14="http://schemas.microsoft.com/office/powerpoint/2010/main" val="4004380329"/>
+        <p14:creationId xmlns:p14="http://schemas.microsoft.com/office/powerpoint/2010/main" val="3766084937"/>
       </p:ext>
     </p:extLst>
   </p:cSld>
@@ -5163,65 +6372,107 @@
           <a:chExt cx="0" cy="0"/>
         </a:xfrm>
       </p:grpSpPr>
-      <p:sp>
-        <p:nvSpPr>
-          <p:cNvPr id="2" name="Title 1">
-            <a:extLst>
-              <a:ext uri="{FF2B5EF4-FFF2-40B4-BE49-F238E27FC236}">
-                <a16:creationId xmlns:a16="http://schemas.microsoft.com/office/drawing/2014/main" id="{207A4989-6272-0FB5-7D67-C95DA1F42F07}"/>
-              </a:ext>
-            </a:extLst>
-          </p:cNvPr>
-          <p:cNvSpPr>
-            <a:spLocks noGrp="1"/>
-          </p:cNvSpPr>
-          <p:nvPr>
-            <p:ph type="title"/>
-          </p:nvPr>
-        </p:nvSpPr>
-        <p:spPr/>
-        <p:txBody>
-          <a:bodyPr/>
-          <a:lstStyle/>
-          <a:p>
-            <a:r>
-              <a:rPr lang="en-GB" dirty="0"/>
-              <a:t>Magnetic Resonance Imaging (MRI)</a:t>
-            </a:r>
-          </a:p>
-        </p:txBody>
-      </p:sp>
-      <p:sp>
-        <p:nvSpPr>
-          <p:cNvPr id="3" name="Content Placeholder 2">
-            <a:extLst>
-              <a:ext uri="{FF2B5EF4-FFF2-40B4-BE49-F238E27FC236}">
-                <a16:creationId xmlns:a16="http://schemas.microsoft.com/office/drawing/2014/main" id="{4D246828-48DB-6F62-69F8-8E44DC14D112}"/>
-              </a:ext>
-            </a:extLst>
-          </p:cNvPr>
-          <p:cNvSpPr>
-            <a:spLocks noGrp="1"/>
-          </p:cNvSpPr>
-          <p:nvPr>
-            <p:ph idx="1"/>
-          </p:nvPr>
-        </p:nvSpPr>
-        <p:spPr/>
-        <p:txBody>
-          <a:bodyPr/>
-          <a:lstStyle/>
-          <a:p>
-            <a:endParaRPr lang="en-GB"/>
-          </a:p>
-        </p:txBody>
-      </p:sp>
-      <p:sp>
-        <p:nvSpPr>
-          <p:cNvPr id="4" name="Foliennummernplatzhalter 3">
-            <a:extLst>
-              <a:ext uri="{FF2B5EF4-FFF2-40B4-BE49-F238E27FC236}">
-                <a16:creationId xmlns:a16="http://schemas.microsoft.com/office/drawing/2014/main" id="{E5594492-77B2-23FE-5ECE-FEBF893E90AE}"/>
+      <p:pic>
+        <p:nvPicPr>
+          <p:cNvPr id="7" name="Picture 6" descr="A diagram of a human brain&#10;&#10;AI-generated content may be incorrect.">
+            <a:extLst>
+              <a:ext uri="{FF2B5EF4-FFF2-40B4-BE49-F238E27FC236}">
+                <a16:creationId xmlns:a16="http://schemas.microsoft.com/office/drawing/2014/main" id="{5E8D29BE-7EF8-FD2E-A097-18EE74F422D6}"/>
+              </a:ext>
+            </a:extLst>
+          </p:cNvPr>
+          <p:cNvPicPr>
+            <a:picLocks noChangeAspect="1"/>
+          </p:cNvPicPr>
+          <p:nvPr/>
+        </p:nvPicPr>
+        <p:blipFill>
+          <a:blip r:embed="rId2">
+            <a:extLst>
+              <a:ext uri="{28A0092B-C50C-407E-A947-70E740481C1C}">
+                <a14:useLocalDpi xmlns:a14="http://schemas.microsoft.com/office/drawing/2010/main" val="0"/>
+              </a:ext>
+            </a:extLst>
+          </a:blip>
+          <a:stretch>
+            <a:fillRect/>
+          </a:stretch>
+        </p:blipFill>
+        <p:spPr>
+          <a:xfrm>
+            <a:off x="2195733" y="0"/>
+            <a:ext cx="9836450" cy="6858000"/>
+          </a:xfrm>
+          <a:prstGeom prst="rect">
+            <a:avLst/>
+          </a:prstGeom>
+        </p:spPr>
+      </p:pic>
+      <p:sp>
+        <p:nvSpPr>
+          <p:cNvPr id="14" name="Rectangle: Rounded Corners 13">
+            <a:extLst>
+              <a:ext uri="{FF2B5EF4-FFF2-40B4-BE49-F238E27FC236}">
+                <a16:creationId xmlns:a16="http://schemas.microsoft.com/office/drawing/2014/main" id="{3E902F73-C144-B331-351E-50A30BEDB9DD}"/>
+              </a:ext>
+            </a:extLst>
+          </p:cNvPr>
+          <p:cNvSpPr/>
+          <p:nvPr/>
+        </p:nvSpPr>
+        <p:spPr>
+          <a:xfrm>
+            <a:off x="406400" y="1703097"/>
+            <a:ext cx="4060614" cy="2926585"/>
+          </a:xfrm>
+          <a:prstGeom prst="roundRect">
+            <a:avLst/>
+          </a:prstGeom>
+          <a:solidFill>
+            <a:schemeClr val="bg2"/>
+          </a:solidFill>
+          <a:ln>
+            <a:noFill/>
+          </a:ln>
+        </p:spPr>
+        <p:style>
+          <a:lnRef idx="2">
+            <a:schemeClr val="accent1">
+              <a:shade val="15000"/>
+            </a:schemeClr>
+          </a:lnRef>
+          <a:fillRef idx="1">
+            <a:schemeClr val="accent1"/>
+          </a:fillRef>
+          <a:effectRef idx="0">
+            <a:schemeClr val="accent1"/>
+          </a:effectRef>
+          <a:fontRef idx="minor">
+            <a:schemeClr val="lt1"/>
+          </a:fontRef>
+        </p:style>
+        <p:txBody>
+          <a:bodyPr rtlCol="0" anchor="ctr"/>
+          <a:lstStyle/>
+          <a:p>
+            <a:pPr algn="ctr"/>
+            <a:endParaRPr lang="en-GB" dirty="0">
+              <a:solidFill>
+                <a:schemeClr val="tx1"/>
+              </a:solidFill>
+              <a:highlight>
+                <a:srgbClr val="FFFF00"/>
+              </a:highlight>
+            </a:endParaRPr>
+          </a:p>
+        </p:txBody>
+      </p:sp>
+      <p:sp>
+        <p:nvSpPr>
+          <p:cNvPr id="4" name="Slide Number Placeholder 3">
+            <a:extLst>
+              <a:ext uri="{FF2B5EF4-FFF2-40B4-BE49-F238E27FC236}">
+                <a16:creationId xmlns:a16="http://schemas.microsoft.com/office/drawing/2014/main" id="{C88BA3CD-AEF2-67E2-E93E-C3F2E547C7FE}"/>
               </a:ext>
             </a:extLst>
           </p:cNvPr>
@@ -5245,10 +6496,293 @@
           </a:p>
         </p:txBody>
       </p:sp>
+      <p:pic>
+        <p:nvPicPr>
+          <p:cNvPr id="9" name="Picture 8" descr="A black text on a white background&#10;&#10;AI-generated content may be incorrect.">
+            <a:extLst>
+              <a:ext uri="{FF2B5EF4-FFF2-40B4-BE49-F238E27FC236}">
+                <a16:creationId xmlns:a16="http://schemas.microsoft.com/office/drawing/2014/main" id="{3C4BAF78-A09A-F167-A594-12FF0D9A2DF0}"/>
+              </a:ext>
+            </a:extLst>
+          </p:cNvPr>
+          <p:cNvPicPr>
+            <a:picLocks noChangeAspect="1"/>
+          </p:cNvPicPr>
+          <p:nvPr/>
+        </p:nvPicPr>
+        <p:blipFill>
+          <a:blip r:embed="rId3">
+            <a:extLst>
+              <a:ext uri="{28A0092B-C50C-407E-A947-70E740481C1C}">
+                <a14:useLocalDpi xmlns:a14="http://schemas.microsoft.com/office/drawing/2010/main" val="0"/>
+              </a:ext>
+            </a:extLst>
+          </a:blip>
+          <a:stretch>
+            <a:fillRect/>
+          </a:stretch>
+        </p:blipFill>
+        <p:spPr>
+          <a:xfrm>
+            <a:off x="159817" y="5558944"/>
+            <a:ext cx="6843168" cy="979968"/>
+          </a:xfrm>
+          <a:prstGeom prst="rect">
+            <a:avLst/>
+          </a:prstGeom>
+        </p:spPr>
+      </p:pic>
+      <p:sp>
+        <p:nvSpPr>
+          <p:cNvPr id="10" name="TextBox 9">
+            <a:extLst>
+              <a:ext uri="{FF2B5EF4-FFF2-40B4-BE49-F238E27FC236}">
+                <a16:creationId xmlns:a16="http://schemas.microsoft.com/office/drawing/2014/main" id="{3E601979-9CA1-2901-1E47-E201FA536710}"/>
+              </a:ext>
+            </a:extLst>
+          </p:cNvPr>
+          <p:cNvSpPr txBox="1"/>
+          <p:nvPr/>
+        </p:nvSpPr>
+        <p:spPr>
+          <a:xfrm>
+            <a:off x="518160" y="4778191"/>
+            <a:ext cx="3639779" cy="461665"/>
+          </a:xfrm>
+          <a:prstGeom prst="rect">
+            <a:avLst/>
+          </a:prstGeom>
+          <a:noFill/>
+        </p:spPr>
+        <p:txBody>
+          <a:bodyPr wrap="none" rtlCol="0">
+            <a:spAutoFit/>
+          </a:bodyPr>
+          <a:lstStyle/>
+          <a:p>
+            <a:r>
+              <a:rPr lang="de-DE" sz="2400" dirty="0"/>
+              <a:t>discrete Radon transform:</a:t>
+            </a:r>
+            <a:endParaRPr lang="en-GB" sz="2400" dirty="0"/>
+          </a:p>
+        </p:txBody>
+      </p:sp>
+      <p:pic>
+        <p:nvPicPr>
+          <p:cNvPr id="12" name="Picture 11" descr="A graph of a line with a point&#10;&#10;AI-generated content may be incorrect.">
+            <a:extLst>
+              <a:ext uri="{FF2B5EF4-FFF2-40B4-BE49-F238E27FC236}">
+                <a16:creationId xmlns:a16="http://schemas.microsoft.com/office/drawing/2014/main" id="{4B3ED19C-25EB-1A2D-0591-04CE31752982}"/>
+              </a:ext>
+            </a:extLst>
+          </p:cNvPr>
+          <p:cNvPicPr>
+            <a:picLocks noChangeAspect="1"/>
+          </p:cNvPicPr>
+          <p:nvPr/>
+        </p:nvPicPr>
+        <p:blipFill>
+          <a:blip r:embed="rId4">
+            <a:extLst>
+              <a:ext uri="{28A0092B-C50C-407E-A947-70E740481C1C}">
+                <a14:useLocalDpi xmlns:a14="http://schemas.microsoft.com/office/drawing/2010/main" val="0"/>
+              </a:ext>
+            </a:extLst>
+          </a:blip>
+          <a:stretch>
+            <a:fillRect/>
+          </a:stretch>
+        </p:blipFill>
+        <p:spPr>
+          <a:xfrm>
+            <a:off x="2014179" y="1873677"/>
+            <a:ext cx="2143760" cy="2585426"/>
+          </a:xfrm>
+          <a:prstGeom prst="rect">
+            <a:avLst/>
+          </a:prstGeom>
+        </p:spPr>
+      </p:pic>
+      <p:sp>
+        <p:nvSpPr>
+          <p:cNvPr id="13" name="TextBox 12">
+            <a:extLst>
+              <a:ext uri="{FF2B5EF4-FFF2-40B4-BE49-F238E27FC236}">
+                <a16:creationId xmlns:a16="http://schemas.microsoft.com/office/drawing/2014/main" id="{9E5EB8B3-D681-5E3B-98CA-8D10736AB199}"/>
+              </a:ext>
+            </a:extLst>
+          </p:cNvPr>
+          <p:cNvSpPr txBox="1"/>
+          <p:nvPr/>
+        </p:nvSpPr>
+        <p:spPr>
+          <a:xfrm>
+            <a:off x="406400" y="2782669"/>
+            <a:ext cx="1701800" cy="923330"/>
+          </a:xfrm>
+          <a:prstGeom prst="rect">
+            <a:avLst/>
+          </a:prstGeom>
+          <a:noFill/>
+        </p:spPr>
+        <p:txBody>
+          <a:bodyPr wrap="square" rtlCol="0">
+            <a:spAutoFit/>
+          </a:bodyPr>
+          <a:lstStyle/>
+          <a:p>
+            <a:r>
+              <a:rPr lang="de-DE" dirty="0"/>
+              <a:t>using normal representation of straight line</a:t>
+            </a:r>
+            <a:endParaRPr lang="en-GB" dirty="0"/>
+          </a:p>
+        </p:txBody>
+      </p:sp>
     </p:spTree>
     <p:extLst>
       <p:ext uri="{BB962C8B-B14F-4D97-AF65-F5344CB8AC3E}">
-        <p14:creationId xmlns:p14="http://schemas.microsoft.com/office/powerpoint/2010/main" val="3766084937"/>
+        <p14:creationId xmlns:p14="http://schemas.microsoft.com/office/powerpoint/2010/main" val="364670287"/>
+      </p:ext>
+    </p:extLst>
+  </p:cSld>
+  <p:clrMapOvr>
+    <a:masterClrMapping/>
+  </p:clrMapOvr>
+</p:sld>
+</file>
+
+<file path=ppt/slides/slide9.xml><?xml version="1.0" encoding="utf-8"?>
+<p:sld xmlns:a="http://schemas.openxmlformats.org/drawingml/2006/main" xmlns:r="http://schemas.openxmlformats.org/officeDocument/2006/relationships" xmlns:p="http://schemas.openxmlformats.org/presentationml/2006/main">
+  <p:cSld>
+    <p:spTree>
+      <p:nvGrpSpPr>
+        <p:cNvPr id="1" name=""/>
+        <p:cNvGrpSpPr/>
+        <p:nvPr/>
+      </p:nvGrpSpPr>
+      <p:grpSpPr>
+        <a:xfrm>
+          <a:off x="0" y="0"/>
+          <a:ext cx="0" cy="0"/>
+          <a:chOff x="0" y="0"/>
+          <a:chExt cx="0" cy="0"/>
+        </a:xfrm>
+      </p:grpSpPr>
+      <p:sp>
+        <p:nvSpPr>
+          <p:cNvPr id="2" name="Slide Number Placeholder 1">
+            <a:extLst>
+              <a:ext uri="{FF2B5EF4-FFF2-40B4-BE49-F238E27FC236}">
+                <a16:creationId xmlns:a16="http://schemas.microsoft.com/office/drawing/2014/main" id="{F420AFD4-CAF4-9E99-9B70-39D0CB03FA2B}"/>
+              </a:ext>
+            </a:extLst>
+          </p:cNvPr>
+          <p:cNvSpPr>
+            <a:spLocks noGrp="1"/>
+          </p:cNvSpPr>
+          <p:nvPr>
+            <p:ph type="sldNum" sz="quarter" idx="12"/>
+          </p:nvPr>
+        </p:nvSpPr>
+        <p:spPr/>
+        <p:txBody>
+          <a:bodyPr/>
+          <a:lstStyle/>
+          <a:p>
+            <a:fld id="{FD50B010-3F09-4BF2-AC9E-0082EFF861BF}" type="slidenum">
+              <a:rPr lang="en-GB" smtClean="0"/>
+              <a:t>9</a:t>
+            </a:fld>
+            <a:endParaRPr lang="en-GB"/>
+          </a:p>
+        </p:txBody>
+      </p:sp>
+      <p:pic>
+        <p:nvPicPr>
+          <p:cNvPr id="4" name="Picture 3" descr="A collage of images of smoke&#10;&#10;AI-generated content may be incorrect.">
+            <a:extLst>
+              <a:ext uri="{FF2B5EF4-FFF2-40B4-BE49-F238E27FC236}">
+                <a16:creationId xmlns:a16="http://schemas.microsoft.com/office/drawing/2014/main" id="{9C9AE153-5395-60FB-9F52-0553E8066130}"/>
+              </a:ext>
+            </a:extLst>
+          </p:cNvPr>
+          <p:cNvPicPr>
+            <a:picLocks noChangeAspect="1"/>
+          </p:cNvPicPr>
+          <p:nvPr/>
+        </p:nvPicPr>
+        <p:blipFill>
+          <a:blip r:embed="rId2">
+            <a:extLst>
+              <a:ext uri="{28A0092B-C50C-407E-A947-70E740481C1C}">
+                <a14:useLocalDpi xmlns:a14="http://schemas.microsoft.com/office/drawing/2010/main" val="0"/>
+              </a:ext>
+            </a:extLst>
+          </a:blip>
+          <a:stretch>
+            <a:fillRect/>
+          </a:stretch>
+        </p:blipFill>
+        <p:spPr>
+          <a:xfrm>
+            <a:off x="1820520" y="536959"/>
+            <a:ext cx="7628281" cy="5784081"/>
+          </a:xfrm>
+          <a:prstGeom prst="rect">
+            <a:avLst/>
+          </a:prstGeom>
+        </p:spPr>
+      </p:pic>
+      <p:sp>
+        <p:nvSpPr>
+          <p:cNvPr id="5" name="TextBox 4">
+            <a:extLst>
+              <a:ext uri="{FF2B5EF4-FFF2-40B4-BE49-F238E27FC236}">
+                <a16:creationId xmlns:a16="http://schemas.microsoft.com/office/drawing/2014/main" id="{9EF64C3A-E51F-FD99-0C94-163AED714BB4}"/>
+              </a:ext>
+            </a:extLst>
+          </p:cNvPr>
+          <p:cNvSpPr txBox="1"/>
+          <p:nvPr/>
+        </p:nvSpPr>
+        <p:spPr>
+          <a:xfrm>
+            <a:off x="9448801" y="1497875"/>
+            <a:ext cx="2743200" cy="1384995"/>
+          </a:xfrm>
+          <a:prstGeom prst="rect">
+            <a:avLst/>
+          </a:prstGeom>
+          <a:noFill/>
+        </p:spPr>
+        <p:txBody>
+          <a:bodyPr wrap="square" rtlCol="0">
+            <a:spAutoFit/>
+          </a:bodyPr>
+          <a:lstStyle/>
+          <a:p>
+            <a:r>
+              <a:rPr lang="de-DE" sz="2200" dirty="0"/>
+              <a:t>sinogram:</a:t>
+            </a:r>
+          </a:p>
+          <a:p>
+            <a:r>
+              <a:rPr lang="de-DE" sz="2200" dirty="0"/>
+              <a:t>Radon transform displayed as image</a:t>
+            </a:r>
+          </a:p>
+          <a:p>
+            <a:endParaRPr lang="en-GB" dirty="0"/>
+          </a:p>
+        </p:txBody>
+      </p:sp>
+    </p:spTree>
+    <p:extLst>
+      <p:ext uri="{BB962C8B-B14F-4D97-AF65-F5344CB8AC3E}">
+        <p14:creationId xmlns:p14="http://schemas.microsoft.com/office/powerpoint/2010/main" val="2224163225"/>
       </p:ext>
     </p:extLst>
   </p:cSld>

--- a/slides/CT.pptx
+++ b/slides/CT.pptx
@@ -5,7 +5,7 @@
     <p:sldMasterId id="2147483648" r:id="rId1"/>
   </p:sldMasterIdLst>
   <p:notesMasterIdLst>
-    <p:notesMasterId r:id="rId17"/>
+    <p:notesMasterId r:id="rId16"/>
   </p:notesMasterIdLst>
   <p:sldIdLst>
     <p:sldId id="256" r:id="rId2"/>
@@ -14,15 +14,14 @@
     <p:sldId id="265" r:id="rId5"/>
     <p:sldId id="266" r:id="rId6"/>
     <p:sldId id="264" r:id="rId7"/>
-    <p:sldId id="261" r:id="rId8"/>
-    <p:sldId id="267" r:id="rId9"/>
-    <p:sldId id="268" r:id="rId10"/>
-    <p:sldId id="269" r:id="rId11"/>
-    <p:sldId id="270" r:id="rId12"/>
-    <p:sldId id="271" r:id="rId13"/>
-    <p:sldId id="272" r:id="rId14"/>
-    <p:sldId id="273" r:id="rId15"/>
-    <p:sldId id="274" r:id="rId16"/>
+    <p:sldId id="267" r:id="rId8"/>
+    <p:sldId id="268" r:id="rId9"/>
+    <p:sldId id="269" r:id="rId10"/>
+    <p:sldId id="270" r:id="rId11"/>
+    <p:sldId id="271" r:id="rId12"/>
+    <p:sldId id="272" r:id="rId13"/>
+    <p:sldId id="275" r:id="rId14"/>
+    <p:sldId id="261" r:id="rId15"/>
   </p:sldIdLst>
   <p:sldSz cx="12192000" cy="6858000"/>
   <p:notesSz cx="6858000" cy="9144000"/>
@@ -263,7 +262,7 @@
           <a:p>
             <a:fld id="{F8A77151-A70E-4C9B-9104-98B4602AD2C7}" type="datetimeFigureOut">
               <a:rPr lang="de-DE" smtClean="0"/>
-              <a:t>11.04.2025</a:t>
+              <a:t>16.04.2025</a:t>
             </a:fld>
             <a:endParaRPr lang="de-DE"/>
           </a:p>
@@ -421,7 +420,7 @@
           <a:p>
             <a:fld id="{445105BF-9636-4C55-A032-806EFF4230AD}" type="slidenum">
               <a:rPr lang="de-DE" smtClean="0"/>
-              <a:t>‹#›</a:t>
+              <a:t>‹Nr.›</a:t>
             </a:fld>
             <a:endParaRPr lang="de-DE"/>
           </a:p>
@@ -679,7 +678,7 @@
           <a:p>
             <a:fld id="{4378A192-3F90-42A8-994C-63F3EABE94C3}" type="datetime1">
               <a:rPr lang="en-GB" smtClean="0"/>
-              <a:t>11/04/2025</a:t>
+              <a:t>16/04/2025</a:t>
             </a:fld>
             <a:endParaRPr lang="en-GB"/>
           </a:p>
@@ -733,7 +732,7 @@
           <a:p>
             <a:fld id="{FD50B010-3F09-4BF2-AC9E-0082EFF861BF}" type="slidenum">
               <a:rPr lang="en-GB" smtClean="0"/>
-              <a:t>‹#›</a:t>
+              <a:t>‹Nr.›</a:t>
             </a:fld>
             <a:endParaRPr lang="en-GB"/>
           </a:p>
@@ -879,7 +878,7 @@
           <a:p>
             <a:fld id="{65921E9D-1276-49F2-A93F-2B41C18AF0B6}" type="datetime1">
               <a:rPr lang="en-GB" smtClean="0"/>
-              <a:t>11/04/2025</a:t>
+              <a:t>16/04/2025</a:t>
             </a:fld>
             <a:endParaRPr lang="en-GB"/>
           </a:p>
@@ -933,7 +932,7 @@
           <a:p>
             <a:fld id="{FD50B010-3F09-4BF2-AC9E-0082EFF861BF}" type="slidenum">
               <a:rPr lang="en-GB" smtClean="0"/>
-              <a:t>‹#›</a:t>
+              <a:t>‹Nr.›</a:t>
             </a:fld>
             <a:endParaRPr lang="en-GB"/>
           </a:p>
@@ -1089,7 +1088,7 @@
           <a:p>
             <a:fld id="{871C0982-BB23-4BA0-9C61-E79C8D9D887C}" type="datetime1">
               <a:rPr lang="en-GB" smtClean="0"/>
-              <a:t>11/04/2025</a:t>
+              <a:t>16/04/2025</a:t>
             </a:fld>
             <a:endParaRPr lang="en-GB"/>
           </a:p>
@@ -1143,7 +1142,7 @@
           <a:p>
             <a:fld id="{FD50B010-3F09-4BF2-AC9E-0082EFF861BF}" type="slidenum">
               <a:rPr lang="en-GB" smtClean="0"/>
-              <a:t>‹#›</a:t>
+              <a:t>‹Nr.›</a:t>
             </a:fld>
             <a:endParaRPr lang="en-GB"/>
           </a:p>
@@ -1289,7 +1288,7 @@
           <a:p>
             <a:fld id="{74E6AA62-DC19-4437-8878-4BE4304BEF9C}" type="datetime1">
               <a:rPr lang="en-GB" smtClean="0"/>
-              <a:t>11/04/2025</a:t>
+              <a:t>16/04/2025</a:t>
             </a:fld>
             <a:endParaRPr lang="en-GB"/>
           </a:p>
@@ -1343,7 +1342,7 @@
           <a:p>
             <a:fld id="{FD50B010-3F09-4BF2-AC9E-0082EFF861BF}" type="slidenum">
               <a:rPr lang="en-GB" smtClean="0"/>
-              <a:t>‹#›</a:t>
+              <a:t>‹Nr.›</a:t>
             </a:fld>
             <a:endParaRPr lang="en-GB"/>
           </a:p>
@@ -1565,7 +1564,7 @@
           <a:p>
             <a:fld id="{D1ABB2F1-D765-429F-B48E-ED92C6F912BF}" type="datetime1">
               <a:rPr lang="en-GB" smtClean="0"/>
-              <a:t>11/04/2025</a:t>
+              <a:t>16/04/2025</a:t>
             </a:fld>
             <a:endParaRPr lang="en-GB"/>
           </a:p>
@@ -1619,7 +1618,7 @@
           <a:p>
             <a:fld id="{FD50B010-3F09-4BF2-AC9E-0082EFF861BF}" type="slidenum">
               <a:rPr lang="en-GB" smtClean="0"/>
-              <a:t>‹#›</a:t>
+              <a:t>‹Nr.›</a:t>
             </a:fld>
             <a:endParaRPr lang="en-GB"/>
           </a:p>
@@ -1833,7 +1832,7 @@
           <a:p>
             <a:fld id="{648CDC90-0F0F-465B-847C-48244F4AF3EB}" type="datetime1">
               <a:rPr lang="en-GB" smtClean="0"/>
-              <a:t>11/04/2025</a:t>
+              <a:t>16/04/2025</a:t>
             </a:fld>
             <a:endParaRPr lang="en-GB"/>
           </a:p>
@@ -1887,7 +1886,7 @@
           <a:p>
             <a:fld id="{FD50B010-3F09-4BF2-AC9E-0082EFF861BF}" type="slidenum">
               <a:rPr lang="en-GB" smtClean="0"/>
-              <a:t>‹#›</a:t>
+              <a:t>‹Nr.›</a:t>
             </a:fld>
             <a:endParaRPr lang="en-GB"/>
           </a:p>
@@ -2248,7 +2247,7 @@
           <a:p>
             <a:fld id="{E559AE30-8141-42A2-90CB-A4B44B44B1D3}" type="datetime1">
               <a:rPr lang="en-GB" smtClean="0"/>
-              <a:t>11/04/2025</a:t>
+              <a:t>16/04/2025</a:t>
             </a:fld>
             <a:endParaRPr lang="en-GB"/>
           </a:p>
@@ -2302,7 +2301,7 @@
           <a:p>
             <a:fld id="{FD50B010-3F09-4BF2-AC9E-0082EFF861BF}" type="slidenum">
               <a:rPr lang="en-GB" smtClean="0"/>
-              <a:t>‹#›</a:t>
+              <a:t>‹Nr.›</a:t>
             </a:fld>
             <a:endParaRPr lang="en-GB"/>
           </a:p>
@@ -2390,7 +2389,7 @@
           <a:p>
             <a:fld id="{1DFDDB64-F90E-4084-A089-5A429678C416}" type="datetime1">
               <a:rPr lang="en-GB" smtClean="0"/>
-              <a:t>11/04/2025</a:t>
+              <a:t>16/04/2025</a:t>
             </a:fld>
             <a:endParaRPr lang="en-GB"/>
           </a:p>
@@ -2444,7 +2443,7 @@
           <a:p>
             <a:fld id="{FD50B010-3F09-4BF2-AC9E-0082EFF861BF}" type="slidenum">
               <a:rPr lang="en-GB" smtClean="0"/>
-              <a:t>‹#›</a:t>
+              <a:t>‹Nr.›</a:t>
             </a:fld>
             <a:endParaRPr lang="en-GB"/>
           </a:p>
@@ -2503,7 +2502,7 @@
           <a:p>
             <a:fld id="{A012969D-C9C9-4D34-B809-F9F4E7E3B760}" type="datetime1">
               <a:rPr lang="en-GB" smtClean="0"/>
-              <a:t>11/04/2025</a:t>
+              <a:t>16/04/2025</a:t>
             </a:fld>
             <a:endParaRPr lang="en-GB"/>
           </a:p>
@@ -2557,7 +2556,7 @@
           <a:p>
             <a:fld id="{FD50B010-3F09-4BF2-AC9E-0082EFF861BF}" type="slidenum">
               <a:rPr lang="en-GB" smtClean="0"/>
-              <a:t>‹#›</a:t>
+              <a:t>‹Nr.›</a:t>
             </a:fld>
             <a:endParaRPr lang="en-GB"/>
           </a:p>
@@ -2816,7 +2815,7 @@
           <a:p>
             <a:fld id="{1C67DF3B-5F0F-47E3-AA29-09B8A65F9A4F}" type="datetime1">
               <a:rPr lang="en-GB" smtClean="0"/>
-              <a:t>11/04/2025</a:t>
+              <a:t>16/04/2025</a:t>
             </a:fld>
             <a:endParaRPr lang="en-GB"/>
           </a:p>
@@ -2870,7 +2869,7 @@
           <a:p>
             <a:fld id="{FD50B010-3F09-4BF2-AC9E-0082EFF861BF}" type="slidenum">
               <a:rPr lang="en-GB" smtClean="0"/>
-              <a:t>‹#›</a:t>
+              <a:t>‹Nr.›</a:t>
             </a:fld>
             <a:endParaRPr lang="en-GB"/>
           </a:p>
@@ -3105,7 +3104,7 @@
           <a:p>
             <a:fld id="{F6EEBB89-4640-4304-A14F-CB7D6D2A08CD}" type="datetime1">
               <a:rPr lang="en-GB" smtClean="0"/>
-              <a:t>11/04/2025</a:t>
+              <a:t>16/04/2025</a:t>
             </a:fld>
             <a:endParaRPr lang="en-GB"/>
           </a:p>
@@ -3159,7 +3158,7 @@
           <a:p>
             <a:fld id="{FD50B010-3F09-4BF2-AC9E-0082EFF861BF}" type="slidenum">
               <a:rPr lang="en-GB" smtClean="0"/>
-              <a:t>‹#›</a:t>
+              <a:t>‹Nr.›</a:t>
             </a:fld>
             <a:endParaRPr lang="en-GB"/>
           </a:p>
@@ -3348,7 +3347,7 @@
           <a:p>
             <a:fld id="{26D9DC2A-B12E-44FE-BB5D-F8E62C35C5A2}" type="datetime1">
               <a:rPr lang="en-GB" smtClean="0"/>
-              <a:t>11/04/2025</a:t>
+              <a:t>16/04/2025</a:t>
             </a:fld>
             <a:endParaRPr lang="en-GB"/>
           </a:p>
@@ -3438,7 +3437,7 @@
           <a:p>
             <a:fld id="{FD50B010-3F09-4BF2-AC9E-0082EFF861BF}" type="slidenum">
               <a:rPr lang="en-GB" smtClean="0"/>
-              <a:t>‹#›</a:t>
+              <a:t>‹Nr.›</a:t>
             </a:fld>
             <a:endParaRPr lang="en-GB"/>
           </a:p>
@@ -3854,10 +3853,69 @@
       </p:grpSpPr>
       <p:sp>
         <p:nvSpPr>
+          <p:cNvPr id="3" name="Title 2">
+            <a:extLst>
+              <a:ext uri="{FF2B5EF4-FFF2-40B4-BE49-F238E27FC236}">
+                <a16:creationId xmlns:a16="http://schemas.microsoft.com/office/drawing/2014/main" id="{87B6B167-C937-DE3F-9862-6386589D289A}"/>
+              </a:ext>
+            </a:extLst>
+          </p:cNvPr>
+          <p:cNvSpPr>
+            <a:spLocks noGrp="1"/>
+          </p:cNvSpPr>
+          <p:nvPr>
+            <p:ph type="title"/>
+          </p:nvPr>
+        </p:nvSpPr>
+        <p:spPr/>
+        <p:txBody>
+          <a:bodyPr/>
+          <a:lstStyle/>
+          <a:p>
+            <a:r>
+              <a:rPr lang="en-GB" dirty="0"/>
+              <a:t>Filtered Back Projection</a:t>
+            </a:r>
+          </a:p>
+        </p:txBody>
+      </p:sp>
+      <p:sp>
+        <p:nvSpPr>
+          <p:cNvPr id="4" name="Content Placeholder 3">
+            <a:extLst>
+              <a:ext uri="{FF2B5EF4-FFF2-40B4-BE49-F238E27FC236}">
+                <a16:creationId xmlns:a16="http://schemas.microsoft.com/office/drawing/2014/main" id="{4995145F-1A06-F40D-859D-559314C1F6BD}"/>
+              </a:ext>
+            </a:extLst>
+          </p:cNvPr>
+          <p:cNvSpPr>
+            <a:spLocks noGrp="1"/>
+          </p:cNvSpPr>
+          <p:nvPr>
+            <p:ph idx="1"/>
+          </p:nvPr>
+        </p:nvSpPr>
+        <p:spPr/>
+        <p:txBody>
+          <a:bodyPr/>
+          <a:lstStyle/>
+          <a:p>
+            <a:pPr marL="0" indent="0">
+              <a:buNone/>
+            </a:pPr>
+            <a:r>
+              <a:rPr lang="en-GB" dirty="0"/>
+              <a:t>to reduce blurring effect: filter projections before back projection</a:t>
+            </a:r>
+          </a:p>
+        </p:txBody>
+      </p:sp>
+      <p:sp>
+        <p:nvSpPr>
           <p:cNvPr id="2" name="Slide Number Placeholder 1">
             <a:extLst>
               <a:ext uri="{FF2B5EF4-FFF2-40B4-BE49-F238E27FC236}">
-                <a16:creationId xmlns:a16="http://schemas.microsoft.com/office/drawing/2014/main" id="{5B34009E-15EF-01B2-64BE-943933929872}"/>
+                <a16:creationId xmlns:a16="http://schemas.microsoft.com/office/drawing/2014/main" id="{6A19897C-A31E-BAB2-54E0-1D80A03D5E70}"/>
               </a:ext>
             </a:extLst>
           </p:cNvPr>
@@ -3883,10 +3941,10 @@
       </p:sp>
       <p:pic>
         <p:nvPicPr>
-          <p:cNvPr id="4" name="Picture 3" descr="A close-up of a light&#10;&#10;AI-generated content may be incorrect.">
-            <a:extLst>
-              <a:ext uri="{FF2B5EF4-FFF2-40B4-BE49-F238E27FC236}">
-                <a16:creationId xmlns:a16="http://schemas.microsoft.com/office/drawing/2014/main" id="{A69B264E-0180-98D3-3355-D6191DFDF3C1}"/>
+          <p:cNvPr id="6" name="Picture 5" descr="A white letter on a black background&#10;&#10;AI-generated content may be incorrect.">
+            <a:extLst>
+              <a:ext uri="{FF2B5EF4-FFF2-40B4-BE49-F238E27FC236}">
+                <a16:creationId xmlns:a16="http://schemas.microsoft.com/office/drawing/2014/main" id="{980D8F14-A022-9070-9F66-A627A7BFE014}"/>
               </a:ext>
             </a:extLst>
           </p:cNvPr>
@@ -3909,80 +3967,8 @@
         </p:blipFill>
         <p:spPr>
           <a:xfrm>
-            <a:off x="2278048" y="1025146"/>
-            <a:ext cx="7635902" cy="3825572"/>
-          </a:xfrm>
-          <a:prstGeom prst="rect">
-            <a:avLst/>
-          </a:prstGeom>
-        </p:spPr>
-      </p:pic>
-      <p:sp>
-        <p:nvSpPr>
-          <p:cNvPr id="5" name="TextBox 4">
-            <a:extLst>
-              <a:ext uri="{FF2B5EF4-FFF2-40B4-BE49-F238E27FC236}">
-                <a16:creationId xmlns:a16="http://schemas.microsoft.com/office/drawing/2014/main" id="{A0C55B05-5FA0-2D99-C6A9-A8E6A847BBEB}"/>
-              </a:ext>
-            </a:extLst>
-          </p:cNvPr>
-          <p:cNvSpPr txBox="1"/>
-          <p:nvPr/>
-        </p:nvSpPr>
-        <p:spPr>
-          <a:xfrm>
-            <a:off x="3766964" y="451383"/>
-            <a:ext cx="4658070" cy="461665"/>
-          </a:xfrm>
-          <a:prstGeom prst="rect">
-            <a:avLst/>
-          </a:prstGeom>
-          <a:noFill/>
-        </p:spPr>
-        <p:txBody>
-          <a:bodyPr wrap="none" rtlCol="0">
-            <a:spAutoFit/>
-          </a:bodyPr>
-          <a:lstStyle/>
-          <a:p>
-            <a:r>
-              <a:rPr lang="de-DE" sz="2400" dirty="0"/>
-              <a:t>back projections of the sinograms</a:t>
-            </a:r>
-            <a:endParaRPr lang="en-GB" sz="2400" dirty="0"/>
-          </a:p>
-        </p:txBody>
-      </p:sp>
-      <p:pic>
-        <p:nvPicPr>
-          <p:cNvPr id="7" name="Picture 6">
-            <a:extLst>
-              <a:ext uri="{FF2B5EF4-FFF2-40B4-BE49-F238E27FC236}">
-                <a16:creationId xmlns:a16="http://schemas.microsoft.com/office/drawing/2014/main" id="{4DC6BF76-93C8-270C-09AC-EB67A10A2B06}"/>
-              </a:ext>
-            </a:extLst>
-          </p:cNvPr>
-          <p:cNvPicPr>
-            <a:picLocks noChangeAspect="1"/>
-          </p:cNvPicPr>
-          <p:nvPr/>
-        </p:nvPicPr>
-        <p:blipFill>
-          <a:blip r:embed="rId3">
-            <a:extLst>
-              <a:ext uri="{28A0092B-C50C-407E-A947-70E740481C1C}">
-                <a14:useLocalDpi xmlns:a14="http://schemas.microsoft.com/office/drawing/2010/main" val="0"/>
-              </a:ext>
-            </a:extLst>
-          </a:blip>
-          <a:stretch>
-            <a:fillRect/>
-          </a:stretch>
-        </p:blipFill>
-        <p:spPr>
-          <a:xfrm>
-            <a:off x="5531188" y="5060438"/>
-            <a:ext cx="5200932" cy="635982"/>
+            <a:off x="4039967" y="2716182"/>
+            <a:ext cx="3636884" cy="3651668"/>
           </a:xfrm>
           <a:prstGeom prst="rect">
             <a:avLst/>
@@ -3991,10 +3977,10 @@
       </p:pic>
       <p:pic>
         <p:nvPicPr>
-          <p:cNvPr id="9" name="Picture 8" descr="A mathematical equation with a number and equal sign&#10;&#10;AI-generated content may be incorrect.">
-            <a:extLst>
-              <a:ext uri="{FF2B5EF4-FFF2-40B4-BE49-F238E27FC236}">
-                <a16:creationId xmlns:a16="http://schemas.microsoft.com/office/drawing/2014/main" id="{683C0693-0BF6-2902-CC10-AD732293134C}"/>
+          <p:cNvPr id="8" name="Picture 7" descr="A close-up of a grey oval&#10;&#10;AI-generated content may be incorrect.">
+            <a:extLst>
+              <a:ext uri="{FF2B5EF4-FFF2-40B4-BE49-F238E27FC236}">
+                <a16:creationId xmlns:a16="http://schemas.microsoft.com/office/drawing/2014/main" id="{55552A9A-7CAB-1268-B02E-99A8622D1B8C}"/>
               </a:ext>
             </a:extLst>
           </p:cNvPr>
@@ -4004,7 +3990,7 @@
           <p:nvPr/>
         </p:nvPicPr>
         <p:blipFill>
-          <a:blip r:embed="rId4">
+          <a:blip r:embed="rId3">
             <a:extLst>
               <a:ext uri="{28A0092B-C50C-407E-A947-70E740481C1C}">
                 <a14:useLocalDpi xmlns:a14="http://schemas.microsoft.com/office/drawing/2010/main" val="0"/>
@@ -4017,8 +4003,8 @@
         </p:blipFill>
         <p:spPr>
           <a:xfrm>
-            <a:off x="6857896" y="5696420"/>
-            <a:ext cx="3220111" cy="997969"/>
+            <a:off x="7747001" y="2744617"/>
+            <a:ext cx="3606800" cy="3611733"/>
           </a:xfrm>
           <a:prstGeom prst="rect">
             <a:avLst/>
@@ -4027,10 +4013,10 @@
       </p:pic>
       <p:sp>
         <p:nvSpPr>
-          <p:cNvPr id="10" name="TextBox 9">
-            <a:extLst>
-              <a:ext uri="{FF2B5EF4-FFF2-40B4-BE49-F238E27FC236}">
-                <a16:creationId xmlns:a16="http://schemas.microsoft.com/office/drawing/2014/main" id="{62505D4B-FF76-EAB6-C431-86E4CC908378}"/>
+          <p:cNvPr id="5" name="Textfeld 4">
+            <a:extLst>
+              <a:ext uri="{FF2B5EF4-FFF2-40B4-BE49-F238E27FC236}">
+                <a16:creationId xmlns:a16="http://schemas.microsoft.com/office/drawing/2014/main" id="{E812133B-BB06-16CA-8C33-260BADBD8E18}"/>
               </a:ext>
             </a:extLst>
           </p:cNvPr>
@@ -4039,8 +4025,8 @@
         </p:nvSpPr>
         <p:spPr>
           <a:xfrm>
-            <a:off x="169334" y="5215333"/>
-            <a:ext cx="5232073" cy="461665"/>
+            <a:off x="557666" y="3447296"/>
+            <a:ext cx="3131618" cy="1107996"/>
           </a:xfrm>
           <a:prstGeom prst="rect">
             <a:avLst/>
@@ -4048,57 +4034,122 @@
           <a:noFill/>
         </p:spPr>
         <p:txBody>
-          <a:bodyPr wrap="none" rtlCol="0">
+          <a:bodyPr wrap="square" rtlCol="0">
             <a:spAutoFit/>
           </a:bodyPr>
           <a:lstStyle/>
           <a:p>
             <a:r>
-              <a:rPr lang="en-GB" sz="2400" dirty="0"/>
-              <a:t>single back projection (one direction): </a:t>
-            </a:r>
-          </a:p>
-        </p:txBody>
-      </p:sp>
-      <p:sp>
-        <p:nvSpPr>
-          <p:cNvPr id="11" name="TextBox 10">
-            <a:extLst>
-              <a:ext uri="{FF2B5EF4-FFF2-40B4-BE49-F238E27FC236}">
-                <a16:creationId xmlns:a16="http://schemas.microsoft.com/office/drawing/2014/main" id="{FE9C40D1-9D4B-532F-7AC6-BE304484AFF9}"/>
-              </a:ext>
-            </a:extLst>
-          </p:cNvPr>
-          <p:cNvSpPr txBox="1"/>
+              <a:rPr lang="de-DE" sz="2200" dirty="0"/>
+              <a:t>band-limited </a:t>
+            </a:r>
+            <a:r>
+              <a:rPr lang="de-DE" sz="2200" dirty="0" err="1"/>
+              <a:t>ramp</a:t>
+            </a:r>
+            <a:r>
+              <a:rPr lang="de-DE" sz="2200" dirty="0"/>
+              <a:t> </a:t>
+            </a:r>
+            <a:r>
+              <a:rPr lang="de-DE" sz="2200" dirty="0" err="1"/>
+              <a:t>filter</a:t>
+            </a:r>
+            <a:r>
+              <a:rPr lang="de-DE" sz="2200" dirty="0"/>
+              <a:t> </a:t>
+            </a:r>
+            <a:r>
+              <a:rPr lang="de-DE" sz="2200" dirty="0" err="1"/>
+              <a:t>using</a:t>
+            </a:r>
+            <a:r>
+              <a:rPr lang="de-DE" sz="2200" dirty="0"/>
+              <a:t> a Hamming </a:t>
+            </a:r>
+            <a:r>
+              <a:rPr lang="de-DE" sz="2200" dirty="0" err="1"/>
+              <a:t>windowing</a:t>
+            </a:r>
+            <a:r>
+              <a:rPr lang="de-DE" sz="2200" dirty="0"/>
+              <a:t> </a:t>
+            </a:r>
+            <a:r>
+              <a:rPr lang="de-DE" sz="2200" dirty="0" err="1"/>
+              <a:t>function</a:t>
+            </a:r>
+            <a:r>
+              <a:rPr lang="de-DE" sz="2200" dirty="0"/>
+              <a:t>:</a:t>
+            </a:r>
+          </a:p>
+        </p:txBody>
+      </p:sp>
+      <p:pic>
+        <p:nvPicPr>
+          <p:cNvPr id="2050" name="Picture 2">
+            <a:extLst>
+              <a:ext uri="{FF2B5EF4-FFF2-40B4-BE49-F238E27FC236}">
+                <a16:creationId xmlns:a16="http://schemas.microsoft.com/office/drawing/2014/main" id="{2EABAE22-24F3-7EA7-BF15-AF2FA3261F88}"/>
+              </a:ext>
+            </a:extLst>
+          </p:cNvPr>
+          <p:cNvPicPr>
+            <a:picLocks noChangeAspect="1" noChangeArrowheads="1"/>
+          </p:cNvPicPr>
           <p:nvPr/>
-        </p:nvSpPr>
-        <p:spPr>
+        </p:nvPicPr>
+        <p:blipFill>
+          <a:blip r:embed="rId4">
+            <a:extLst>
+              <a:ext uri="{28A0092B-C50C-407E-A947-70E740481C1C}">
+                <a14:useLocalDpi xmlns:a14="http://schemas.microsoft.com/office/drawing/2010/main" val="0"/>
+              </a:ext>
+            </a:extLst>
+          </a:blip>
+          <a:srcRect/>
+          <a:stretch>
+            <a:fillRect/>
+          </a:stretch>
+        </p:blipFill>
+        <p:spPr bwMode="auto">
           <a:xfrm>
-            <a:off x="169334" y="5953909"/>
-            <a:ext cx="6688562" cy="461665"/>
+            <a:off x="363018" y="4839566"/>
+            <a:ext cx="3326266" cy="1528284"/>
           </a:xfrm>
           <a:prstGeom prst="rect">
             <a:avLst/>
           </a:prstGeom>
           <a:noFill/>
+          <a:ln>
+            <a:noFill/>
+          </a:ln>
+          <a:extLst>
+            <a:ext uri="{909E8E84-426E-40DD-AFC4-6F175D3DCCD1}">
+              <a14:hiddenFill xmlns:a14="http://schemas.microsoft.com/office/drawing/2010/main">
+                <a:solidFill>
+                  <a:srgbClr val="FFFFFF"/>
+                </a:solidFill>
+              </a14:hiddenFill>
+            </a:ext>
+            <a:ext uri="{91240B29-F687-4F45-9708-019B960494DF}">
+              <a14:hiddenLine xmlns:a14="http://schemas.microsoft.com/office/drawing/2010/main" w="9525">
+                <a:solidFill>
+                  <a:srgbClr val="000000"/>
+                </a:solidFill>
+                <a:miter lim="800000"/>
+                <a:headEnd/>
+                <a:tailEnd/>
+              </a14:hiddenLine>
+            </a:ext>
+          </a:extLst>
         </p:spPr>
-        <p:txBody>
-          <a:bodyPr wrap="none" rtlCol="0">
-            <a:spAutoFit/>
-          </a:bodyPr>
-          <a:lstStyle/>
-          <a:p>
-            <a:r>
-              <a:rPr lang="en-GB" sz="2400" dirty="0"/>
-              <a:t>final image by summing over all back projections:</a:t>
-            </a:r>
-          </a:p>
-        </p:txBody>
-      </p:sp>
+      </p:pic>
     </p:spTree>
     <p:extLst>
       <p:ext uri="{BB962C8B-B14F-4D97-AF65-F5344CB8AC3E}">
-        <p14:creationId xmlns:p14="http://schemas.microsoft.com/office/powerpoint/2010/main" val="3399933908"/>
+        <p14:creationId xmlns:p14="http://schemas.microsoft.com/office/powerpoint/2010/main" val="2480944488"/>
       </p:ext>
     </p:extLst>
   </p:cSld>
@@ -4127,10 +4178,10 @@
       </p:grpSpPr>
       <p:sp>
         <p:nvSpPr>
-          <p:cNvPr id="3" name="Title 2">
-            <a:extLst>
-              <a:ext uri="{FF2B5EF4-FFF2-40B4-BE49-F238E27FC236}">
-                <a16:creationId xmlns:a16="http://schemas.microsoft.com/office/drawing/2014/main" id="{87B6B167-C937-DE3F-9862-6386589D289A}"/>
+          <p:cNvPr id="5" name="Title 4">
+            <a:extLst>
+              <a:ext uri="{FF2B5EF4-FFF2-40B4-BE49-F238E27FC236}">
+                <a16:creationId xmlns:a16="http://schemas.microsoft.com/office/drawing/2014/main" id="{D51D3145-C3BF-2CBF-FA2B-2E7F57351E9B}"/>
               </a:ext>
             </a:extLst>
           </p:cNvPr>
@@ -4147,49 +4198,19 @@
           <a:lstStyle/>
           <a:p>
             <a:r>
-              <a:rPr lang="en-GB" dirty="0"/>
-              <a:t>Filtered Back Projection</a:t>
-            </a:r>
-          </a:p>
-        </p:txBody>
-      </p:sp>
-      <p:sp>
-        <p:nvSpPr>
-          <p:cNvPr id="4" name="Content Placeholder 3">
-            <a:extLst>
-              <a:ext uri="{FF2B5EF4-FFF2-40B4-BE49-F238E27FC236}">
-                <a16:creationId xmlns:a16="http://schemas.microsoft.com/office/drawing/2014/main" id="{4995145F-1A06-F40D-859D-559314C1F6BD}"/>
-              </a:ext>
-            </a:extLst>
-          </p:cNvPr>
-          <p:cNvSpPr>
-            <a:spLocks noGrp="1"/>
-          </p:cNvSpPr>
-          <p:nvPr>
-            <p:ph idx="1"/>
-          </p:nvPr>
-        </p:nvSpPr>
-        <p:spPr/>
-        <p:txBody>
-          <a:bodyPr/>
-          <a:lstStyle/>
-          <a:p>
-            <a:pPr marL="0" indent="0">
-              <a:buNone/>
-            </a:pPr>
-            <a:r>
-              <a:rPr lang="en-GB" dirty="0"/>
-              <a:t>to reduce blurring effect: filter projections before back projection</a:t>
-            </a:r>
-          </a:p>
-        </p:txBody>
-      </p:sp>
-      <p:sp>
-        <p:nvSpPr>
-          <p:cNvPr id="2" name="Slide Number Placeholder 1">
-            <a:extLst>
-              <a:ext uri="{FF2B5EF4-FFF2-40B4-BE49-F238E27FC236}">
-                <a16:creationId xmlns:a16="http://schemas.microsoft.com/office/drawing/2014/main" id="{6A19897C-A31E-BAB2-54E0-1D80A03D5E70}"/>
+              <a:rPr lang="de-DE" dirty="0"/>
+              <a:t>Fan-Beam Filtered Back Projection</a:t>
+            </a:r>
+            <a:endParaRPr lang="en-GB" dirty="0"/>
+          </a:p>
+        </p:txBody>
+      </p:sp>
+      <p:sp>
+        <p:nvSpPr>
+          <p:cNvPr id="4" name="Slide Number Placeholder 3">
+            <a:extLst>
+              <a:ext uri="{FF2B5EF4-FFF2-40B4-BE49-F238E27FC236}">
+                <a16:creationId xmlns:a16="http://schemas.microsoft.com/office/drawing/2014/main" id="{45277A8A-5C69-D677-C304-235DFB9856AA}"/>
               </a:ext>
             </a:extLst>
           </p:cNvPr>
@@ -4208,166 +4229,6 @@
             <a:fld id="{FD50B010-3F09-4BF2-AC9E-0082EFF861BF}" type="slidenum">
               <a:rPr lang="en-GB" smtClean="0"/>
               <a:t>11</a:t>
-            </a:fld>
-            <a:endParaRPr lang="en-GB"/>
-          </a:p>
-        </p:txBody>
-      </p:sp>
-      <p:pic>
-        <p:nvPicPr>
-          <p:cNvPr id="6" name="Picture 5" descr="A white letter on a black background&#10;&#10;AI-generated content may be incorrect.">
-            <a:extLst>
-              <a:ext uri="{FF2B5EF4-FFF2-40B4-BE49-F238E27FC236}">
-                <a16:creationId xmlns:a16="http://schemas.microsoft.com/office/drawing/2014/main" id="{980D8F14-A022-9070-9F66-A627A7BFE014}"/>
-              </a:ext>
-            </a:extLst>
-          </p:cNvPr>
-          <p:cNvPicPr>
-            <a:picLocks noChangeAspect="1"/>
-          </p:cNvPicPr>
-          <p:nvPr/>
-        </p:nvPicPr>
-        <p:blipFill>
-          <a:blip r:embed="rId2">
-            <a:extLst>
-              <a:ext uri="{28A0092B-C50C-407E-A947-70E740481C1C}">
-                <a14:useLocalDpi xmlns:a14="http://schemas.microsoft.com/office/drawing/2010/main" val="0"/>
-              </a:ext>
-            </a:extLst>
-          </a:blip>
-          <a:stretch>
-            <a:fillRect/>
-          </a:stretch>
-        </p:blipFill>
-        <p:spPr>
-          <a:xfrm>
-            <a:off x="4039967" y="2716182"/>
-            <a:ext cx="3636884" cy="3651668"/>
-          </a:xfrm>
-          <a:prstGeom prst="rect">
-            <a:avLst/>
-          </a:prstGeom>
-        </p:spPr>
-      </p:pic>
-      <p:pic>
-        <p:nvPicPr>
-          <p:cNvPr id="8" name="Picture 7" descr="A close-up of a grey oval&#10;&#10;AI-generated content may be incorrect.">
-            <a:extLst>
-              <a:ext uri="{FF2B5EF4-FFF2-40B4-BE49-F238E27FC236}">
-                <a16:creationId xmlns:a16="http://schemas.microsoft.com/office/drawing/2014/main" id="{55552A9A-7CAB-1268-B02E-99A8622D1B8C}"/>
-              </a:ext>
-            </a:extLst>
-          </p:cNvPr>
-          <p:cNvPicPr>
-            <a:picLocks noChangeAspect="1"/>
-          </p:cNvPicPr>
-          <p:nvPr/>
-        </p:nvPicPr>
-        <p:blipFill>
-          <a:blip r:embed="rId3">
-            <a:extLst>
-              <a:ext uri="{28A0092B-C50C-407E-A947-70E740481C1C}">
-                <a14:useLocalDpi xmlns:a14="http://schemas.microsoft.com/office/drawing/2010/main" val="0"/>
-              </a:ext>
-            </a:extLst>
-          </a:blip>
-          <a:stretch>
-            <a:fillRect/>
-          </a:stretch>
-        </p:blipFill>
-        <p:spPr>
-          <a:xfrm>
-            <a:off x="7747001" y="2744617"/>
-            <a:ext cx="3606800" cy="3611733"/>
-          </a:xfrm>
-          <a:prstGeom prst="rect">
-            <a:avLst/>
-          </a:prstGeom>
-        </p:spPr>
-      </p:pic>
-    </p:spTree>
-    <p:extLst>
-      <p:ext uri="{BB962C8B-B14F-4D97-AF65-F5344CB8AC3E}">
-        <p14:creationId xmlns:p14="http://schemas.microsoft.com/office/powerpoint/2010/main" val="2480944488"/>
-      </p:ext>
-    </p:extLst>
-  </p:cSld>
-  <p:clrMapOvr>
-    <a:masterClrMapping/>
-  </p:clrMapOvr>
-</p:sld>
-</file>
-
-<file path=ppt/slides/slide12.xml><?xml version="1.0" encoding="utf-8"?>
-<p:sld xmlns:a="http://schemas.openxmlformats.org/drawingml/2006/main" xmlns:r="http://schemas.openxmlformats.org/officeDocument/2006/relationships" xmlns:p="http://schemas.openxmlformats.org/presentationml/2006/main">
-  <p:cSld>
-    <p:spTree>
-      <p:nvGrpSpPr>
-        <p:cNvPr id="1" name=""/>
-        <p:cNvGrpSpPr/>
-        <p:nvPr/>
-      </p:nvGrpSpPr>
-      <p:grpSpPr>
-        <a:xfrm>
-          <a:off x="0" y="0"/>
-          <a:ext cx="0" cy="0"/>
-          <a:chOff x="0" y="0"/>
-          <a:chExt cx="0" cy="0"/>
-        </a:xfrm>
-      </p:grpSpPr>
-      <p:sp>
-        <p:nvSpPr>
-          <p:cNvPr id="5" name="Title 4">
-            <a:extLst>
-              <a:ext uri="{FF2B5EF4-FFF2-40B4-BE49-F238E27FC236}">
-                <a16:creationId xmlns:a16="http://schemas.microsoft.com/office/drawing/2014/main" id="{D51D3145-C3BF-2CBF-FA2B-2E7F57351E9B}"/>
-              </a:ext>
-            </a:extLst>
-          </p:cNvPr>
-          <p:cNvSpPr>
-            <a:spLocks noGrp="1"/>
-          </p:cNvSpPr>
-          <p:nvPr>
-            <p:ph type="title"/>
-          </p:nvPr>
-        </p:nvSpPr>
-        <p:spPr/>
-        <p:txBody>
-          <a:bodyPr/>
-          <a:lstStyle/>
-          <a:p>
-            <a:r>
-              <a:rPr lang="de-DE" dirty="0"/>
-              <a:t>Fan-Beam Filtered Back Projection</a:t>
-            </a:r>
-            <a:endParaRPr lang="en-GB" dirty="0"/>
-          </a:p>
-        </p:txBody>
-      </p:sp>
-      <p:sp>
-        <p:nvSpPr>
-          <p:cNvPr id="4" name="Slide Number Placeholder 3">
-            <a:extLst>
-              <a:ext uri="{FF2B5EF4-FFF2-40B4-BE49-F238E27FC236}">
-                <a16:creationId xmlns:a16="http://schemas.microsoft.com/office/drawing/2014/main" id="{45277A8A-5C69-D677-C304-235DFB9856AA}"/>
-              </a:ext>
-            </a:extLst>
-          </p:cNvPr>
-          <p:cNvSpPr>
-            <a:spLocks noGrp="1"/>
-          </p:cNvSpPr>
-          <p:nvPr>
-            <p:ph type="sldNum" sz="quarter" idx="12"/>
-          </p:nvPr>
-        </p:nvSpPr>
-        <p:spPr/>
-        <p:txBody>
-          <a:bodyPr/>
-          <a:lstStyle/>
-          <a:p>
-            <a:fld id="{FD50B010-3F09-4BF2-AC9E-0082EFF861BF}" type="slidenum">
-              <a:rPr lang="en-GB" smtClean="0"/>
-              <a:t>12</a:t>
             </a:fld>
             <a:endParaRPr lang="en-GB"/>
           </a:p>
@@ -4654,6 +4515,427 @@
 </p:sld>
 </file>
 
+<file path=ppt/slides/slide12.xml><?xml version="1.0" encoding="utf-8"?>
+<p:sld xmlns:a="http://schemas.openxmlformats.org/drawingml/2006/main" xmlns:r="http://schemas.openxmlformats.org/officeDocument/2006/relationships" xmlns:p="http://schemas.openxmlformats.org/presentationml/2006/main">
+  <p:cSld>
+    <p:spTree>
+      <p:nvGrpSpPr>
+        <p:cNvPr id="1" name=""/>
+        <p:cNvGrpSpPr/>
+        <p:nvPr/>
+      </p:nvGrpSpPr>
+      <p:grpSpPr>
+        <a:xfrm>
+          <a:off x="0" y="0"/>
+          <a:ext cx="0" cy="0"/>
+          <a:chOff x="0" y="0"/>
+          <a:chExt cx="0" cy="0"/>
+        </a:xfrm>
+      </p:grpSpPr>
+      <p:sp>
+        <p:nvSpPr>
+          <p:cNvPr id="4" name="Title 3">
+            <a:extLst>
+              <a:ext uri="{FF2B5EF4-FFF2-40B4-BE49-F238E27FC236}">
+                <a16:creationId xmlns:a16="http://schemas.microsoft.com/office/drawing/2014/main" id="{A6C631AB-A004-8E71-EE7A-B41D67BBE850}"/>
+              </a:ext>
+            </a:extLst>
+          </p:cNvPr>
+          <p:cNvSpPr>
+            <a:spLocks noGrp="1"/>
+          </p:cNvSpPr>
+          <p:nvPr>
+            <p:ph type="title"/>
+          </p:nvPr>
+        </p:nvSpPr>
+        <p:spPr/>
+        <p:txBody>
+          <a:bodyPr/>
+          <a:lstStyle/>
+          <a:p>
+            <a:r>
+              <a:rPr lang="de-DE" dirty="0"/>
+              <a:t>Radiation Dose</a:t>
+            </a:r>
+            <a:endParaRPr lang="en-GB" dirty="0"/>
+          </a:p>
+        </p:txBody>
+      </p:sp>
+      <p:sp>
+        <p:nvSpPr>
+          <p:cNvPr id="5" name="Content Placeholder 4">
+            <a:extLst>
+              <a:ext uri="{FF2B5EF4-FFF2-40B4-BE49-F238E27FC236}">
+                <a16:creationId xmlns:a16="http://schemas.microsoft.com/office/drawing/2014/main" id="{745BF1FD-6226-E62E-43FA-D7D9D0CDF4DD}"/>
+              </a:ext>
+            </a:extLst>
+          </p:cNvPr>
+          <p:cNvSpPr>
+            <a:spLocks noGrp="1"/>
+          </p:cNvSpPr>
+          <p:nvPr>
+            <p:ph idx="1"/>
+          </p:nvPr>
+        </p:nvSpPr>
+        <p:spPr/>
+        <p:txBody>
+          <a:bodyPr/>
+          <a:lstStyle/>
+          <a:p>
+            <a:pPr marL="0" indent="0">
+              <a:buNone/>
+            </a:pPr>
+            <a:r>
+              <a:rPr lang="de-DE" b="1" dirty="0" err="1"/>
+              <a:t>need</a:t>
+            </a:r>
+            <a:r>
+              <a:rPr lang="de-DE" b="1" dirty="0"/>
+              <a:t> </a:t>
+            </a:r>
+            <a:r>
+              <a:rPr lang="de-DE" b="1" dirty="0" err="1"/>
+              <a:t>for</a:t>
+            </a:r>
+            <a:r>
+              <a:rPr lang="de-DE" b="1" dirty="0"/>
+              <a:t> </a:t>
+            </a:r>
+            <a:r>
+              <a:rPr lang="de-DE" b="1" dirty="0" err="1"/>
+              <a:t>low</a:t>
+            </a:r>
+            <a:r>
+              <a:rPr lang="de-DE" b="1" dirty="0"/>
+              <a:t>-dose </a:t>
+            </a:r>
+            <a:r>
+              <a:rPr lang="de-DE" b="1" dirty="0" err="1"/>
+              <a:t>method</a:t>
+            </a:r>
+            <a:endParaRPr lang="de-DE" b="1" dirty="0"/>
+          </a:p>
+          <a:p>
+            <a:pPr marL="0" indent="0">
+              <a:buNone/>
+            </a:pPr>
+            <a:endParaRPr lang="de-DE" dirty="0"/>
+          </a:p>
+          <a:p>
+            <a:pPr marL="0" indent="0">
+              <a:buNone/>
+            </a:pPr>
+            <a:r>
+              <a:rPr lang="de-DE" dirty="0" err="1"/>
+              <a:t>image</a:t>
+            </a:r>
+            <a:r>
+              <a:rPr lang="de-DE" dirty="0"/>
+              <a:t> </a:t>
+            </a:r>
+            <a:r>
+              <a:rPr lang="de-DE" dirty="0" err="1"/>
+              <a:t>quality</a:t>
+            </a:r>
+            <a:r>
+              <a:rPr lang="de-DE" dirty="0"/>
+              <a:t> </a:t>
+            </a:r>
+            <a:r>
+              <a:rPr lang="de-DE" dirty="0" err="1"/>
+              <a:t>of</a:t>
+            </a:r>
+            <a:r>
+              <a:rPr lang="de-DE" dirty="0"/>
+              <a:t> </a:t>
+            </a:r>
+            <a:r>
+              <a:rPr lang="de-DE" dirty="0" err="1"/>
+              <a:t>filtered</a:t>
+            </a:r>
+            <a:r>
+              <a:rPr lang="de-DE" dirty="0"/>
+              <a:t> back </a:t>
+            </a:r>
+            <a:r>
+              <a:rPr lang="de-DE" dirty="0" err="1"/>
+              <a:t>projection</a:t>
+            </a:r>
+            <a:r>
+              <a:rPr lang="de-DE" dirty="0"/>
+              <a:t> </a:t>
+            </a:r>
+            <a:r>
+              <a:rPr lang="de-DE" dirty="0" err="1"/>
+              <a:t>susceptible</a:t>
+            </a:r>
+            <a:r>
+              <a:rPr lang="de-DE" dirty="0"/>
+              <a:t> </a:t>
+            </a:r>
+            <a:r>
+              <a:rPr lang="de-DE" dirty="0" err="1"/>
+              <a:t>to</a:t>
+            </a:r>
+            <a:r>
+              <a:rPr lang="de-DE" dirty="0"/>
+              <a:t> </a:t>
+            </a:r>
+            <a:r>
+              <a:rPr lang="de-DE" dirty="0" err="1"/>
+              <a:t>noise</a:t>
+            </a:r>
+            <a:endParaRPr lang="de-DE" dirty="0"/>
+          </a:p>
+          <a:p>
+            <a:pPr marL="0" indent="0">
+              <a:buNone/>
+            </a:pPr>
+            <a:r>
+              <a:rPr lang="de-DE" dirty="0"/>
+              <a:t>but</a:t>
+            </a:r>
+            <a:r>
+              <a:rPr lang="de-DE" dirty="0">
+                <a:sym typeface="Wingdings" panose="05000000000000000000" pitchFamily="2" charset="2"/>
+              </a:rPr>
+              <a:t> large dose </a:t>
+            </a:r>
+            <a:r>
+              <a:rPr lang="de-DE" dirty="0" err="1">
+                <a:sym typeface="Wingdings" panose="05000000000000000000" pitchFamily="2" charset="2"/>
+              </a:rPr>
+              <a:t>increases</a:t>
+            </a:r>
+            <a:r>
+              <a:rPr lang="de-DE" dirty="0">
+                <a:sym typeface="Wingdings" panose="05000000000000000000" pitchFamily="2" charset="2"/>
+              </a:rPr>
+              <a:t> </a:t>
+            </a:r>
+            <a:r>
+              <a:rPr lang="de-DE" dirty="0" err="1">
+                <a:sym typeface="Wingdings" panose="05000000000000000000" pitchFamily="2" charset="2"/>
+              </a:rPr>
+              <a:t>needed</a:t>
+            </a:r>
+            <a:r>
+              <a:rPr lang="de-DE" dirty="0">
+                <a:sym typeface="Wingdings" panose="05000000000000000000" pitchFamily="2" charset="2"/>
+              </a:rPr>
+              <a:t> </a:t>
+            </a:r>
+            <a:r>
+              <a:rPr lang="de-DE" dirty="0" err="1">
+                <a:sym typeface="Wingdings" panose="05000000000000000000" pitchFamily="2" charset="2"/>
+              </a:rPr>
+              <a:t>to</a:t>
+            </a:r>
+            <a:r>
+              <a:rPr lang="de-DE" dirty="0">
+                <a:sym typeface="Wingdings" panose="05000000000000000000" pitchFamily="2" charset="2"/>
+              </a:rPr>
+              <a:t> </a:t>
+            </a:r>
+            <a:r>
+              <a:rPr lang="de-DE" dirty="0" err="1">
+                <a:sym typeface="Wingdings" panose="05000000000000000000" pitchFamily="2" charset="2"/>
+              </a:rPr>
+              <a:t>lower</a:t>
+            </a:r>
+            <a:r>
+              <a:rPr lang="de-DE" dirty="0">
+                <a:sym typeface="Wingdings" panose="05000000000000000000" pitchFamily="2" charset="2"/>
+              </a:rPr>
+              <a:t> </a:t>
+            </a:r>
+            <a:r>
+              <a:rPr lang="de-DE" dirty="0" err="1">
+                <a:sym typeface="Wingdings" panose="05000000000000000000" pitchFamily="2" charset="2"/>
+              </a:rPr>
+              <a:t>noise</a:t>
+            </a:r>
+            <a:r>
+              <a:rPr lang="de-DE" dirty="0">
+                <a:sym typeface="Wingdings" panose="05000000000000000000" pitchFamily="2" charset="2"/>
+              </a:rPr>
+              <a:t> (inverse </a:t>
+            </a:r>
+            <a:r>
+              <a:rPr lang="de-DE" dirty="0" err="1">
+                <a:sym typeface="Wingdings" panose="05000000000000000000" pitchFamily="2" charset="2"/>
+              </a:rPr>
+              <a:t>quadratic</a:t>
+            </a:r>
+            <a:r>
+              <a:rPr lang="de-DE" dirty="0">
+                <a:sym typeface="Wingdings" panose="05000000000000000000" pitchFamily="2" charset="2"/>
+              </a:rPr>
+              <a:t> </a:t>
+            </a:r>
+            <a:r>
+              <a:rPr lang="de-DE" dirty="0" err="1">
+                <a:sym typeface="Wingdings" panose="05000000000000000000" pitchFamily="2" charset="2"/>
+              </a:rPr>
+              <a:t>dependency</a:t>
+            </a:r>
+            <a:r>
+              <a:rPr lang="de-DE" dirty="0">
+                <a:sym typeface="Wingdings" panose="05000000000000000000" pitchFamily="2" charset="2"/>
+              </a:rPr>
+              <a:t>)</a:t>
+            </a:r>
+          </a:p>
+          <a:p>
+            <a:pPr marL="0" indent="0">
+              <a:buNone/>
+            </a:pPr>
+            <a:endParaRPr lang="de-DE" dirty="0">
+              <a:sym typeface="Wingdings" panose="05000000000000000000" pitchFamily="2" charset="2"/>
+            </a:endParaRPr>
+          </a:p>
+          <a:p>
+            <a:pPr marL="0" indent="0">
+              <a:buNone/>
+            </a:pPr>
+            <a:r>
+              <a:rPr lang="de-DE" dirty="0"/>
+              <a:t>iterative and model-</a:t>
+            </a:r>
+            <a:r>
+              <a:rPr lang="de-DE" dirty="0" err="1"/>
+              <a:t>based</a:t>
+            </a:r>
+            <a:r>
+              <a:rPr lang="de-DE" dirty="0"/>
+              <a:t> </a:t>
+            </a:r>
+            <a:r>
+              <a:rPr lang="de-DE" dirty="0" err="1"/>
+              <a:t>reconstruction</a:t>
+            </a:r>
+            <a:r>
+              <a:rPr lang="de-DE" dirty="0"/>
+              <a:t> </a:t>
+            </a:r>
+            <a:r>
+              <a:rPr lang="de-DE" dirty="0" err="1"/>
+              <a:t>can</a:t>
+            </a:r>
+            <a:r>
+              <a:rPr lang="de-DE" dirty="0"/>
+              <a:t> </a:t>
+            </a:r>
+            <a:r>
+              <a:rPr lang="de-DE" dirty="0" err="1"/>
+              <a:t>be</a:t>
+            </a:r>
+            <a:r>
+              <a:rPr lang="de-DE" dirty="0"/>
+              <a:t> </a:t>
+            </a:r>
+            <a:r>
+              <a:rPr lang="de-DE" dirty="0" err="1"/>
+              <a:t>used</a:t>
+            </a:r>
+            <a:r>
+              <a:rPr lang="de-DE" dirty="0"/>
+              <a:t> </a:t>
+            </a:r>
+            <a:r>
+              <a:rPr lang="de-DE" dirty="0" err="1"/>
+              <a:t>to</a:t>
+            </a:r>
+            <a:r>
+              <a:rPr lang="de-DE" dirty="0"/>
+              <a:t> </a:t>
+            </a:r>
+            <a:r>
+              <a:rPr lang="de-DE" dirty="0" err="1"/>
+              <a:t>reduce</a:t>
+            </a:r>
+            <a:r>
+              <a:rPr lang="de-DE" dirty="0"/>
+              <a:t> </a:t>
+            </a:r>
+            <a:r>
+              <a:rPr lang="de-DE" dirty="0" err="1"/>
+              <a:t>noise</a:t>
+            </a:r>
+            <a:r>
+              <a:rPr lang="de-DE" dirty="0"/>
+              <a:t> </a:t>
+            </a:r>
+            <a:r>
+              <a:rPr lang="de-DE" dirty="0" err="1"/>
+              <a:t>level</a:t>
+            </a:r>
+            <a:r>
+              <a:rPr lang="de-DE" dirty="0"/>
+              <a:t> (</a:t>
+            </a:r>
+            <a:r>
+              <a:rPr lang="de-DE" dirty="0" err="1"/>
+              <a:t>regularization</a:t>
+            </a:r>
+            <a:r>
+              <a:rPr lang="de-DE" dirty="0"/>
+              <a:t>)</a:t>
+            </a:r>
+          </a:p>
+          <a:p>
+            <a:pPr marL="0" indent="0">
+              <a:buNone/>
+            </a:pPr>
+            <a:r>
+              <a:rPr lang="en-GB" dirty="0"/>
+              <a:t>but worse performance at low doses</a:t>
+            </a:r>
+          </a:p>
+        </p:txBody>
+      </p:sp>
+      <p:sp>
+        <p:nvSpPr>
+          <p:cNvPr id="3" name="Slide Number Placeholder 2">
+            <a:extLst>
+              <a:ext uri="{FF2B5EF4-FFF2-40B4-BE49-F238E27FC236}">
+                <a16:creationId xmlns:a16="http://schemas.microsoft.com/office/drawing/2014/main" id="{B0E59EBC-2F4F-11EA-0915-ED4225FCAFD4}"/>
+              </a:ext>
+            </a:extLst>
+          </p:cNvPr>
+          <p:cNvSpPr>
+            <a:spLocks noGrp="1"/>
+          </p:cNvSpPr>
+          <p:nvPr>
+            <p:ph type="sldNum" sz="quarter" idx="12"/>
+          </p:nvPr>
+        </p:nvSpPr>
+        <p:spPr/>
+        <p:txBody>
+          <a:bodyPr/>
+          <a:lstStyle/>
+          <a:p>
+            <a:fld id="{FD50B010-3F09-4BF2-AC9E-0082EFF861BF}" type="slidenum">
+              <a:rPr lang="en-GB" smtClean="0"/>
+              <a:t>12</a:t>
+            </a:fld>
+            <a:endParaRPr lang="en-GB"/>
+          </a:p>
+        </p:txBody>
+      </p:sp>
+    </p:spTree>
+    <p:extLst>
+      <p:ext uri="{BB962C8B-B14F-4D97-AF65-F5344CB8AC3E}">
+        <p14:creationId xmlns:p14="http://schemas.microsoft.com/office/powerpoint/2010/main" val="2694550444"/>
+      </p:ext>
+    </p:extLst>
+  </p:cSld>
+  <p:clrMapOvr>
+    <a:masterClrMapping/>
+  </p:clrMapOvr>
+</p:sld>
+</file>
+
 <file path=ppt/slides/slide13.xml><?xml version="1.0" encoding="utf-8"?>
 <p:sld xmlns:a="http://schemas.openxmlformats.org/drawingml/2006/main" xmlns:r="http://schemas.openxmlformats.org/officeDocument/2006/relationships" xmlns:p="http://schemas.openxmlformats.org/presentationml/2006/main">
   <p:cSld>
@@ -4673,10 +4955,10 @@
       </p:grpSpPr>
       <p:sp>
         <p:nvSpPr>
-          <p:cNvPr id="4" name="Title 3">
-            <a:extLst>
-              <a:ext uri="{FF2B5EF4-FFF2-40B4-BE49-F238E27FC236}">
-                <a16:creationId xmlns:a16="http://schemas.microsoft.com/office/drawing/2014/main" id="{A6C631AB-A004-8E71-EE7A-B41D67BBE850}"/>
+          <p:cNvPr id="8" name="Titel 7">
+            <a:extLst>
+              <a:ext uri="{FF2B5EF4-FFF2-40B4-BE49-F238E27FC236}">
+                <a16:creationId xmlns:a16="http://schemas.microsoft.com/office/drawing/2014/main" id="{65B39D31-40C1-3C86-7728-B1BCCC1F0058}"/>
               </a:ext>
             </a:extLst>
           </p:cNvPr>
@@ -4693,19 +4975,19 @@
           <a:lstStyle/>
           <a:p>
             <a:r>
-              <a:rPr lang="de-DE" dirty="0"/>
-              <a:t>Issues with Filtered Back Projection</a:t>
-            </a:r>
-            <a:endParaRPr lang="en-GB" dirty="0"/>
-          </a:p>
-        </p:txBody>
-      </p:sp>
-      <p:sp>
-        <p:nvSpPr>
-          <p:cNvPr id="5" name="Content Placeholder 4">
-            <a:extLst>
-              <a:ext uri="{FF2B5EF4-FFF2-40B4-BE49-F238E27FC236}">
-                <a16:creationId xmlns:a16="http://schemas.microsoft.com/office/drawing/2014/main" id="{745BF1FD-6226-E62E-43FA-D7D9D0CDF4DD}"/>
+              <a:rPr lang="en-GB" dirty="0"/>
+              <a:t>Deep Learning Reconstruction</a:t>
+            </a:r>
+            <a:endParaRPr lang="de-DE" dirty="0"/>
+          </a:p>
+        </p:txBody>
+      </p:sp>
+      <p:sp>
+        <p:nvSpPr>
+          <p:cNvPr id="9" name="Inhaltsplatzhalter 8">
+            <a:extLst>
+              <a:ext uri="{FF2B5EF4-FFF2-40B4-BE49-F238E27FC236}">
+                <a16:creationId xmlns:a16="http://schemas.microsoft.com/office/drawing/2014/main" id="{FBDD5452-A6B0-2029-C8B9-081561597B6A}"/>
               </a:ext>
             </a:extLst>
           </p:cNvPr>
@@ -4716,7 +4998,12 @@
             <p:ph idx="1"/>
           </p:nvPr>
         </p:nvSpPr>
-        <p:spPr/>
+        <p:spPr>
+          <a:xfrm>
+            <a:off x="838200" y="1825625"/>
+            <a:ext cx="2730529" cy="4351338"/>
+          </a:xfrm>
+        </p:spPr>
         <p:txBody>
           <a:bodyPr/>
           <a:lstStyle/>
@@ -4725,19 +5012,43 @@
               <a:buNone/>
             </a:pPr>
             <a:r>
-              <a:rPr lang="de-DE" dirty="0"/>
-              <a:t>...</a:t>
-            </a:r>
-            <a:endParaRPr lang="en-GB" dirty="0"/>
-          </a:p>
-        </p:txBody>
-      </p:sp>
-      <p:sp>
-        <p:nvSpPr>
-          <p:cNvPr id="3" name="Slide Number Placeholder 2">
-            <a:extLst>
-              <a:ext uri="{FF2B5EF4-FFF2-40B4-BE49-F238E27FC236}">
-                <a16:creationId xmlns:a16="http://schemas.microsoft.com/office/drawing/2014/main" id="{B0E59EBC-2F4F-11EA-0915-ED4225FCAFD4}"/>
+              <a:rPr lang="en-GB" dirty="0">
+                <a:sym typeface="Wingdings" panose="05000000000000000000" pitchFamily="2" charset="2"/>
+              </a:rPr>
+              <a:t>idea: enhance noisy low-dose images to resemble high-dose ones</a:t>
+            </a:r>
+          </a:p>
+          <a:p>
+            <a:pPr marL="0" indent="0">
+              <a:buNone/>
+            </a:pPr>
+            <a:endParaRPr lang="en-GB" dirty="0">
+              <a:sym typeface="Wingdings" panose="05000000000000000000" pitchFamily="2" charset="2"/>
+            </a:endParaRPr>
+          </a:p>
+          <a:p>
+            <a:pPr marL="0" indent="0">
+              <a:buNone/>
+            </a:pPr>
+            <a:r>
+              <a:rPr lang="en-GB" dirty="0">
+                <a:sym typeface="Wingdings" panose="05000000000000000000" pitchFamily="2" charset="2"/>
+              </a:rPr>
+              <a:t> </a:t>
+            </a:r>
+            <a:r>
+              <a:rPr lang="en-GB" dirty="0"/>
+              <a:t>~30% lower radiation dose at same image quality</a:t>
+            </a:r>
+          </a:p>
+        </p:txBody>
+      </p:sp>
+      <p:sp>
+        <p:nvSpPr>
+          <p:cNvPr id="4" name="Foliennummernplatzhalter 3">
+            <a:extLst>
+              <a:ext uri="{FF2B5EF4-FFF2-40B4-BE49-F238E27FC236}">
+                <a16:creationId xmlns:a16="http://schemas.microsoft.com/office/drawing/2014/main" id="{13EC1AC5-F855-86B0-45D1-D3A899B2AC65}"/>
               </a:ext>
             </a:extLst>
           </p:cNvPr>
@@ -4761,10 +5072,78 @@
           </a:p>
         </p:txBody>
       </p:sp>
+      <p:pic>
+        <p:nvPicPr>
+          <p:cNvPr id="6" name="Grafik 5">
+            <a:extLst>
+              <a:ext uri="{FF2B5EF4-FFF2-40B4-BE49-F238E27FC236}">
+                <a16:creationId xmlns:a16="http://schemas.microsoft.com/office/drawing/2014/main" id="{0A1F3B00-FE2A-CB46-D8C6-ABFBC6425CB3}"/>
+              </a:ext>
+            </a:extLst>
+          </p:cNvPr>
+          <p:cNvPicPr>
+            <a:picLocks noChangeAspect="1"/>
+          </p:cNvPicPr>
+          <p:nvPr/>
+        </p:nvPicPr>
+        <p:blipFill>
+          <a:blip r:embed="rId2"/>
+          <a:stretch>
+            <a:fillRect/>
+          </a:stretch>
+        </p:blipFill>
+        <p:spPr>
+          <a:xfrm>
+            <a:off x="3568729" y="1698684"/>
+            <a:ext cx="8623271" cy="4717118"/>
+          </a:xfrm>
+          <a:prstGeom prst="rect">
+            <a:avLst/>
+          </a:prstGeom>
+        </p:spPr>
+      </p:pic>
+      <p:sp>
+        <p:nvSpPr>
+          <p:cNvPr id="7" name="TextBox 7">
+            <a:extLst>
+              <a:ext uri="{FF2B5EF4-FFF2-40B4-BE49-F238E27FC236}">
+                <a16:creationId xmlns:a16="http://schemas.microsoft.com/office/drawing/2014/main" id="{83023F2B-C04A-EC79-3DE7-181E5489DD59}"/>
+              </a:ext>
+            </a:extLst>
+          </p:cNvPr>
+          <p:cNvSpPr txBox="1"/>
+          <p:nvPr/>
+        </p:nvSpPr>
+        <p:spPr>
+          <a:xfrm>
+            <a:off x="9449682" y="6415802"/>
+            <a:ext cx="567784" cy="246221"/>
+          </a:xfrm>
+          <a:prstGeom prst="rect">
+            <a:avLst/>
+          </a:prstGeom>
+          <a:noFill/>
+        </p:spPr>
+        <p:txBody>
+          <a:bodyPr wrap="none" rtlCol="0">
+            <a:spAutoFit/>
+          </a:bodyPr>
+          <a:lstStyle/>
+          <a:p>
+            <a:r>
+              <a:rPr lang="de-DE" sz="1000" dirty="0">
+                <a:hlinkClick r:id="rId3"/>
+              </a:rPr>
+              <a:t>source</a:t>
+            </a:r>
+            <a:endParaRPr lang="de-DE" sz="1000" dirty="0"/>
+          </a:p>
+        </p:txBody>
+      </p:sp>
     </p:spTree>
     <p:extLst>
       <p:ext uri="{BB962C8B-B14F-4D97-AF65-F5344CB8AC3E}">
-        <p14:creationId xmlns:p14="http://schemas.microsoft.com/office/powerpoint/2010/main" val="2694550444"/>
+        <p14:creationId xmlns:p14="http://schemas.microsoft.com/office/powerpoint/2010/main" val="2096017129"/>
       </p:ext>
     </p:extLst>
   </p:cSld>
@@ -4791,12 +5170,59 @@
           <a:chExt cx="0" cy="0"/>
         </a:xfrm>
       </p:grpSpPr>
+      <p:pic>
+        <p:nvPicPr>
+          <p:cNvPr id="1026" name="Picture 2" descr="Illustration Showing Magnetic Resonance Imaging Machine Stock Vector ...">
+            <a:extLst>
+              <a:ext uri="{FF2B5EF4-FFF2-40B4-BE49-F238E27FC236}">
+                <a16:creationId xmlns:a16="http://schemas.microsoft.com/office/drawing/2014/main" id="{D6A33450-C1C6-57DB-D801-34899A0F8905}"/>
+              </a:ext>
+            </a:extLst>
+          </p:cNvPr>
+          <p:cNvPicPr>
+            <a:picLocks noChangeAspect="1" noChangeArrowheads="1"/>
+          </p:cNvPicPr>
+          <p:nvPr/>
+        </p:nvPicPr>
+        <p:blipFill>
+          <a:blip r:embed="rId2">
+            <a:extLst>
+              <a:ext uri="{28A0092B-C50C-407E-A947-70E740481C1C}">
+                <a14:useLocalDpi xmlns:a14="http://schemas.microsoft.com/office/drawing/2010/main" val="0"/>
+              </a:ext>
+            </a:extLst>
+          </a:blip>
+          <a:srcRect/>
+          <a:stretch>
+            <a:fillRect/>
+          </a:stretch>
+        </p:blipFill>
+        <p:spPr bwMode="auto">
+          <a:xfrm>
+            <a:off x="7794170" y="3779520"/>
+            <a:ext cx="4397829" cy="3078480"/>
+          </a:xfrm>
+          <a:prstGeom prst="rect">
+            <a:avLst/>
+          </a:prstGeom>
+          <a:noFill/>
+          <a:extLst>
+            <a:ext uri="{909E8E84-426E-40DD-AFC4-6F175D3DCCD1}">
+              <a14:hiddenFill xmlns:a14="http://schemas.microsoft.com/office/drawing/2010/main">
+                <a:solidFill>
+                  <a:srgbClr val="FFFFFF"/>
+                </a:solidFill>
+              </a14:hiddenFill>
+            </a:ext>
+          </a:extLst>
+        </p:spPr>
+      </p:pic>
       <p:sp>
         <p:nvSpPr>
           <p:cNvPr id="2" name="Title 1">
             <a:extLst>
               <a:ext uri="{FF2B5EF4-FFF2-40B4-BE49-F238E27FC236}">
-                <a16:creationId xmlns:a16="http://schemas.microsoft.com/office/drawing/2014/main" id="{87C7E277-8DDC-329E-74A1-1A83976BE5D0}"/>
+                <a16:creationId xmlns:a16="http://schemas.microsoft.com/office/drawing/2014/main" id="{207A4989-6272-0FB5-7D67-C95DA1F42F07}"/>
               </a:ext>
             </a:extLst>
           </p:cNvPr>
@@ -4813,51 +5239,256 @@
           <a:lstStyle/>
           <a:p>
             <a:r>
+              <a:rPr lang="en-GB" dirty="0"/>
+              <a:t>Magnetic Resonance Imaging (MRI)</a:t>
+            </a:r>
+          </a:p>
+        </p:txBody>
+      </p:sp>
+      <p:sp>
+        <p:nvSpPr>
+          <p:cNvPr id="3" name="Content Placeholder 2">
+            <a:extLst>
+              <a:ext uri="{FF2B5EF4-FFF2-40B4-BE49-F238E27FC236}">
+                <a16:creationId xmlns:a16="http://schemas.microsoft.com/office/drawing/2014/main" id="{4D246828-48DB-6F62-69F8-8E44DC14D112}"/>
+              </a:ext>
+            </a:extLst>
+          </p:cNvPr>
+          <p:cNvSpPr>
+            <a:spLocks noGrp="1"/>
+          </p:cNvSpPr>
+          <p:nvPr>
+            <p:ph idx="1"/>
+          </p:nvPr>
+        </p:nvSpPr>
+        <p:spPr>
+          <a:xfrm>
+            <a:off x="587830" y="1825625"/>
+            <a:ext cx="11136084" cy="4351338"/>
+          </a:xfrm>
+        </p:spPr>
+        <p:txBody>
+          <a:bodyPr>
+            <a:normAutofit/>
+          </a:bodyPr>
+          <a:lstStyle/>
+          <a:p>
+            <a:pPr marL="0" indent="0">
+              <a:buNone/>
+            </a:pPr>
+            <a:r>
               <a:rPr lang="de-DE" dirty="0"/>
-              <a:t>Iterative and Model-Based Reconstruction</a:t>
+              <a:t>MRI </a:t>
+            </a:r>
+            <a:r>
+              <a:rPr lang="de-DE" dirty="0" err="1"/>
+              <a:t>uses</a:t>
+            </a:r>
+            <a:r>
+              <a:rPr lang="de-DE" dirty="0"/>
+              <a:t> </a:t>
+            </a:r>
+            <a:r>
+              <a:rPr lang="de-DE" dirty="0" err="1"/>
+              <a:t>magnetic</a:t>
+            </a:r>
+            <a:r>
+              <a:rPr lang="de-DE" dirty="0"/>
+              <a:t> </a:t>
+            </a:r>
+            <a:r>
+              <a:rPr lang="de-DE" dirty="0" err="1"/>
+              <a:t>fields</a:t>
+            </a:r>
+            <a:r>
+              <a:rPr lang="de-DE" dirty="0"/>
+              <a:t> and </a:t>
+            </a:r>
+            <a:r>
+              <a:rPr lang="de-DE" dirty="0" err="1"/>
+              <a:t>radio</a:t>
+            </a:r>
+            <a:r>
+              <a:rPr lang="de-DE" dirty="0"/>
+              <a:t> </a:t>
+            </a:r>
+            <a:r>
+              <a:rPr lang="de-DE" dirty="0" err="1"/>
+              <a:t>waves</a:t>
+            </a:r>
+            <a:r>
+              <a:rPr lang="de-DE" dirty="0"/>
+              <a:t> (</a:t>
+            </a:r>
+            <a:r>
+              <a:rPr lang="de-DE" dirty="0" err="1"/>
+              <a:t>instead</a:t>
+            </a:r>
+            <a:r>
+              <a:rPr lang="de-DE" dirty="0"/>
+              <a:t> </a:t>
+            </a:r>
+            <a:r>
+              <a:rPr lang="de-DE" dirty="0" err="1"/>
+              <a:t>of</a:t>
+            </a:r>
+            <a:r>
+              <a:rPr lang="de-DE" dirty="0"/>
+              <a:t> X-</a:t>
+            </a:r>
+            <a:r>
+              <a:rPr lang="de-DE" dirty="0" err="1"/>
+              <a:t>rays</a:t>
+            </a:r>
+            <a:r>
+              <a:rPr lang="de-DE" dirty="0"/>
+              <a:t>), </a:t>
+            </a:r>
+            <a:r>
+              <a:rPr lang="de-DE" dirty="0" err="1"/>
+              <a:t>applying</a:t>
+            </a:r>
+            <a:r>
+              <a:rPr lang="de-DE" dirty="0"/>
+              <a:t> </a:t>
+            </a:r>
+            <a:r>
+              <a:rPr lang="de-DE" dirty="0" err="1"/>
+              <a:t>nuclear</a:t>
+            </a:r>
+            <a:r>
+              <a:rPr lang="de-DE" dirty="0"/>
+              <a:t> </a:t>
+            </a:r>
+            <a:r>
+              <a:rPr lang="de-DE" dirty="0" err="1"/>
+              <a:t>magnetic</a:t>
+            </a:r>
+            <a:r>
+              <a:rPr lang="de-DE" dirty="0"/>
+              <a:t> </a:t>
+            </a:r>
+            <a:r>
+              <a:rPr lang="de-DE" dirty="0" err="1"/>
+              <a:t>resonance</a:t>
+            </a:r>
+            <a:r>
+              <a:rPr lang="de-DE" dirty="0"/>
+              <a:t> </a:t>
+            </a:r>
+            <a:r>
+              <a:rPr lang="de-DE" dirty="0" err="1"/>
+              <a:t>of</a:t>
+            </a:r>
+            <a:r>
+              <a:rPr lang="de-DE" dirty="0"/>
+              <a:t> hydrogen </a:t>
+            </a:r>
+            <a:r>
+              <a:rPr lang="de-DE" dirty="0" err="1"/>
+              <a:t>nuclei</a:t>
+            </a:r>
+            <a:r>
+              <a:rPr lang="de-DE" dirty="0">
+                <a:sym typeface="Wingdings" panose="05000000000000000000" pitchFamily="2" charset="2"/>
+              </a:rPr>
+              <a:t>  </a:t>
+            </a:r>
+            <a:r>
+              <a:rPr lang="de-DE" dirty="0" err="1">
+                <a:sym typeface="Wingdings" panose="05000000000000000000" pitchFamily="2" charset="2"/>
+              </a:rPr>
+              <a:t>no</a:t>
+            </a:r>
+            <a:r>
+              <a:rPr lang="de-DE" dirty="0">
+                <a:sym typeface="Wingdings" panose="05000000000000000000" pitchFamily="2" charset="2"/>
+              </a:rPr>
+              <a:t> </a:t>
+            </a:r>
+            <a:r>
+              <a:rPr lang="de-DE" dirty="0" err="1">
+                <a:sym typeface="Wingdings" panose="05000000000000000000" pitchFamily="2" charset="2"/>
+              </a:rPr>
+              <a:t>ionizing</a:t>
+            </a:r>
+            <a:r>
+              <a:rPr lang="de-DE" dirty="0">
+                <a:sym typeface="Wingdings" panose="05000000000000000000" pitchFamily="2" charset="2"/>
+              </a:rPr>
+              <a:t> </a:t>
+            </a:r>
+            <a:r>
+              <a:rPr lang="de-DE" dirty="0" err="1">
+                <a:sym typeface="Wingdings" panose="05000000000000000000" pitchFamily="2" charset="2"/>
+              </a:rPr>
+              <a:t>radiation</a:t>
             </a:r>
             <a:endParaRPr lang="en-GB" dirty="0"/>
           </a:p>
-        </p:txBody>
-      </p:sp>
-      <p:sp>
-        <p:nvSpPr>
-          <p:cNvPr id="3" name="Content Placeholder 2">
-            <a:extLst>
-              <a:ext uri="{FF2B5EF4-FFF2-40B4-BE49-F238E27FC236}">
-                <a16:creationId xmlns:a16="http://schemas.microsoft.com/office/drawing/2014/main" id="{70A7C714-7D03-3079-F9CF-15CC5160202A}"/>
-              </a:ext>
-            </a:extLst>
-          </p:cNvPr>
-          <p:cNvSpPr>
-            <a:spLocks noGrp="1"/>
-          </p:cNvSpPr>
-          <p:nvPr>
-            <p:ph idx="1"/>
-          </p:nvPr>
-        </p:nvSpPr>
-        <p:spPr/>
-        <p:txBody>
-          <a:bodyPr/>
-          <a:lstStyle/>
           <a:p>
             <a:pPr marL="0" indent="0">
               <a:buNone/>
             </a:pPr>
             <a:r>
-              <a:rPr lang="de-DE" dirty="0"/>
-              <a:t>...</a:t>
-            </a:r>
+              <a:rPr lang="en-GB" dirty="0"/>
+              <a:t>observed objects directly induce electrical signals (instead of X-ray absorption) </a:t>
+            </a:r>
+            <a:r>
+              <a:rPr lang="en-GB" dirty="0">
+                <a:sym typeface="Wingdings" panose="05000000000000000000" pitchFamily="2" charset="2"/>
+              </a:rPr>
+              <a:t> </a:t>
+            </a:r>
+            <a:r>
+              <a:rPr lang="en-GB" dirty="0"/>
+              <a:t>high resolutions possible</a:t>
+            </a:r>
+          </a:p>
+          <a:p>
+            <a:pPr marL="0" indent="0">
+              <a:buNone/>
+            </a:pPr>
+            <a:r>
+              <a:rPr lang="en-GB" dirty="0"/>
+              <a:t>drawback: long scan times</a:t>
+            </a:r>
+          </a:p>
+          <a:p>
+            <a:pPr marL="0" indent="0">
+              <a:buNone/>
+            </a:pPr>
             <a:endParaRPr lang="en-GB" dirty="0"/>
           </a:p>
-        </p:txBody>
-      </p:sp>
-      <p:sp>
-        <p:nvSpPr>
-          <p:cNvPr id="4" name="Slide Number Placeholder 3">
-            <a:extLst>
-              <a:ext uri="{FF2B5EF4-FFF2-40B4-BE49-F238E27FC236}">
-                <a16:creationId xmlns:a16="http://schemas.microsoft.com/office/drawing/2014/main" id="{22BC71FE-0A2F-02D4-AA97-ABC80C1D2D22}"/>
+          <a:p>
+            <a:pPr marL="0" indent="0">
+              <a:buNone/>
+            </a:pPr>
+            <a:r>
+              <a:rPr lang="en-GB" dirty="0"/>
+              <a:t>deep learning reconstruction also used for MRI</a:t>
+            </a:r>
+          </a:p>
+          <a:p>
+            <a:pPr marL="0" indent="0">
+              <a:buNone/>
+            </a:pPr>
+            <a:r>
+              <a:rPr lang="en-GB" dirty="0">
+                <a:sym typeface="Wingdings" panose="05000000000000000000" pitchFamily="2" charset="2"/>
+              </a:rPr>
+              <a:t> faster scans</a:t>
+            </a:r>
+            <a:endParaRPr lang="de-DE" dirty="0"/>
+          </a:p>
+        </p:txBody>
+      </p:sp>
+      <p:sp>
+        <p:nvSpPr>
+          <p:cNvPr id="4" name="Foliennummernplatzhalter 3">
+            <a:extLst>
+              <a:ext uri="{FF2B5EF4-FFF2-40B4-BE49-F238E27FC236}">
+                <a16:creationId xmlns:a16="http://schemas.microsoft.com/office/drawing/2014/main" id="{E5594492-77B2-23FE-5ECE-FEBF893E90AE}"/>
               </a:ext>
             </a:extLst>
           </p:cNvPr>
@@ -4884,162 +5515,7 @@
     </p:spTree>
     <p:extLst>
       <p:ext uri="{BB962C8B-B14F-4D97-AF65-F5344CB8AC3E}">
-        <p14:creationId xmlns:p14="http://schemas.microsoft.com/office/powerpoint/2010/main" val="1671518964"/>
-      </p:ext>
-    </p:extLst>
-  </p:cSld>
-  <p:clrMapOvr>
-    <a:masterClrMapping/>
-  </p:clrMapOvr>
-</p:sld>
-</file>
-
-<file path=ppt/slides/slide15.xml><?xml version="1.0" encoding="utf-8"?>
-<p:sld xmlns:a="http://schemas.openxmlformats.org/drawingml/2006/main" xmlns:r="http://schemas.openxmlformats.org/officeDocument/2006/relationships" xmlns:p="http://schemas.openxmlformats.org/presentationml/2006/main">
-  <p:cSld>
-    <p:spTree>
-      <p:nvGrpSpPr>
-        <p:cNvPr id="1" name=""/>
-        <p:cNvGrpSpPr/>
-        <p:nvPr/>
-      </p:nvGrpSpPr>
-      <p:grpSpPr>
-        <a:xfrm>
-          <a:off x="0" y="0"/>
-          <a:ext cx="0" cy="0"/>
-          <a:chOff x="0" y="0"/>
-          <a:chExt cx="0" cy="0"/>
-        </a:xfrm>
-      </p:grpSpPr>
-      <p:sp>
-        <p:nvSpPr>
-          <p:cNvPr id="2" name="Title 1">
-            <a:extLst>
-              <a:ext uri="{FF2B5EF4-FFF2-40B4-BE49-F238E27FC236}">
-                <a16:creationId xmlns:a16="http://schemas.microsoft.com/office/drawing/2014/main" id="{C38BEB66-97BA-F250-6278-7C0BF1CCC30C}"/>
-              </a:ext>
-            </a:extLst>
-          </p:cNvPr>
-          <p:cNvSpPr>
-            <a:spLocks noGrp="1"/>
-          </p:cNvSpPr>
-          <p:nvPr>
-            <p:ph type="title"/>
-          </p:nvPr>
-        </p:nvSpPr>
-        <p:spPr/>
-        <p:txBody>
-          <a:bodyPr/>
-          <a:lstStyle/>
-          <a:p>
-            <a:r>
-              <a:rPr lang="en-GB" dirty="0"/>
-              <a:t>Deep Learning Reconstruction</a:t>
-            </a:r>
-          </a:p>
-        </p:txBody>
-      </p:sp>
-      <p:sp>
-        <p:nvSpPr>
-          <p:cNvPr id="3" name="Content Placeholder 2">
-            <a:extLst>
-              <a:ext uri="{FF2B5EF4-FFF2-40B4-BE49-F238E27FC236}">
-                <a16:creationId xmlns:a16="http://schemas.microsoft.com/office/drawing/2014/main" id="{740F1F7C-C25F-9F5C-3C22-113C96D2F103}"/>
-              </a:ext>
-            </a:extLst>
-          </p:cNvPr>
-          <p:cNvSpPr>
-            <a:spLocks noGrp="1"/>
-          </p:cNvSpPr>
-          <p:nvPr>
-            <p:ph idx="1"/>
-          </p:nvPr>
-        </p:nvSpPr>
-        <p:spPr/>
-        <p:txBody>
-          <a:bodyPr/>
-          <a:lstStyle/>
-          <a:p>
-            <a:pPr marL="0" indent="0">
-              <a:buNone/>
-            </a:pPr>
-            <a:r>
-              <a:rPr lang="en-GB" dirty="0"/>
-              <a:t>…</a:t>
-            </a:r>
-          </a:p>
-          <a:p>
-            <a:pPr marL="0" indent="0">
-              <a:buNone/>
-            </a:pPr>
-            <a:endParaRPr lang="en-GB" dirty="0"/>
-          </a:p>
-          <a:p>
-            <a:pPr marL="0" indent="0">
-              <a:buNone/>
-            </a:pPr>
-            <a:r>
-              <a:rPr lang="en-GB" dirty="0"/>
-              <a:t>~30% lower radiation dose at same image quality</a:t>
-            </a:r>
-          </a:p>
-          <a:p>
-            <a:pPr marL="0" indent="0">
-              <a:buNone/>
-            </a:pPr>
-            <a:endParaRPr lang="en-GB" dirty="0"/>
-          </a:p>
-          <a:p>
-            <a:pPr marL="0" indent="0">
-              <a:buNone/>
-            </a:pPr>
-            <a:r>
-              <a:rPr lang="en-GB" dirty="0"/>
-              <a:t>also for MRI </a:t>
-            </a:r>
-            <a:r>
-              <a:rPr lang="en-GB" dirty="0">
-                <a:sym typeface="Wingdings" panose="05000000000000000000" pitchFamily="2" charset="2"/>
-              </a:rPr>
-              <a:t> faster acquisition</a:t>
-            </a:r>
-            <a:endParaRPr lang="en-GB" sz="2800" dirty="0"/>
-          </a:p>
-        </p:txBody>
-      </p:sp>
-      <p:sp>
-        <p:nvSpPr>
-          <p:cNvPr id="4" name="Slide Number Placeholder 3">
-            <a:extLst>
-              <a:ext uri="{FF2B5EF4-FFF2-40B4-BE49-F238E27FC236}">
-                <a16:creationId xmlns:a16="http://schemas.microsoft.com/office/drawing/2014/main" id="{A119185B-C20E-C6A2-5892-06A799EE4EB4}"/>
-              </a:ext>
-            </a:extLst>
-          </p:cNvPr>
-          <p:cNvSpPr>
-            <a:spLocks noGrp="1"/>
-          </p:cNvSpPr>
-          <p:nvPr>
-            <p:ph type="sldNum" sz="quarter" idx="12"/>
-          </p:nvPr>
-        </p:nvSpPr>
-        <p:spPr/>
-        <p:txBody>
-          <a:bodyPr/>
-          <a:lstStyle/>
-          <a:p>
-            <a:fld id="{FD50B010-3F09-4BF2-AC9E-0082EFF861BF}" type="slidenum">
-              <a:rPr lang="en-GB" smtClean="0"/>
-              <a:t>15</a:t>
-            </a:fld>
-            <a:endParaRPr lang="en-GB"/>
-          </a:p>
-        </p:txBody>
-      </p:sp>
-    </p:spTree>
-    <p:extLst>
-      <p:ext uri="{BB962C8B-B14F-4D97-AF65-F5344CB8AC3E}">
-        <p14:creationId xmlns:p14="http://schemas.microsoft.com/office/powerpoint/2010/main" val="4288632683"/>
+        <p14:creationId xmlns:p14="http://schemas.microsoft.com/office/powerpoint/2010/main" val="3766084937"/>
       </p:ext>
     </p:extLst>
   </p:cSld>
@@ -6253,125 +6729,6 @@
           <a:chExt cx="0" cy="0"/>
         </a:xfrm>
       </p:grpSpPr>
-      <p:sp>
-        <p:nvSpPr>
-          <p:cNvPr id="2" name="Title 1">
-            <a:extLst>
-              <a:ext uri="{FF2B5EF4-FFF2-40B4-BE49-F238E27FC236}">
-                <a16:creationId xmlns:a16="http://schemas.microsoft.com/office/drawing/2014/main" id="{207A4989-6272-0FB5-7D67-C95DA1F42F07}"/>
-              </a:ext>
-            </a:extLst>
-          </p:cNvPr>
-          <p:cNvSpPr>
-            <a:spLocks noGrp="1"/>
-          </p:cNvSpPr>
-          <p:nvPr>
-            <p:ph type="title"/>
-          </p:nvPr>
-        </p:nvSpPr>
-        <p:spPr/>
-        <p:txBody>
-          <a:bodyPr/>
-          <a:lstStyle/>
-          <a:p>
-            <a:r>
-              <a:rPr lang="en-GB" dirty="0"/>
-              <a:t>Magnetic Resonance Imaging (MRI)</a:t>
-            </a:r>
-          </a:p>
-        </p:txBody>
-      </p:sp>
-      <p:sp>
-        <p:nvSpPr>
-          <p:cNvPr id="3" name="Content Placeholder 2">
-            <a:extLst>
-              <a:ext uri="{FF2B5EF4-FFF2-40B4-BE49-F238E27FC236}">
-                <a16:creationId xmlns:a16="http://schemas.microsoft.com/office/drawing/2014/main" id="{4D246828-48DB-6F62-69F8-8E44DC14D112}"/>
-              </a:ext>
-            </a:extLst>
-          </p:cNvPr>
-          <p:cNvSpPr>
-            <a:spLocks noGrp="1"/>
-          </p:cNvSpPr>
-          <p:nvPr>
-            <p:ph idx="1"/>
-          </p:nvPr>
-        </p:nvSpPr>
-        <p:spPr/>
-        <p:txBody>
-          <a:bodyPr/>
-          <a:lstStyle/>
-          <a:p>
-            <a:pPr marL="0" indent="0">
-              <a:buNone/>
-            </a:pPr>
-            <a:r>
-              <a:rPr lang="de-DE" dirty="0"/>
-              <a:t>not only applicable for X-rays ...</a:t>
-            </a:r>
-            <a:endParaRPr lang="en-GB" dirty="0"/>
-          </a:p>
-        </p:txBody>
-      </p:sp>
-      <p:sp>
-        <p:nvSpPr>
-          <p:cNvPr id="4" name="Foliennummernplatzhalter 3">
-            <a:extLst>
-              <a:ext uri="{FF2B5EF4-FFF2-40B4-BE49-F238E27FC236}">
-                <a16:creationId xmlns:a16="http://schemas.microsoft.com/office/drawing/2014/main" id="{E5594492-77B2-23FE-5ECE-FEBF893E90AE}"/>
-              </a:ext>
-            </a:extLst>
-          </p:cNvPr>
-          <p:cNvSpPr>
-            <a:spLocks noGrp="1"/>
-          </p:cNvSpPr>
-          <p:nvPr>
-            <p:ph type="sldNum" sz="quarter" idx="12"/>
-          </p:nvPr>
-        </p:nvSpPr>
-        <p:spPr/>
-        <p:txBody>
-          <a:bodyPr/>
-          <a:lstStyle/>
-          <a:p>
-            <a:fld id="{FD50B010-3F09-4BF2-AC9E-0082EFF861BF}" type="slidenum">
-              <a:rPr lang="en-GB" smtClean="0"/>
-              <a:t>7</a:t>
-            </a:fld>
-            <a:endParaRPr lang="en-GB"/>
-          </a:p>
-        </p:txBody>
-      </p:sp>
-    </p:spTree>
-    <p:extLst>
-      <p:ext uri="{BB962C8B-B14F-4D97-AF65-F5344CB8AC3E}">
-        <p14:creationId xmlns:p14="http://schemas.microsoft.com/office/powerpoint/2010/main" val="3766084937"/>
-      </p:ext>
-    </p:extLst>
-  </p:cSld>
-  <p:clrMapOvr>
-    <a:masterClrMapping/>
-  </p:clrMapOvr>
-</p:sld>
-</file>
-
-<file path=ppt/slides/slide8.xml><?xml version="1.0" encoding="utf-8"?>
-<p:sld xmlns:a="http://schemas.openxmlformats.org/drawingml/2006/main" xmlns:r="http://schemas.openxmlformats.org/officeDocument/2006/relationships" xmlns:p="http://schemas.openxmlformats.org/presentationml/2006/main">
-  <p:cSld>
-    <p:spTree>
-      <p:nvGrpSpPr>
-        <p:cNvPr id="1" name=""/>
-        <p:cNvGrpSpPr/>
-        <p:nvPr/>
-      </p:nvGrpSpPr>
-      <p:grpSpPr>
-        <a:xfrm>
-          <a:off x="0" y="0"/>
-          <a:ext cx="0" cy="0"/>
-          <a:chOff x="0" y="0"/>
-          <a:chExt cx="0" cy="0"/>
-        </a:xfrm>
-      </p:grpSpPr>
       <p:pic>
         <p:nvPicPr>
           <p:cNvPr id="7" name="Picture 6" descr="A diagram of a human brain&#10;&#10;AI-generated content may be incorrect.">
@@ -6490,7 +6847,7 @@
           <a:p>
             <a:fld id="{FD50B010-3F09-4BF2-AC9E-0082EFF861BF}" type="slidenum">
               <a:rPr lang="en-GB" smtClean="0"/>
-              <a:t>8</a:t>
+              <a:t>7</a:t>
             </a:fld>
             <a:endParaRPr lang="en-GB"/>
           </a:p>
@@ -6644,6 +7001,145 @@
     <p:extLst>
       <p:ext uri="{BB962C8B-B14F-4D97-AF65-F5344CB8AC3E}">
         <p14:creationId xmlns:p14="http://schemas.microsoft.com/office/powerpoint/2010/main" val="364670287"/>
+      </p:ext>
+    </p:extLst>
+  </p:cSld>
+  <p:clrMapOvr>
+    <a:masterClrMapping/>
+  </p:clrMapOvr>
+</p:sld>
+</file>
+
+<file path=ppt/slides/slide8.xml><?xml version="1.0" encoding="utf-8"?>
+<p:sld xmlns:a="http://schemas.openxmlformats.org/drawingml/2006/main" xmlns:r="http://schemas.openxmlformats.org/officeDocument/2006/relationships" xmlns:p="http://schemas.openxmlformats.org/presentationml/2006/main">
+  <p:cSld>
+    <p:spTree>
+      <p:nvGrpSpPr>
+        <p:cNvPr id="1" name=""/>
+        <p:cNvGrpSpPr/>
+        <p:nvPr/>
+      </p:nvGrpSpPr>
+      <p:grpSpPr>
+        <a:xfrm>
+          <a:off x="0" y="0"/>
+          <a:ext cx="0" cy="0"/>
+          <a:chOff x="0" y="0"/>
+          <a:chExt cx="0" cy="0"/>
+        </a:xfrm>
+      </p:grpSpPr>
+      <p:sp>
+        <p:nvSpPr>
+          <p:cNvPr id="2" name="Slide Number Placeholder 1">
+            <a:extLst>
+              <a:ext uri="{FF2B5EF4-FFF2-40B4-BE49-F238E27FC236}">
+                <a16:creationId xmlns:a16="http://schemas.microsoft.com/office/drawing/2014/main" id="{F420AFD4-CAF4-9E99-9B70-39D0CB03FA2B}"/>
+              </a:ext>
+            </a:extLst>
+          </p:cNvPr>
+          <p:cNvSpPr>
+            <a:spLocks noGrp="1"/>
+          </p:cNvSpPr>
+          <p:nvPr>
+            <p:ph type="sldNum" sz="quarter" idx="12"/>
+          </p:nvPr>
+        </p:nvSpPr>
+        <p:spPr/>
+        <p:txBody>
+          <a:bodyPr/>
+          <a:lstStyle/>
+          <a:p>
+            <a:fld id="{FD50B010-3F09-4BF2-AC9E-0082EFF861BF}" type="slidenum">
+              <a:rPr lang="en-GB" smtClean="0"/>
+              <a:t>8</a:t>
+            </a:fld>
+            <a:endParaRPr lang="en-GB"/>
+          </a:p>
+        </p:txBody>
+      </p:sp>
+      <p:pic>
+        <p:nvPicPr>
+          <p:cNvPr id="4" name="Picture 3" descr="A collage of images of smoke&#10;&#10;AI-generated content may be incorrect.">
+            <a:extLst>
+              <a:ext uri="{FF2B5EF4-FFF2-40B4-BE49-F238E27FC236}">
+                <a16:creationId xmlns:a16="http://schemas.microsoft.com/office/drawing/2014/main" id="{9C9AE153-5395-60FB-9F52-0553E8066130}"/>
+              </a:ext>
+            </a:extLst>
+          </p:cNvPr>
+          <p:cNvPicPr>
+            <a:picLocks noChangeAspect="1"/>
+          </p:cNvPicPr>
+          <p:nvPr/>
+        </p:nvPicPr>
+        <p:blipFill>
+          <a:blip r:embed="rId2">
+            <a:extLst>
+              <a:ext uri="{28A0092B-C50C-407E-A947-70E740481C1C}">
+                <a14:useLocalDpi xmlns:a14="http://schemas.microsoft.com/office/drawing/2010/main" val="0"/>
+              </a:ext>
+            </a:extLst>
+          </a:blip>
+          <a:stretch>
+            <a:fillRect/>
+          </a:stretch>
+        </p:blipFill>
+        <p:spPr>
+          <a:xfrm>
+            <a:off x="1820520" y="536959"/>
+            <a:ext cx="7628281" cy="5784081"/>
+          </a:xfrm>
+          <a:prstGeom prst="rect">
+            <a:avLst/>
+          </a:prstGeom>
+        </p:spPr>
+      </p:pic>
+      <p:sp>
+        <p:nvSpPr>
+          <p:cNvPr id="5" name="TextBox 4">
+            <a:extLst>
+              <a:ext uri="{FF2B5EF4-FFF2-40B4-BE49-F238E27FC236}">
+                <a16:creationId xmlns:a16="http://schemas.microsoft.com/office/drawing/2014/main" id="{9EF64C3A-E51F-FD99-0C94-163AED714BB4}"/>
+              </a:ext>
+            </a:extLst>
+          </p:cNvPr>
+          <p:cNvSpPr txBox="1"/>
+          <p:nvPr/>
+        </p:nvSpPr>
+        <p:spPr>
+          <a:xfrm>
+            <a:off x="9448801" y="1497875"/>
+            <a:ext cx="2743200" cy="1384995"/>
+          </a:xfrm>
+          <a:prstGeom prst="rect">
+            <a:avLst/>
+          </a:prstGeom>
+          <a:noFill/>
+        </p:spPr>
+        <p:txBody>
+          <a:bodyPr wrap="square" rtlCol="0">
+            <a:spAutoFit/>
+          </a:bodyPr>
+          <a:lstStyle/>
+          <a:p>
+            <a:r>
+              <a:rPr lang="de-DE" sz="2200" dirty="0"/>
+              <a:t>sinogram:</a:t>
+            </a:r>
+          </a:p>
+          <a:p>
+            <a:r>
+              <a:rPr lang="de-DE" sz="2200" dirty="0"/>
+              <a:t>Radon transform displayed as image</a:t>
+            </a:r>
+          </a:p>
+          <a:p>
+            <a:endParaRPr lang="en-GB" dirty="0"/>
+          </a:p>
+        </p:txBody>
+      </p:sp>
+    </p:spTree>
+    <p:extLst>
+      <p:ext uri="{BB962C8B-B14F-4D97-AF65-F5344CB8AC3E}">
+        <p14:creationId xmlns:p14="http://schemas.microsoft.com/office/powerpoint/2010/main" val="2224163225"/>
       </p:ext>
     </p:extLst>
   </p:cSld>
@@ -6675,7 +7171,7 @@
           <p:cNvPr id="2" name="Slide Number Placeholder 1">
             <a:extLst>
               <a:ext uri="{FF2B5EF4-FFF2-40B4-BE49-F238E27FC236}">
-                <a16:creationId xmlns:a16="http://schemas.microsoft.com/office/drawing/2014/main" id="{F420AFD4-CAF4-9E99-9B70-39D0CB03FA2B}"/>
+                <a16:creationId xmlns:a16="http://schemas.microsoft.com/office/drawing/2014/main" id="{5B34009E-15EF-01B2-64BE-943933929872}"/>
               </a:ext>
             </a:extLst>
           </p:cNvPr>
@@ -6701,10 +7197,10 @@
       </p:sp>
       <p:pic>
         <p:nvPicPr>
-          <p:cNvPr id="4" name="Picture 3" descr="A collage of images of smoke&#10;&#10;AI-generated content may be incorrect.">
-            <a:extLst>
-              <a:ext uri="{FF2B5EF4-FFF2-40B4-BE49-F238E27FC236}">
-                <a16:creationId xmlns:a16="http://schemas.microsoft.com/office/drawing/2014/main" id="{9C9AE153-5395-60FB-9F52-0553E8066130}"/>
+          <p:cNvPr id="4" name="Picture 3" descr="A close-up of a light&#10;&#10;AI-generated content may be incorrect.">
+            <a:extLst>
+              <a:ext uri="{FF2B5EF4-FFF2-40B4-BE49-F238E27FC236}">
+                <a16:creationId xmlns:a16="http://schemas.microsoft.com/office/drawing/2014/main" id="{A69B264E-0180-98D3-3355-D6191DFDF3C1}"/>
               </a:ext>
             </a:extLst>
           </p:cNvPr>
@@ -6727,8 +7223,8 @@
         </p:blipFill>
         <p:spPr>
           <a:xfrm>
-            <a:off x="1820520" y="536959"/>
-            <a:ext cx="7628281" cy="5784081"/>
+            <a:off x="2278048" y="1025146"/>
+            <a:ext cx="7635902" cy="3825572"/>
           </a:xfrm>
           <a:prstGeom prst="rect">
             <a:avLst/>
@@ -6740,7 +7236,7 @@
           <p:cNvPr id="5" name="TextBox 4">
             <a:extLst>
               <a:ext uri="{FF2B5EF4-FFF2-40B4-BE49-F238E27FC236}">
-                <a16:creationId xmlns:a16="http://schemas.microsoft.com/office/drawing/2014/main" id="{9EF64C3A-E51F-FD99-0C94-163AED714BB4}"/>
+                <a16:creationId xmlns:a16="http://schemas.microsoft.com/office/drawing/2014/main" id="{A0C55B05-5FA0-2D99-C6A9-A8E6A847BBEB}"/>
               </a:ext>
             </a:extLst>
           </p:cNvPr>
@@ -6749,8 +7245,8 @@
         </p:nvSpPr>
         <p:spPr>
           <a:xfrm>
-            <a:off x="9448801" y="1497875"/>
-            <a:ext cx="2743200" cy="1384995"/>
+            <a:off x="3766964" y="451383"/>
+            <a:ext cx="4658070" cy="461665"/>
           </a:xfrm>
           <a:prstGeom prst="rect">
             <a:avLst/>
@@ -6758,31 +7254,165 @@
           <a:noFill/>
         </p:spPr>
         <p:txBody>
-          <a:bodyPr wrap="square" rtlCol="0">
+          <a:bodyPr wrap="none" rtlCol="0">
             <a:spAutoFit/>
           </a:bodyPr>
           <a:lstStyle/>
           <a:p>
             <a:r>
-              <a:rPr lang="de-DE" sz="2200" dirty="0"/>
-              <a:t>sinogram:</a:t>
-            </a:r>
-          </a:p>
-          <a:p>
-            <a:r>
-              <a:rPr lang="de-DE" sz="2200" dirty="0"/>
-              <a:t>Radon transform displayed as image</a:t>
-            </a:r>
-          </a:p>
-          <a:p>
-            <a:endParaRPr lang="en-GB" dirty="0"/>
+              <a:rPr lang="de-DE" sz="2400" dirty="0"/>
+              <a:t>back projections of the sinograms</a:t>
+            </a:r>
+            <a:endParaRPr lang="en-GB" sz="2400" dirty="0"/>
+          </a:p>
+        </p:txBody>
+      </p:sp>
+      <p:pic>
+        <p:nvPicPr>
+          <p:cNvPr id="7" name="Picture 6">
+            <a:extLst>
+              <a:ext uri="{FF2B5EF4-FFF2-40B4-BE49-F238E27FC236}">
+                <a16:creationId xmlns:a16="http://schemas.microsoft.com/office/drawing/2014/main" id="{4DC6BF76-93C8-270C-09AC-EB67A10A2B06}"/>
+              </a:ext>
+            </a:extLst>
+          </p:cNvPr>
+          <p:cNvPicPr>
+            <a:picLocks noChangeAspect="1"/>
+          </p:cNvPicPr>
+          <p:nvPr/>
+        </p:nvPicPr>
+        <p:blipFill>
+          <a:blip r:embed="rId3">
+            <a:extLst>
+              <a:ext uri="{28A0092B-C50C-407E-A947-70E740481C1C}">
+                <a14:useLocalDpi xmlns:a14="http://schemas.microsoft.com/office/drawing/2010/main" val="0"/>
+              </a:ext>
+            </a:extLst>
+          </a:blip>
+          <a:stretch>
+            <a:fillRect/>
+          </a:stretch>
+        </p:blipFill>
+        <p:spPr>
+          <a:xfrm>
+            <a:off x="5531188" y="5060438"/>
+            <a:ext cx="5200932" cy="635982"/>
+          </a:xfrm>
+          <a:prstGeom prst="rect">
+            <a:avLst/>
+          </a:prstGeom>
+        </p:spPr>
+      </p:pic>
+      <p:pic>
+        <p:nvPicPr>
+          <p:cNvPr id="9" name="Picture 8" descr="A mathematical equation with a number and equal sign&#10;&#10;AI-generated content may be incorrect.">
+            <a:extLst>
+              <a:ext uri="{FF2B5EF4-FFF2-40B4-BE49-F238E27FC236}">
+                <a16:creationId xmlns:a16="http://schemas.microsoft.com/office/drawing/2014/main" id="{683C0693-0BF6-2902-CC10-AD732293134C}"/>
+              </a:ext>
+            </a:extLst>
+          </p:cNvPr>
+          <p:cNvPicPr>
+            <a:picLocks noChangeAspect="1"/>
+          </p:cNvPicPr>
+          <p:nvPr/>
+        </p:nvPicPr>
+        <p:blipFill>
+          <a:blip r:embed="rId4">
+            <a:extLst>
+              <a:ext uri="{28A0092B-C50C-407E-A947-70E740481C1C}">
+                <a14:useLocalDpi xmlns:a14="http://schemas.microsoft.com/office/drawing/2010/main" val="0"/>
+              </a:ext>
+            </a:extLst>
+          </a:blip>
+          <a:stretch>
+            <a:fillRect/>
+          </a:stretch>
+        </p:blipFill>
+        <p:spPr>
+          <a:xfrm>
+            <a:off x="6857896" y="5696420"/>
+            <a:ext cx="3220111" cy="997969"/>
+          </a:xfrm>
+          <a:prstGeom prst="rect">
+            <a:avLst/>
+          </a:prstGeom>
+        </p:spPr>
+      </p:pic>
+      <p:sp>
+        <p:nvSpPr>
+          <p:cNvPr id="10" name="TextBox 9">
+            <a:extLst>
+              <a:ext uri="{FF2B5EF4-FFF2-40B4-BE49-F238E27FC236}">
+                <a16:creationId xmlns:a16="http://schemas.microsoft.com/office/drawing/2014/main" id="{62505D4B-FF76-EAB6-C431-86E4CC908378}"/>
+              </a:ext>
+            </a:extLst>
+          </p:cNvPr>
+          <p:cNvSpPr txBox="1"/>
+          <p:nvPr/>
+        </p:nvSpPr>
+        <p:spPr>
+          <a:xfrm>
+            <a:off x="169334" y="5215333"/>
+            <a:ext cx="5232073" cy="461665"/>
+          </a:xfrm>
+          <a:prstGeom prst="rect">
+            <a:avLst/>
+          </a:prstGeom>
+          <a:noFill/>
+        </p:spPr>
+        <p:txBody>
+          <a:bodyPr wrap="none" rtlCol="0">
+            <a:spAutoFit/>
+          </a:bodyPr>
+          <a:lstStyle/>
+          <a:p>
+            <a:r>
+              <a:rPr lang="en-GB" sz="2400" dirty="0"/>
+              <a:t>single back projection (one direction): </a:t>
+            </a:r>
+          </a:p>
+        </p:txBody>
+      </p:sp>
+      <p:sp>
+        <p:nvSpPr>
+          <p:cNvPr id="11" name="TextBox 10">
+            <a:extLst>
+              <a:ext uri="{FF2B5EF4-FFF2-40B4-BE49-F238E27FC236}">
+                <a16:creationId xmlns:a16="http://schemas.microsoft.com/office/drawing/2014/main" id="{FE9C40D1-9D4B-532F-7AC6-BE304484AFF9}"/>
+              </a:ext>
+            </a:extLst>
+          </p:cNvPr>
+          <p:cNvSpPr txBox="1"/>
+          <p:nvPr/>
+        </p:nvSpPr>
+        <p:spPr>
+          <a:xfrm>
+            <a:off x="169334" y="5953909"/>
+            <a:ext cx="6688562" cy="461665"/>
+          </a:xfrm>
+          <a:prstGeom prst="rect">
+            <a:avLst/>
+          </a:prstGeom>
+          <a:noFill/>
+        </p:spPr>
+        <p:txBody>
+          <a:bodyPr wrap="none" rtlCol="0">
+            <a:spAutoFit/>
+          </a:bodyPr>
+          <a:lstStyle/>
+          <a:p>
+            <a:r>
+              <a:rPr lang="en-GB" sz="2400" dirty="0"/>
+              <a:t>final image by summing over all back projections:</a:t>
+            </a:r>
           </a:p>
         </p:txBody>
       </p:sp>
     </p:spTree>
     <p:extLst>
       <p:ext uri="{BB962C8B-B14F-4D97-AF65-F5344CB8AC3E}">
-        <p14:creationId xmlns:p14="http://schemas.microsoft.com/office/powerpoint/2010/main" val="2224163225"/>
+        <p14:creationId xmlns:p14="http://schemas.microsoft.com/office/powerpoint/2010/main" val="3399933908"/>
       </p:ext>
     </p:extLst>
   </p:cSld>

--- a/slides/CT.pptx
+++ b/slides/CT.pptx
@@ -5,7 +5,7 @@
     <p:sldMasterId id="2147483648" r:id="rId1"/>
   </p:sldMasterIdLst>
   <p:notesMasterIdLst>
-    <p:notesMasterId r:id="rId16"/>
+    <p:notesMasterId r:id="rId17"/>
   </p:notesMasterIdLst>
   <p:sldIdLst>
     <p:sldId id="256" r:id="rId2"/>
@@ -22,6 +22,7 @@
     <p:sldId id="272" r:id="rId13"/>
     <p:sldId id="275" r:id="rId14"/>
     <p:sldId id="261" r:id="rId15"/>
+    <p:sldId id="276" r:id="rId16"/>
   </p:sldIdLst>
   <p:sldSz cx="12192000" cy="6858000"/>
   <p:notesSz cx="6858000" cy="9144000"/>
@@ -4025,8 +4026,8 @@
         </p:nvSpPr>
         <p:spPr>
           <a:xfrm>
-            <a:off x="557666" y="3447296"/>
-            <a:ext cx="3131618" cy="1107996"/>
+            <a:off x="363017" y="2716182"/>
+            <a:ext cx="3520915" cy="1938992"/>
           </a:xfrm>
           <a:prstGeom prst="rect">
             <a:avLst/>
@@ -4040,47 +4041,77 @@
           <a:lstStyle/>
           <a:p>
             <a:r>
-              <a:rPr lang="de-DE" sz="2200" dirty="0"/>
-              <a:t>band-limited </a:t>
-            </a:r>
-            <a:r>
-              <a:rPr lang="de-DE" sz="2200" dirty="0" err="1"/>
+              <a:rPr lang="de-DE" sz="2400" dirty="0" err="1"/>
+              <a:t>need</a:t>
+            </a:r>
+            <a:r>
+              <a:rPr lang="de-DE" sz="2400" dirty="0"/>
+              <a:t> </a:t>
+            </a:r>
+            <a:r>
+              <a:rPr lang="de-DE" sz="2400" dirty="0" err="1"/>
+              <a:t>for</a:t>
+            </a:r>
+            <a:r>
+              <a:rPr lang="de-DE" sz="2400" dirty="0"/>
+              <a:t> </a:t>
+            </a:r>
+            <a:r>
+              <a:rPr lang="de-DE" sz="2400" b="1" dirty="0"/>
+              <a:t>high-pass </a:t>
+            </a:r>
+            <a:r>
+              <a:rPr lang="de-DE" sz="2400" b="1" dirty="0" err="1"/>
+              <a:t>filter</a:t>
+            </a:r>
+            <a:endParaRPr lang="de-DE" sz="2400" b="1" dirty="0"/>
+          </a:p>
+          <a:p>
+            <a:endParaRPr lang="de-DE" sz="2400" dirty="0"/>
+          </a:p>
+          <a:p>
+            <a:r>
+              <a:rPr lang="de-DE" sz="2400" dirty="0"/>
+              <a:t>e.g., band-limited </a:t>
+            </a:r>
+            <a:r>
+              <a:rPr lang="de-DE" sz="2400" dirty="0" err="1"/>
               <a:t>ramp</a:t>
             </a:r>
             <a:r>
-              <a:rPr lang="de-DE" sz="2200" dirty="0"/>
+              <a:rPr lang="de-DE" sz="2400" dirty="0"/>
               <a:t> </a:t>
             </a:r>
             <a:r>
-              <a:rPr lang="de-DE" sz="2200" dirty="0" err="1"/>
+              <a:rPr lang="de-DE" sz="2400" dirty="0" err="1"/>
               <a:t>filter</a:t>
             </a:r>
             <a:r>
-              <a:rPr lang="de-DE" sz="2200" dirty="0"/>
+              <a:rPr lang="de-DE" sz="2400" dirty="0"/>
               <a:t> </a:t>
             </a:r>
             <a:r>
-              <a:rPr lang="de-DE" sz="2200" dirty="0" err="1"/>
+              <a:rPr lang="de-DE" sz="2400" dirty="0" err="1"/>
               <a:t>using</a:t>
             </a:r>
             <a:r>
-              <a:rPr lang="de-DE" sz="2200" dirty="0"/>
+              <a:rPr lang="de-DE" sz="2400" dirty="0"/>
               <a:t> a Hamming </a:t>
             </a:r>
             <a:r>
-              <a:rPr lang="de-DE" sz="2200" dirty="0" err="1"/>
+              <a:rPr lang="de-DE" sz="2400" dirty="0" err="1"/>
               <a:t>windowing</a:t>
             </a:r>
             <a:r>
-              <a:rPr lang="de-DE" sz="2200" dirty="0"/>
+              <a:rPr lang="de-DE" sz="2400" dirty="0"/>
               <a:t> </a:t>
             </a:r>
             <a:r>
-              <a:rPr lang="de-DE" sz="2200" dirty="0" err="1"/>
+              <a:rPr lang="de-DE" sz="2400" dirty="0" err="1"/>
               <a:t>function</a:t>
             </a:r>
             <a:r>
-              <a:rPr lang="de-DE" sz="2200" dirty="0"/>
+              <a:rPr lang="de-DE" sz="2400" dirty="0"/>
               <a:t>:</a:t>
             </a:r>
           </a:p>
@@ -5516,6 +5547,340 @@
     <p:extLst>
       <p:ext uri="{BB962C8B-B14F-4D97-AF65-F5344CB8AC3E}">
         <p14:creationId xmlns:p14="http://schemas.microsoft.com/office/powerpoint/2010/main" val="3766084937"/>
+      </p:ext>
+    </p:extLst>
+  </p:cSld>
+  <p:clrMapOvr>
+    <a:masterClrMapping/>
+  </p:clrMapOvr>
+</p:sld>
+</file>
+
+<file path=ppt/slides/slide15.xml><?xml version="1.0" encoding="utf-8"?>
+<p:sld xmlns:a="http://schemas.openxmlformats.org/drawingml/2006/main" xmlns:r="http://schemas.openxmlformats.org/officeDocument/2006/relationships" xmlns:p="http://schemas.openxmlformats.org/presentationml/2006/main">
+  <p:cSld>
+    <p:spTree>
+      <p:nvGrpSpPr>
+        <p:cNvPr id="1" name=""/>
+        <p:cNvGrpSpPr/>
+        <p:nvPr/>
+      </p:nvGrpSpPr>
+      <p:grpSpPr>
+        <a:xfrm>
+          <a:off x="0" y="0"/>
+          <a:ext cx="0" cy="0"/>
+          <a:chOff x="0" y="0"/>
+          <a:chExt cx="0" cy="0"/>
+        </a:xfrm>
+      </p:grpSpPr>
+      <p:sp>
+        <p:nvSpPr>
+          <p:cNvPr id="2" name="Titel 1">
+            <a:extLst>
+              <a:ext uri="{FF2B5EF4-FFF2-40B4-BE49-F238E27FC236}">
+                <a16:creationId xmlns:a16="http://schemas.microsoft.com/office/drawing/2014/main" id="{58397DD3-D16E-BF02-20B3-81277454C088}"/>
+              </a:ext>
+            </a:extLst>
+          </p:cNvPr>
+          <p:cNvSpPr>
+            <a:spLocks noGrp="1"/>
+          </p:cNvSpPr>
+          <p:nvPr>
+            <p:ph type="title"/>
+          </p:nvPr>
+        </p:nvSpPr>
+        <p:spPr/>
+        <p:txBody>
+          <a:bodyPr/>
+          <a:lstStyle/>
+          <a:p>
+            <a:r>
+              <a:rPr lang="de-DE" dirty="0"/>
+              <a:t>Other Deep Learning </a:t>
+            </a:r>
+            <a:r>
+              <a:rPr lang="de-DE" dirty="0" err="1"/>
+              <a:t>Applications</a:t>
+            </a:r>
+            <a:endParaRPr lang="de-DE" dirty="0"/>
+          </a:p>
+        </p:txBody>
+      </p:sp>
+      <p:sp>
+        <p:nvSpPr>
+          <p:cNvPr id="3" name="Inhaltsplatzhalter 2">
+            <a:extLst>
+              <a:ext uri="{FF2B5EF4-FFF2-40B4-BE49-F238E27FC236}">
+                <a16:creationId xmlns:a16="http://schemas.microsoft.com/office/drawing/2014/main" id="{06CBB0FE-DFDC-B5FC-6BA8-EEB7CDB50088}"/>
+              </a:ext>
+            </a:extLst>
+          </p:cNvPr>
+          <p:cNvSpPr>
+            <a:spLocks noGrp="1"/>
+          </p:cNvSpPr>
+          <p:nvPr>
+            <p:ph idx="1"/>
+          </p:nvPr>
+        </p:nvSpPr>
+        <p:spPr/>
+        <p:txBody>
+          <a:bodyPr/>
+          <a:lstStyle/>
+          <a:p>
+            <a:pPr marL="0" indent="0">
+              <a:buNone/>
+            </a:pPr>
+            <a:r>
+              <a:rPr lang="de-DE" dirty="0" err="1"/>
+              <a:t>besides</a:t>
+            </a:r>
+            <a:r>
+              <a:rPr lang="de-DE" dirty="0"/>
+              <a:t> </a:t>
+            </a:r>
+            <a:r>
+              <a:rPr lang="de-DE" dirty="0" err="1"/>
+              <a:t>reconstruction</a:t>
+            </a:r>
+            <a:r>
+              <a:rPr lang="de-DE" dirty="0"/>
+              <a:t>, </a:t>
+            </a:r>
+            <a:r>
+              <a:rPr lang="de-DE" dirty="0" err="1"/>
+              <a:t>deep</a:t>
+            </a:r>
+            <a:r>
+              <a:rPr lang="de-DE" dirty="0"/>
+              <a:t> </a:t>
+            </a:r>
+            <a:r>
+              <a:rPr lang="de-DE" dirty="0" err="1"/>
+              <a:t>learning</a:t>
+            </a:r>
+            <a:r>
+              <a:rPr lang="de-DE" dirty="0"/>
+              <a:t> </a:t>
+            </a:r>
+            <a:r>
+              <a:rPr lang="de-DE" dirty="0" err="1"/>
+              <a:t>can</a:t>
+            </a:r>
+            <a:r>
+              <a:rPr lang="de-DE" dirty="0"/>
+              <a:t> also </a:t>
+            </a:r>
+            <a:r>
+              <a:rPr lang="de-DE" dirty="0" err="1"/>
+              <a:t>be</a:t>
+            </a:r>
+            <a:r>
+              <a:rPr lang="de-DE" dirty="0"/>
+              <a:t> </a:t>
+            </a:r>
+            <a:r>
+              <a:rPr lang="de-DE" dirty="0" err="1"/>
+              <a:t>used</a:t>
+            </a:r>
+            <a:r>
+              <a:rPr lang="de-DE" dirty="0"/>
+              <a:t> </a:t>
+            </a:r>
+            <a:r>
+              <a:rPr lang="de-DE" dirty="0" err="1"/>
+              <a:t>for</a:t>
+            </a:r>
+            <a:r>
+              <a:rPr lang="de-DE" dirty="0"/>
+              <a:t>:</a:t>
+            </a:r>
+          </a:p>
+          <a:p>
+            <a:r>
+              <a:rPr lang="de-DE" dirty="0" err="1"/>
+              <a:t>classification</a:t>
+            </a:r>
+            <a:r>
+              <a:rPr lang="de-DE" dirty="0"/>
+              <a:t> and </a:t>
+            </a:r>
+            <a:r>
+              <a:rPr lang="de-DE" dirty="0" err="1"/>
+              <a:t>detection</a:t>
+            </a:r>
+            <a:r>
+              <a:rPr lang="de-DE" dirty="0"/>
+              <a:t> (e.g., </a:t>
+            </a:r>
+            <a:r>
+              <a:rPr lang="de-DE" dirty="0" err="1"/>
+              <a:t>tumors</a:t>
+            </a:r>
+            <a:r>
+              <a:rPr lang="de-DE" dirty="0"/>
+              <a:t>)</a:t>
+            </a:r>
+          </a:p>
+          <a:p>
+            <a:r>
+              <a:rPr lang="de-DE" dirty="0" err="1"/>
+              <a:t>semantic</a:t>
+            </a:r>
+            <a:r>
+              <a:rPr lang="de-DE" dirty="0"/>
+              <a:t> </a:t>
+            </a:r>
+            <a:r>
+              <a:rPr lang="de-DE" dirty="0" err="1"/>
+              <a:t>segmentation</a:t>
+            </a:r>
+            <a:r>
+              <a:rPr lang="de-DE" dirty="0"/>
+              <a:t> (e.g., </a:t>
+            </a:r>
+            <a:r>
+              <a:rPr lang="de-DE" dirty="0" err="1"/>
+              <a:t>organs</a:t>
+            </a:r>
+            <a:r>
+              <a:rPr lang="de-DE" dirty="0"/>
+              <a:t>)</a:t>
+            </a:r>
+          </a:p>
+          <a:p>
+            <a:r>
+              <a:rPr lang="de-DE" dirty="0" err="1"/>
+              <a:t>noise</a:t>
+            </a:r>
+            <a:r>
+              <a:rPr lang="de-DE" dirty="0"/>
+              <a:t> </a:t>
+            </a:r>
+            <a:r>
+              <a:rPr lang="de-DE" dirty="0" err="1"/>
+              <a:t>reduction</a:t>
+            </a:r>
+            <a:r>
+              <a:rPr lang="de-DE" dirty="0"/>
+              <a:t> and </a:t>
+            </a:r>
+            <a:r>
+              <a:rPr lang="de-DE" dirty="0" err="1"/>
+              <a:t>image</a:t>
+            </a:r>
+            <a:r>
+              <a:rPr lang="de-DE" dirty="0"/>
+              <a:t> </a:t>
+            </a:r>
+            <a:r>
+              <a:rPr lang="de-DE" dirty="0" err="1"/>
+              <a:t>enhancement</a:t>
+            </a:r>
+            <a:endParaRPr lang="de-DE" dirty="0"/>
+          </a:p>
+          <a:p>
+            <a:r>
+              <a:rPr lang="de-DE" dirty="0" err="1"/>
+              <a:t>image</a:t>
+            </a:r>
+            <a:r>
+              <a:rPr lang="de-DE" dirty="0"/>
+              <a:t> </a:t>
+            </a:r>
+            <a:r>
+              <a:rPr lang="de-DE" dirty="0" err="1"/>
+              <a:t>registration</a:t>
+            </a:r>
+            <a:r>
+              <a:rPr lang="de-DE" dirty="0"/>
+              <a:t> and </a:t>
+            </a:r>
+            <a:r>
+              <a:rPr lang="de-DE" dirty="0" err="1"/>
+              <a:t>fusion</a:t>
+            </a:r>
+            <a:r>
+              <a:rPr lang="de-DE" dirty="0"/>
+              <a:t> </a:t>
+            </a:r>
+            <a:r>
+              <a:rPr lang="de-DE" dirty="0" err="1"/>
+              <a:t>across</a:t>
+            </a:r>
+            <a:r>
+              <a:rPr lang="de-DE" dirty="0"/>
+              <a:t> </a:t>
+            </a:r>
+            <a:r>
+              <a:rPr lang="de-DE" dirty="0" err="1"/>
+              <a:t>modalities</a:t>
+            </a:r>
+            <a:r>
+              <a:rPr lang="de-DE" dirty="0"/>
+              <a:t> (e.g., CT and MRI)</a:t>
+            </a:r>
+          </a:p>
+          <a:p>
+            <a:r>
+              <a:rPr lang="de-DE" dirty="0"/>
+              <a:t>quantitative </a:t>
+            </a:r>
+            <a:r>
+              <a:rPr lang="de-DE" dirty="0" err="1"/>
+              <a:t>analysis</a:t>
+            </a:r>
+            <a:endParaRPr lang="de-DE" dirty="0"/>
+          </a:p>
+          <a:p>
+            <a:r>
+              <a:rPr lang="de-DE" dirty="0" err="1"/>
+              <a:t>anomaly</a:t>
+            </a:r>
+            <a:r>
+              <a:rPr lang="de-DE" dirty="0"/>
+              <a:t> </a:t>
+            </a:r>
+            <a:r>
+              <a:rPr lang="de-DE" dirty="0" err="1"/>
+              <a:t>detection</a:t>
+            </a:r>
+            <a:endParaRPr lang="de-DE" dirty="0"/>
+          </a:p>
+        </p:txBody>
+      </p:sp>
+      <p:sp>
+        <p:nvSpPr>
+          <p:cNvPr id="4" name="Foliennummernplatzhalter 3">
+            <a:extLst>
+              <a:ext uri="{FF2B5EF4-FFF2-40B4-BE49-F238E27FC236}">
+                <a16:creationId xmlns:a16="http://schemas.microsoft.com/office/drawing/2014/main" id="{F8E19650-0786-61BE-7053-7BDA4D45DEB1}"/>
+              </a:ext>
+            </a:extLst>
+          </p:cNvPr>
+          <p:cNvSpPr>
+            <a:spLocks noGrp="1"/>
+          </p:cNvSpPr>
+          <p:nvPr>
+            <p:ph type="sldNum" sz="quarter" idx="12"/>
+          </p:nvPr>
+        </p:nvSpPr>
+        <p:spPr/>
+        <p:txBody>
+          <a:bodyPr/>
+          <a:lstStyle/>
+          <a:p>
+            <a:fld id="{FD50B010-3F09-4BF2-AC9E-0082EFF861BF}" type="slidenum">
+              <a:rPr lang="en-GB" smtClean="0"/>
+              <a:t>15</a:t>
+            </a:fld>
+            <a:endParaRPr lang="en-GB"/>
+          </a:p>
+        </p:txBody>
+      </p:sp>
+    </p:spTree>
+    <p:extLst>
+      <p:ext uri="{BB962C8B-B14F-4D97-AF65-F5344CB8AC3E}">
+        <p14:creationId xmlns:p14="http://schemas.microsoft.com/office/powerpoint/2010/main" val="712734329"/>
       </p:ext>
     </p:extLst>
   </p:cSld>
